--- a/presentation/Final Presentazion/Final Presentation.pptx
+++ b/presentation/Final Presentazion/Final Presentation.pptx
@@ -5,17 +5,30 @@
     <p:sldMasterId id="2147483697" r:id="rId1"/>
   </p:sldMasterIdLst>
   <p:notesMasterIdLst>
-    <p:notesMasterId r:id="rId10"/>
+    <p:notesMasterId r:id="rId23"/>
   </p:notesMasterIdLst>
   <p:sldIdLst>
     <p:sldId id="256" r:id="rId2"/>
-    <p:sldId id="259" r:id="rId3"/>
-    <p:sldId id="264" r:id="rId4"/>
-    <p:sldId id="267" r:id="rId5"/>
-    <p:sldId id="271" r:id="rId6"/>
-    <p:sldId id="265" r:id="rId7"/>
-    <p:sldId id="269" r:id="rId8"/>
-    <p:sldId id="270" r:id="rId9"/>
+    <p:sldId id="285" r:id="rId3"/>
+    <p:sldId id="259" r:id="rId4"/>
+    <p:sldId id="286" r:id="rId5"/>
+    <p:sldId id="267" r:id="rId6"/>
+    <p:sldId id="272" r:id="rId7"/>
+    <p:sldId id="265" r:id="rId8"/>
+    <p:sldId id="269" r:id="rId9"/>
+    <p:sldId id="270" r:id="rId10"/>
+    <p:sldId id="273" r:id="rId11"/>
+    <p:sldId id="274" r:id="rId12"/>
+    <p:sldId id="275" r:id="rId13"/>
+    <p:sldId id="283" r:id="rId14"/>
+    <p:sldId id="282" r:id="rId15"/>
+    <p:sldId id="277" r:id="rId16"/>
+    <p:sldId id="276" r:id="rId17"/>
+    <p:sldId id="278" r:id="rId18"/>
+    <p:sldId id="279" r:id="rId19"/>
+    <p:sldId id="280" r:id="rId20"/>
+    <p:sldId id="281" r:id="rId21"/>
+    <p:sldId id="284" r:id="rId22"/>
   </p:sldIdLst>
   <p:sldSz cx="12192000" cy="6858000"/>
   <p:notesSz cx="6858000" cy="9144000"/>
@@ -114,6 +127,11 @@
       </a:defRPr>
     </a:lvl9pPr>
   </p:defaultTextStyle>
+  <p:extLst>
+    <p:ext uri="{EFAFB233-063F-42B5-8137-9DF3F51BA10A}">
+      <p15:sldGuideLst xmlns:p15="http://schemas.microsoft.com/office/powerpoint/2012/main"/>
+    </p:ext>
+  </p:extLst>
 </p:presentation>
 </file>
 
@@ -199,7 +217,7 @@
           <a:p>
             <a:fld id="{78E6DE4B-9BCB-B04C-A77A-65D42B908F6C}" type="datetimeFigureOut">
               <a:rPr lang="en-US" smtClean="0"/>
-              <a:t>2/25/17</a:t>
+              <a:t>2/26/17</a:t>
             </a:fld>
             <a:endParaRPr lang="en-US"/>
           </a:p>
@@ -6347,6 +6365,14 @@
 <file path=ppt/slides/slide1.xml><?xml version="1.0" encoding="utf-8"?>
 <p:sld xmlns:a="http://schemas.openxmlformats.org/drawingml/2006/main" xmlns:r="http://schemas.openxmlformats.org/officeDocument/2006/relationships" xmlns:p="http://schemas.openxmlformats.org/presentationml/2006/main">
   <p:cSld>
+    <p:bg>
+      <p:bgPr>
+        <a:solidFill>
+          <a:schemeClr val="bg1"/>
+        </a:solidFill>
+        <a:effectLst/>
+      </p:bgPr>
+    </p:bg>
     <p:spTree>
       <p:nvGrpSpPr>
         <p:cNvPr id="1" name=""/>
@@ -6361,6 +6387,38 @@
           <a:chExt cx="0" cy="0"/>
         </a:xfrm>
       </p:grpSpPr>
+      <p:pic>
+        <p:nvPicPr>
+          <p:cNvPr id="11" name="Picture 10"/>
+          <p:cNvPicPr>
+            <a:picLocks noChangeAspect="1"/>
+          </p:cNvPicPr>
+          <p:nvPr/>
+        </p:nvPicPr>
+        <p:blipFill>
+          <a:blip r:embed="rId3">
+            <a:alphaModFix amt="17000"/>
+            <a:extLst>
+              <a:ext uri="{28A0092B-C50C-407E-A947-70E740481C1C}">
+                <a14:useLocalDpi xmlns:a14="http://schemas.microsoft.com/office/drawing/2010/main" val="0"/>
+              </a:ext>
+            </a:extLst>
+          </a:blip>
+          <a:stretch>
+            <a:fillRect/>
+          </a:stretch>
+        </p:blipFill>
+        <p:spPr>
+          <a:xfrm>
+            <a:off x="1365914" y="822833"/>
+            <a:ext cx="4920452" cy="4809703"/>
+          </a:xfrm>
+          <a:prstGeom prst="rect">
+            <a:avLst/>
+          </a:prstGeom>
+          <a:effectLst/>
+        </p:spPr>
+      </p:pic>
       <p:sp>
         <p:nvSpPr>
           <p:cNvPr id="2" name="Title 1"/>
@@ -6973,6 +7031,3615 @@
     <p:extLst>
       <p:ext uri="{BB962C8B-B14F-4D97-AF65-F5344CB8AC3E}">
         <p14:creationId xmlns:p14="http://schemas.microsoft.com/office/powerpoint/2010/main" val="238406506"/>
+      </p:ext>
+    </p:extLst>
+  </p:cSld>
+  <p:clrMapOvr>
+    <a:masterClrMapping/>
+  </p:clrMapOvr>
+  <p:timing>
+    <p:tnLst>
+      <p:par>
+        <p:cTn id="1" dur="indefinite" restart="never" nodeType="tmRoot"/>
+      </p:par>
+    </p:tnLst>
+  </p:timing>
+</p:sld>
+</file>
+
+<file path=ppt/slides/slide10.xml><?xml version="1.0" encoding="utf-8"?>
+<p:sld xmlns:a="http://schemas.openxmlformats.org/drawingml/2006/main" xmlns:r="http://schemas.openxmlformats.org/officeDocument/2006/relationships" xmlns:p="http://schemas.openxmlformats.org/presentationml/2006/main" showMasterSp="0">
+  <p:cSld>
+    <p:spTree>
+      <p:nvGrpSpPr>
+        <p:cNvPr id="1" name=""/>
+        <p:cNvGrpSpPr/>
+        <p:nvPr/>
+      </p:nvGrpSpPr>
+      <p:grpSpPr>
+        <a:xfrm>
+          <a:off x="0" y="0"/>
+          <a:ext cx="0" cy="0"/>
+          <a:chOff x="0" y="0"/>
+          <a:chExt cx="0" cy="0"/>
+        </a:xfrm>
+      </p:grpSpPr>
+      <p:sp>
+        <p:nvSpPr>
+          <p:cNvPr id="4" name="Footer Placeholder 3"/>
+          <p:cNvSpPr>
+            <a:spLocks noGrp="1"/>
+          </p:cNvSpPr>
+          <p:nvPr>
+            <p:ph type="ftr" sz="quarter" idx="11"/>
+          </p:nvPr>
+        </p:nvSpPr>
+        <p:spPr>
+          <a:xfrm>
+            <a:off x="677334" y="6376007"/>
+            <a:ext cx="6297612" cy="365125"/>
+          </a:xfrm>
+        </p:spPr>
+        <p:txBody>
+          <a:bodyPr/>
+          <a:lstStyle/>
+          <a:p>
+            <a:r>
+              <a:rPr lang="en-US" dirty="0" smtClean="0">
+                <a:solidFill>
+                  <a:prstClr val="black">
+                    <a:tint val="75000"/>
+                  </a:prstClr>
+                </a:solidFill>
+                <a:latin typeface="Helvetica Neue" charset="0"/>
+                <a:ea typeface="Helvetica Neue" charset="0"/>
+                <a:cs typeface="Helvetica Neue" charset="0"/>
+              </a:rPr>
+              <a:t>Francesco Peverelli - Federico Reppucci</a:t>
+            </a:r>
+            <a:endParaRPr lang="en-US" dirty="0">
+              <a:solidFill>
+                <a:prstClr val="black">
+                  <a:tint val="75000"/>
+                </a:prstClr>
+              </a:solidFill>
+              <a:latin typeface="Helvetica Neue" charset="0"/>
+              <a:ea typeface="Helvetica Neue" charset="0"/>
+              <a:cs typeface="Helvetica Neue" charset="0"/>
+            </a:endParaRPr>
+          </a:p>
+        </p:txBody>
+      </p:sp>
+      <p:sp>
+        <p:nvSpPr>
+          <p:cNvPr id="5" name="Slide Number Placeholder 4"/>
+          <p:cNvSpPr>
+            <a:spLocks noGrp="1"/>
+          </p:cNvSpPr>
+          <p:nvPr>
+            <p:ph type="sldNum" sz="quarter" idx="12"/>
+          </p:nvPr>
+        </p:nvSpPr>
+        <p:spPr>
+          <a:xfrm>
+            <a:off x="11088214" y="6376006"/>
+            <a:ext cx="683339" cy="365125"/>
+          </a:xfrm>
+        </p:spPr>
+        <p:txBody>
+          <a:bodyPr/>
+          <a:lstStyle/>
+          <a:p>
+            <a:fld id="{D57F1E4F-1CFF-5643-939E-217C01CDF565}" type="slidenum">
+              <a:rPr lang="en-US" smtClean="0">
+                <a:solidFill>
+                  <a:srgbClr val="5FCBEF"/>
+                </a:solidFill>
+                <a:latin typeface="Helvetica Neue" charset="0"/>
+                <a:ea typeface="Helvetica Neue" charset="0"/>
+                <a:cs typeface="Helvetica Neue" charset="0"/>
+              </a:rPr>
+              <a:pPr/>
+              <a:t>10</a:t>
+            </a:fld>
+            <a:endParaRPr lang="en-US" dirty="0">
+              <a:solidFill>
+                <a:srgbClr val="5FCBEF"/>
+              </a:solidFill>
+              <a:latin typeface="Helvetica Neue" charset="0"/>
+              <a:ea typeface="Helvetica Neue" charset="0"/>
+              <a:cs typeface="Helvetica Neue" charset="0"/>
+            </a:endParaRPr>
+          </a:p>
+        </p:txBody>
+      </p:sp>
+      <p:sp>
+        <p:nvSpPr>
+          <p:cNvPr id="9" name="Title 1"/>
+          <p:cNvSpPr>
+            <a:spLocks noGrp="1"/>
+          </p:cNvSpPr>
+          <p:nvPr>
+            <p:ph type="title"/>
+          </p:nvPr>
+        </p:nvSpPr>
+        <p:spPr>
+          <a:xfrm>
+            <a:off x="30449" y="1830887"/>
+            <a:ext cx="12192000" cy="2135632"/>
+          </a:xfrm>
+        </p:spPr>
+        <p:txBody>
+          <a:bodyPr>
+            <a:noAutofit/>
+          </a:bodyPr>
+          <a:lstStyle/>
+          <a:p>
+            <a:pPr algn="ctr"/>
+            <a:r>
+              <a:rPr lang="en-US" sz="6000" dirty="0" smtClean="0">
+                <a:solidFill>
+                  <a:schemeClr val="accent2"/>
+                </a:solidFill>
+                <a:latin typeface="Helvetica Neue" charset="0"/>
+                <a:ea typeface="Helvetica Neue" charset="0"/>
+                <a:cs typeface="Helvetica Neue" charset="0"/>
+              </a:rPr>
+              <a:t>Let’s talk about </a:t>
+            </a:r>
+            <a:br>
+              <a:rPr lang="en-US" sz="6000" dirty="0" smtClean="0">
+                <a:solidFill>
+                  <a:schemeClr val="accent2"/>
+                </a:solidFill>
+                <a:latin typeface="Helvetica Neue" charset="0"/>
+                <a:ea typeface="Helvetica Neue" charset="0"/>
+                <a:cs typeface="Helvetica Neue" charset="0"/>
+              </a:rPr>
+            </a:br>
+            <a:r>
+              <a:rPr lang="en-US" sz="6000" dirty="0" smtClean="0">
+                <a:solidFill>
+                  <a:schemeClr val="accent2"/>
+                </a:solidFill>
+                <a:latin typeface="Helvetica Neue" charset="0"/>
+                <a:ea typeface="Helvetica Neue" charset="0"/>
+                <a:cs typeface="Helvetica Neue" charset="0"/>
+              </a:rPr>
+              <a:t>software design</a:t>
+            </a:r>
+            <a:r>
+              <a:rPr lang="mr-IN" sz="6000" dirty="0" smtClean="0">
+                <a:solidFill>
+                  <a:schemeClr val="accent2"/>
+                </a:solidFill>
+                <a:latin typeface="Helvetica Neue" charset="0"/>
+                <a:ea typeface="Helvetica Neue" charset="0"/>
+                <a:cs typeface="Helvetica Neue" charset="0"/>
+              </a:rPr>
+              <a:t>…</a:t>
+            </a:r>
+            <a:endParaRPr lang="en-US" sz="6000" dirty="0">
+              <a:solidFill>
+                <a:schemeClr val="accent2"/>
+              </a:solidFill>
+              <a:latin typeface="Helvetica Neue" charset="0"/>
+              <a:ea typeface="Helvetica Neue" charset="0"/>
+              <a:cs typeface="Helvetica Neue" charset="0"/>
+            </a:endParaRPr>
+          </a:p>
+        </p:txBody>
+      </p:sp>
+    </p:spTree>
+    <p:extLst>
+      <p:ext uri="{BB962C8B-B14F-4D97-AF65-F5344CB8AC3E}">
+        <p14:creationId xmlns:p14="http://schemas.microsoft.com/office/powerpoint/2010/main" val="322226265"/>
+      </p:ext>
+    </p:extLst>
+  </p:cSld>
+  <p:clrMapOvr>
+    <a:masterClrMapping/>
+  </p:clrMapOvr>
+  <p:timing>
+    <p:tnLst>
+      <p:par>
+        <p:cTn id="1" dur="indefinite" restart="never" nodeType="tmRoot"/>
+      </p:par>
+    </p:tnLst>
+  </p:timing>
+</p:sld>
+</file>
+
+<file path=ppt/slides/slide11.xml><?xml version="1.0" encoding="utf-8"?>
+<p:sld xmlns:a="http://schemas.openxmlformats.org/drawingml/2006/main" xmlns:r="http://schemas.openxmlformats.org/officeDocument/2006/relationships" xmlns:p="http://schemas.openxmlformats.org/presentationml/2006/main" showMasterSp="0">
+  <p:cSld>
+    <p:spTree>
+      <p:nvGrpSpPr>
+        <p:cNvPr id="1" name=""/>
+        <p:cNvGrpSpPr/>
+        <p:nvPr/>
+      </p:nvGrpSpPr>
+      <p:grpSpPr>
+        <a:xfrm>
+          <a:off x="0" y="0"/>
+          <a:ext cx="0" cy="0"/>
+          <a:chOff x="0" y="0"/>
+          <a:chExt cx="0" cy="0"/>
+        </a:xfrm>
+      </p:grpSpPr>
+      <p:sp>
+        <p:nvSpPr>
+          <p:cNvPr id="4" name="Footer Placeholder 3"/>
+          <p:cNvSpPr>
+            <a:spLocks noGrp="1"/>
+          </p:cNvSpPr>
+          <p:nvPr>
+            <p:ph type="ftr" sz="quarter" idx="11"/>
+          </p:nvPr>
+        </p:nvSpPr>
+        <p:spPr>
+          <a:xfrm>
+            <a:off x="677334" y="6376007"/>
+            <a:ext cx="6297612" cy="365125"/>
+          </a:xfrm>
+        </p:spPr>
+        <p:txBody>
+          <a:bodyPr/>
+          <a:lstStyle/>
+          <a:p>
+            <a:r>
+              <a:rPr lang="en-US" dirty="0" smtClean="0">
+                <a:solidFill>
+                  <a:prstClr val="black">
+                    <a:tint val="75000"/>
+                  </a:prstClr>
+                </a:solidFill>
+                <a:latin typeface="Helvetica Neue" charset="0"/>
+                <a:ea typeface="Helvetica Neue" charset="0"/>
+                <a:cs typeface="Helvetica Neue" charset="0"/>
+              </a:rPr>
+              <a:t>Francesco Peverelli - Federico Reppucci</a:t>
+            </a:r>
+            <a:endParaRPr lang="en-US" dirty="0">
+              <a:solidFill>
+                <a:prstClr val="black">
+                  <a:tint val="75000"/>
+                </a:prstClr>
+              </a:solidFill>
+              <a:latin typeface="Helvetica Neue" charset="0"/>
+              <a:ea typeface="Helvetica Neue" charset="0"/>
+              <a:cs typeface="Helvetica Neue" charset="0"/>
+            </a:endParaRPr>
+          </a:p>
+        </p:txBody>
+      </p:sp>
+      <p:sp>
+        <p:nvSpPr>
+          <p:cNvPr id="5" name="Slide Number Placeholder 4"/>
+          <p:cNvSpPr>
+            <a:spLocks noGrp="1"/>
+          </p:cNvSpPr>
+          <p:nvPr>
+            <p:ph type="sldNum" sz="quarter" idx="12"/>
+          </p:nvPr>
+        </p:nvSpPr>
+        <p:spPr>
+          <a:xfrm>
+            <a:off x="11088214" y="6376006"/>
+            <a:ext cx="683339" cy="365125"/>
+          </a:xfrm>
+        </p:spPr>
+        <p:txBody>
+          <a:bodyPr/>
+          <a:lstStyle/>
+          <a:p>
+            <a:fld id="{D57F1E4F-1CFF-5643-939E-217C01CDF565}" type="slidenum">
+              <a:rPr lang="en-US" smtClean="0">
+                <a:solidFill>
+                  <a:srgbClr val="5FCBEF"/>
+                </a:solidFill>
+                <a:latin typeface="Helvetica Neue" charset="0"/>
+                <a:ea typeface="Helvetica Neue" charset="0"/>
+                <a:cs typeface="Helvetica Neue" charset="0"/>
+              </a:rPr>
+              <a:pPr/>
+              <a:t>11</a:t>
+            </a:fld>
+            <a:endParaRPr lang="en-US" dirty="0">
+              <a:solidFill>
+                <a:srgbClr val="5FCBEF"/>
+              </a:solidFill>
+              <a:latin typeface="Helvetica Neue" charset="0"/>
+              <a:ea typeface="Helvetica Neue" charset="0"/>
+              <a:cs typeface="Helvetica Neue" charset="0"/>
+            </a:endParaRPr>
+          </a:p>
+        </p:txBody>
+      </p:sp>
+      <p:sp>
+        <p:nvSpPr>
+          <p:cNvPr id="7" name="Terminator 6"/>
+          <p:cNvSpPr/>
+          <p:nvPr/>
+        </p:nvSpPr>
+        <p:spPr>
+          <a:xfrm>
+            <a:off x="1290595" y="927518"/>
+            <a:ext cx="2150076" cy="766119"/>
+          </a:xfrm>
+          <a:prstGeom prst="flowChartTerminator">
+            <a:avLst/>
+          </a:prstGeom>
+          <a:ln>
+            <a:noFill/>
+          </a:ln>
+        </p:spPr>
+        <p:style>
+          <a:lnRef idx="2">
+            <a:schemeClr val="accent1">
+              <a:shade val="50000"/>
+            </a:schemeClr>
+          </a:lnRef>
+          <a:fillRef idx="1">
+            <a:schemeClr val="accent1"/>
+          </a:fillRef>
+          <a:effectRef idx="0">
+            <a:schemeClr val="accent1"/>
+          </a:effectRef>
+          <a:fontRef idx="minor">
+            <a:schemeClr val="lt1"/>
+          </a:fontRef>
+        </p:style>
+        <p:txBody>
+          <a:bodyPr rtlCol="0" anchor="ctr"/>
+          <a:lstStyle/>
+          <a:p>
+            <a:pPr algn="ctr"/>
+            <a:r>
+              <a:rPr lang="en-US" dirty="0" smtClean="0"/>
+              <a:t>Car software system</a:t>
+            </a:r>
+            <a:endParaRPr lang="en-US" dirty="0"/>
+          </a:p>
+        </p:txBody>
+      </p:sp>
+      <p:sp>
+        <p:nvSpPr>
+          <p:cNvPr id="11" name="Terminator 10"/>
+          <p:cNvSpPr/>
+          <p:nvPr/>
+        </p:nvSpPr>
+        <p:spPr>
+          <a:xfrm>
+            <a:off x="1290595" y="2239354"/>
+            <a:ext cx="2150076" cy="766119"/>
+          </a:xfrm>
+          <a:prstGeom prst="flowChartTerminator">
+            <a:avLst/>
+          </a:prstGeom>
+          <a:ln>
+            <a:noFill/>
+          </a:ln>
+        </p:spPr>
+        <p:style>
+          <a:lnRef idx="2">
+            <a:schemeClr val="accent1">
+              <a:shade val="50000"/>
+            </a:schemeClr>
+          </a:lnRef>
+          <a:fillRef idx="1">
+            <a:schemeClr val="accent1"/>
+          </a:fillRef>
+          <a:effectRef idx="0">
+            <a:schemeClr val="accent1"/>
+          </a:effectRef>
+          <a:fontRef idx="minor">
+            <a:schemeClr val="lt1"/>
+          </a:fontRef>
+        </p:style>
+        <p:txBody>
+          <a:bodyPr rtlCol="0" anchor="ctr"/>
+          <a:lstStyle/>
+          <a:p>
+            <a:pPr algn="ctr"/>
+            <a:r>
+              <a:rPr lang="en-US" dirty="0" smtClean="0"/>
+              <a:t>User</a:t>
+            </a:r>
+          </a:p>
+          <a:p>
+            <a:pPr algn="ctr"/>
+            <a:r>
+              <a:rPr lang="en-US" dirty="0" smtClean="0"/>
+              <a:t>application</a:t>
+            </a:r>
+            <a:endParaRPr lang="en-US" dirty="0"/>
+          </a:p>
+        </p:txBody>
+      </p:sp>
+      <p:sp>
+        <p:nvSpPr>
+          <p:cNvPr id="12" name="Terminator 11"/>
+          <p:cNvSpPr/>
+          <p:nvPr/>
+        </p:nvSpPr>
+        <p:spPr>
+          <a:xfrm>
+            <a:off x="1290595" y="4863028"/>
+            <a:ext cx="2150076" cy="766119"/>
+          </a:xfrm>
+          <a:prstGeom prst="flowChartTerminator">
+            <a:avLst/>
+          </a:prstGeom>
+          <a:ln>
+            <a:noFill/>
+          </a:ln>
+        </p:spPr>
+        <p:style>
+          <a:lnRef idx="2">
+            <a:schemeClr val="accent1">
+              <a:shade val="50000"/>
+            </a:schemeClr>
+          </a:lnRef>
+          <a:fillRef idx="1">
+            <a:schemeClr val="accent1"/>
+          </a:fillRef>
+          <a:effectRef idx="0">
+            <a:schemeClr val="accent1"/>
+          </a:effectRef>
+          <a:fontRef idx="minor">
+            <a:schemeClr val="lt1"/>
+          </a:fontRef>
+        </p:style>
+        <p:txBody>
+          <a:bodyPr rtlCol="0" anchor="ctr"/>
+          <a:lstStyle/>
+          <a:p>
+            <a:pPr algn="ctr"/>
+            <a:r>
+              <a:rPr lang="en-US" dirty="0" smtClean="0"/>
+              <a:t>Server side system</a:t>
+            </a:r>
+            <a:endParaRPr lang="en-US" dirty="0"/>
+          </a:p>
+        </p:txBody>
+      </p:sp>
+      <p:sp>
+        <p:nvSpPr>
+          <p:cNvPr id="13" name="Terminator 12"/>
+          <p:cNvSpPr/>
+          <p:nvPr/>
+        </p:nvSpPr>
+        <p:spPr>
+          <a:xfrm>
+            <a:off x="1290595" y="3551191"/>
+            <a:ext cx="2150076" cy="766119"/>
+          </a:xfrm>
+          <a:prstGeom prst="flowChartTerminator">
+            <a:avLst/>
+          </a:prstGeom>
+          <a:ln>
+            <a:noFill/>
+          </a:ln>
+        </p:spPr>
+        <p:style>
+          <a:lnRef idx="2">
+            <a:schemeClr val="accent1">
+              <a:shade val="50000"/>
+            </a:schemeClr>
+          </a:lnRef>
+          <a:fillRef idx="1">
+            <a:schemeClr val="accent1"/>
+          </a:fillRef>
+          <a:effectRef idx="0">
+            <a:schemeClr val="accent1"/>
+          </a:effectRef>
+          <a:fontRef idx="minor">
+            <a:schemeClr val="lt1"/>
+          </a:fontRef>
+        </p:style>
+        <p:txBody>
+          <a:bodyPr rtlCol="0" anchor="ctr"/>
+          <a:lstStyle/>
+          <a:p>
+            <a:pPr algn="ctr"/>
+            <a:r>
+              <a:rPr lang="en-US" dirty="0" smtClean="0"/>
+              <a:t>Employee application</a:t>
+            </a:r>
+            <a:endParaRPr lang="en-US" dirty="0"/>
+          </a:p>
+        </p:txBody>
+      </p:sp>
+      <p:sp>
+        <p:nvSpPr>
+          <p:cNvPr id="14" name="Content Placeholder 2"/>
+          <p:cNvSpPr>
+            <a:spLocks noGrp="1"/>
+          </p:cNvSpPr>
+          <p:nvPr>
+            <p:ph idx="1"/>
+          </p:nvPr>
+        </p:nvSpPr>
+        <p:spPr>
+          <a:xfrm>
+            <a:off x="4014695" y="1831297"/>
+            <a:ext cx="7137400" cy="3577888"/>
+          </a:xfrm>
+        </p:spPr>
+        <p:txBody>
+          <a:bodyPr wrap="square">
+            <a:noAutofit/>
+          </a:bodyPr>
+          <a:lstStyle/>
+          <a:p>
+            <a:r>
+              <a:rPr lang="en-US" sz="2500" dirty="0">
+                <a:latin typeface="Helvetica Neue" charset="0"/>
+                <a:ea typeface="Helvetica Neue" charset="0"/>
+                <a:cs typeface="Helvetica Neue" charset="0"/>
+              </a:rPr>
+              <a:t>Different software components need to exchange </a:t>
+            </a:r>
+            <a:r>
+              <a:rPr lang="en-US" sz="2500" dirty="0" smtClean="0">
+                <a:latin typeface="Helvetica Neue" charset="0"/>
+                <a:ea typeface="Helvetica Neue" charset="0"/>
+                <a:cs typeface="Helvetica Neue" charset="0"/>
+              </a:rPr>
+              <a:t>information</a:t>
+            </a:r>
+          </a:p>
+          <a:p>
+            <a:r>
+              <a:rPr lang="en-US" sz="2500" dirty="0" smtClean="0">
+                <a:latin typeface="Helvetica Neue" charset="0"/>
+                <a:ea typeface="Helvetica Neue" charset="0"/>
+                <a:cs typeface="Helvetica Neue" charset="0"/>
+              </a:rPr>
+              <a:t>This interaction is largely event-centric:</a:t>
+            </a:r>
+            <a:endParaRPr lang="en-US" sz="2500" dirty="0" smtClean="0">
+              <a:latin typeface="Helvetica Neue" charset="0"/>
+              <a:ea typeface="Helvetica Neue" charset="0"/>
+              <a:cs typeface="Helvetica Neue" charset="0"/>
+            </a:endParaRPr>
+          </a:p>
+          <a:p>
+            <a:pPr lvl="1"/>
+            <a:r>
+              <a:rPr lang="en-US" sz="2300" dirty="0" smtClean="0">
+                <a:latin typeface="Helvetica Neue" charset="0"/>
+                <a:ea typeface="Helvetica Neue" charset="0"/>
+                <a:cs typeface="Helvetica Neue" charset="0"/>
+              </a:rPr>
+              <a:t>Notifications about dislocated cars</a:t>
+            </a:r>
+          </a:p>
+          <a:p>
+            <a:pPr lvl="1"/>
+            <a:r>
+              <a:rPr lang="en-US" sz="2300" dirty="0" smtClean="0">
+                <a:latin typeface="Helvetica Neue" charset="0"/>
+                <a:ea typeface="Helvetica Neue" charset="0"/>
+                <a:cs typeface="Helvetica Neue" charset="0"/>
+              </a:rPr>
+              <a:t>State-change notifications from cars to the server side</a:t>
+            </a:r>
+          </a:p>
+          <a:p>
+            <a:pPr lvl="1"/>
+            <a:r>
+              <a:rPr lang="en-US" sz="2300" dirty="0" smtClean="0">
+                <a:latin typeface="Helvetica Neue" charset="0"/>
+                <a:ea typeface="Helvetica Neue" charset="0"/>
+                <a:cs typeface="Helvetica Neue" charset="0"/>
+              </a:rPr>
+              <a:t>Notification to the user about his/her ride</a:t>
+            </a:r>
+          </a:p>
+        </p:txBody>
+      </p:sp>
+      <p:sp>
+        <p:nvSpPr>
+          <p:cNvPr id="17" name="Title 1"/>
+          <p:cNvSpPr>
+            <a:spLocks noGrp="1"/>
+          </p:cNvSpPr>
+          <p:nvPr>
+            <p:ph type="title"/>
+          </p:nvPr>
+        </p:nvSpPr>
+        <p:spPr>
+          <a:xfrm>
+            <a:off x="3440671" y="976625"/>
+            <a:ext cx="8285448" cy="879670"/>
+          </a:xfrm>
+        </p:spPr>
+        <p:txBody>
+          <a:bodyPr>
+            <a:noAutofit/>
+          </a:bodyPr>
+          <a:lstStyle/>
+          <a:p>
+            <a:pPr algn="ctr"/>
+            <a:r>
+              <a:rPr lang="en-US" sz="3200" dirty="0" smtClean="0">
+                <a:solidFill>
+                  <a:schemeClr val="accent2"/>
+                </a:solidFill>
+                <a:latin typeface="Helvetica Neue" charset="0"/>
+                <a:ea typeface="Helvetica Neue" charset="0"/>
+                <a:cs typeface="Helvetica Neue" charset="0"/>
+              </a:rPr>
+              <a:t>What does our software system need?</a:t>
+            </a:r>
+            <a:endParaRPr lang="en-US" sz="3200" dirty="0">
+              <a:solidFill>
+                <a:schemeClr val="accent2"/>
+              </a:solidFill>
+              <a:latin typeface="Helvetica Neue" charset="0"/>
+              <a:ea typeface="Helvetica Neue" charset="0"/>
+              <a:cs typeface="Helvetica Neue" charset="0"/>
+            </a:endParaRPr>
+          </a:p>
+        </p:txBody>
+      </p:sp>
+    </p:spTree>
+    <p:extLst>
+      <p:ext uri="{BB962C8B-B14F-4D97-AF65-F5344CB8AC3E}">
+        <p14:creationId xmlns:p14="http://schemas.microsoft.com/office/powerpoint/2010/main" val="1713562280"/>
+      </p:ext>
+    </p:extLst>
+  </p:cSld>
+  <p:clrMapOvr>
+    <a:masterClrMapping/>
+  </p:clrMapOvr>
+  <p:timing>
+    <p:tnLst>
+      <p:par>
+        <p:cTn id="1" dur="indefinite" restart="never" nodeType="tmRoot"/>
+      </p:par>
+    </p:tnLst>
+  </p:timing>
+</p:sld>
+</file>
+
+<file path=ppt/slides/slide12.xml><?xml version="1.0" encoding="utf-8"?>
+<p:sld xmlns:a="http://schemas.openxmlformats.org/drawingml/2006/main" xmlns:r="http://schemas.openxmlformats.org/officeDocument/2006/relationships" xmlns:p="http://schemas.openxmlformats.org/presentationml/2006/main" showMasterSp="0">
+  <p:cSld>
+    <p:spTree>
+      <p:nvGrpSpPr>
+        <p:cNvPr id="1" name=""/>
+        <p:cNvGrpSpPr/>
+        <p:nvPr/>
+      </p:nvGrpSpPr>
+      <p:grpSpPr>
+        <a:xfrm>
+          <a:off x="0" y="0"/>
+          <a:ext cx="0" cy="0"/>
+          <a:chOff x="0" y="0"/>
+          <a:chExt cx="0" cy="0"/>
+        </a:xfrm>
+      </p:grpSpPr>
+      <p:grpSp>
+        <p:nvGrpSpPr>
+          <p:cNvPr id="24" name="Group 23"/>
+          <p:cNvGrpSpPr/>
+          <p:nvPr/>
+        </p:nvGrpSpPr>
+        <p:grpSpPr>
+          <a:xfrm>
+            <a:off x="4508500" y="1676400"/>
+            <a:ext cx="3175000" cy="2489200"/>
+            <a:chOff x="4508500" y="1676400"/>
+            <a:chExt cx="3175000" cy="2468734"/>
+          </a:xfrm>
+        </p:grpSpPr>
+        <p:sp>
+          <p:nvSpPr>
+            <p:cNvPr id="9" name="Rectangle 8"/>
+            <p:cNvSpPr/>
+            <p:nvPr/>
+          </p:nvSpPr>
+          <p:spPr>
+            <a:xfrm>
+              <a:off x="4508500" y="1676400"/>
+              <a:ext cx="3175000" cy="2468734"/>
+            </a:xfrm>
+            <a:prstGeom prst="rect">
+              <a:avLst/>
+            </a:prstGeom>
+            <a:solidFill>
+              <a:schemeClr val="accent1">
+                <a:alpha val="24000"/>
+              </a:schemeClr>
+            </a:solidFill>
+          </p:spPr>
+          <p:style>
+            <a:lnRef idx="2">
+              <a:schemeClr val="accent1">
+                <a:shade val="50000"/>
+              </a:schemeClr>
+            </a:lnRef>
+            <a:fillRef idx="1">
+              <a:schemeClr val="accent1"/>
+            </a:fillRef>
+            <a:effectRef idx="0">
+              <a:schemeClr val="accent1"/>
+            </a:effectRef>
+            <a:fontRef idx="minor">
+              <a:schemeClr val="lt1"/>
+            </a:fontRef>
+          </p:style>
+          <p:txBody>
+            <a:bodyPr rtlCol="0" anchor="ctr"/>
+            <a:lstStyle/>
+            <a:p>
+              <a:pPr algn="ctr"/>
+              <a:endParaRPr lang="en-US"/>
+            </a:p>
+          </p:txBody>
+        </p:sp>
+        <p:sp>
+          <p:nvSpPr>
+            <p:cNvPr id="12" name="Terminator 11"/>
+            <p:cNvSpPr/>
+            <p:nvPr/>
+          </p:nvSpPr>
+          <p:spPr>
+            <a:xfrm>
+              <a:off x="5048070" y="1837525"/>
+              <a:ext cx="2150076" cy="766119"/>
+            </a:xfrm>
+            <a:prstGeom prst="flowChartTerminator">
+              <a:avLst/>
+            </a:prstGeom>
+            <a:ln>
+              <a:noFill/>
+            </a:ln>
+          </p:spPr>
+          <p:style>
+            <a:lnRef idx="2">
+              <a:schemeClr val="accent1">
+                <a:shade val="50000"/>
+              </a:schemeClr>
+            </a:lnRef>
+            <a:fillRef idx="1">
+              <a:schemeClr val="accent1"/>
+            </a:fillRef>
+            <a:effectRef idx="0">
+              <a:schemeClr val="accent1"/>
+            </a:effectRef>
+            <a:fontRef idx="minor">
+              <a:schemeClr val="lt1"/>
+            </a:fontRef>
+          </p:style>
+          <p:txBody>
+            <a:bodyPr rtlCol="0" anchor="ctr"/>
+            <a:lstStyle/>
+            <a:p>
+              <a:pPr algn="ctr"/>
+              <a:r>
+                <a:rPr lang="en-US" dirty="0" smtClean="0"/>
+                <a:t>Server side logic</a:t>
+              </a:r>
+              <a:endParaRPr lang="en-US" dirty="0"/>
+            </a:p>
+          </p:txBody>
+        </p:sp>
+        <p:sp>
+          <p:nvSpPr>
+            <p:cNvPr id="8" name="Preparation 7"/>
+            <p:cNvSpPr/>
+            <p:nvPr/>
+          </p:nvSpPr>
+          <p:spPr>
+            <a:xfrm>
+              <a:off x="5048070" y="3244012"/>
+              <a:ext cx="2150076" cy="689383"/>
+            </a:xfrm>
+            <a:prstGeom prst="flowChartPreparation">
+              <a:avLst/>
+            </a:prstGeom>
+            <a:ln>
+              <a:noFill/>
+            </a:ln>
+          </p:spPr>
+          <p:style>
+            <a:lnRef idx="2">
+              <a:schemeClr val="accent1">
+                <a:shade val="50000"/>
+              </a:schemeClr>
+            </a:lnRef>
+            <a:fillRef idx="1">
+              <a:schemeClr val="accent1"/>
+            </a:fillRef>
+            <a:effectRef idx="0">
+              <a:schemeClr val="accent1"/>
+            </a:effectRef>
+            <a:fontRef idx="minor">
+              <a:schemeClr val="lt1"/>
+            </a:fontRef>
+          </p:style>
+          <p:txBody>
+            <a:bodyPr rtlCol="0" anchor="ctr"/>
+            <a:lstStyle/>
+            <a:p>
+              <a:pPr algn="ctr"/>
+              <a:r>
+                <a:rPr lang="en-US" dirty="0" smtClean="0"/>
+                <a:t>Dispatcher</a:t>
+              </a:r>
+            </a:p>
+          </p:txBody>
+        </p:sp>
+      </p:grpSp>
+      <p:sp>
+        <p:nvSpPr>
+          <p:cNvPr id="4" name="Footer Placeholder 3"/>
+          <p:cNvSpPr>
+            <a:spLocks noGrp="1"/>
+          </p:cNvSpPr>
+          <p:nvPr>
+            <p:ph type="ftr" sz="quarter" idx="11"/>
+          </p:nvPr>
+        </p:nvSpPr>
+        <p:spPr>
+          <a:xfrm>
+            <a:off x="677334" y="6376007"/>
+            <a:ext cx="6297612" cy="365125"/>
+          </a:xfrm>
+        </p:spPr>
+        <p:txBody>
+          <a:bodyPr/>
+          <a:lstStyle/>
+          <a:p>
+            <a:r>
+              <a:rPr lang="en-US" dirty="0" smtClean="0">
+                <a:solidFill>
+                  <a:prstClr val="black">
+                    <a:tint val="75000"/>
+                  </a:prstClr>
+                </a:solidFill>
+                <a:latin typeface="Helvetica Neue" charset="0"/>
+                <a:ea typeface="Helvetica Neue" charset="0"/>
+                <a:cs typeface="Helvetica Neue" charset="0"/>
+              </a:rPr>
+              <a:t>Francesco Peverelli - Federico Reppucci</a:t>
+            </a:r>
+            <a:endParaRPr lang="en-US" dirty="0">
+              <a:solidFill>
+                <a:prstClr val="black">
+                  <a:tint val="75000"/>
+                </a:prstClr>
+              </a:solidFill>
+              <a:latin typeface="Helvetica Neue" charset="0"/>
+              <a:ea typeface="Helvetica Neue" charset="0"/>
+              <a:cs typeface="Helvetica Neue" charset="0"/>
+            </a:endParaRPr>
+          </a:p>
+        </p:txBody>
+      </p:sp>
+      <p:sp>
+        <p:nvSpPr>
+          <p:cNvPr id="5" name="Slide Number Placeholder 4"/>
+          <p:cNvSpPr>
+            <a:spLocks noGrp="1"/>
+          </p:cNvSpPr>
+          <p:nvPr>
+            <p:ph type="sldNum" sz="quarter" idx="12"/>
+          </p:nvPr>
+        </p:nvSpPr>
+        <p:spPr>
+          <a:xfrm>
+            <a:off x="11088214" y="6376006"/>
+            <a:ext cx="683339" cy="365125"/>
+          </a:xfrm>
+        </p:spPr>
+        <p:txBody>
+          <a:bodyPr/>
+          <a:lstStyle/>
+          <a:p>
+            <a:fld id="{D57F1E4F-1CFF-5643-939E-217C01CDF565}" type="slidenum">
+              <a:rPr lang="en-US" smtClean="0">
+                <a:solidFill>
+                  <a:srgbClr val="5FCBEF"/>
+                </a:solidFill>
+                <a:latin typeface="Helvetica Neue" charset="0"/>
+                <a:ea typeface="Helvetica Neue" charset="0"/>
+                <a:cs typeface="Helvetica Neue" charset="0"/>
+              </a:rPr>
+              <a:pPr/>
+              <a:t>12</a:t>
+            </a:fld>
+            <a:endParaRPr lang="en-US" dirty="0">
+              <a:solidFill>
+                <a:srgbClr val="5FCBEF"/>
+              </a:solidFill>
+              <a:latin typeface="Helvetica Neue" charset="0"/>
+              <a:ea typeface="Helvetica Neue" charset="0"/>
+              <a:cs typeface="Helvetica Neue" charset="0"/>
+            </a:endParaRPr>
+          </a:p>
+        </p:txBody>
+      </p:sp>
+      <p:sp>
+        <p:nvSpPr>
+          <p:cNvPr id="7" name="Terminator 6"/>
+          <p:cNvSpPr/>
+          <p:nvPr/>
+        </p:nvSpPr>
+        <p:spPr>
+          <a:xfrm>
+            <a:off x="5048070" y="5007886"/>
+            <a:ext cx="2150076" cy="766119"/>
+          </a:xfrm>
+          <a:prstGeom prst="flowChartTerminator">
+            <a:avLst/>
+          </a:prstGeom>
+          <a:ln>
+            <a:noFill/>
+          </a:ln>
+        </p:spPr>
+        <p:style>
+          <a:lnRef idx="2">
+            <a:schemeClr val="accent1">
+              <a:shade val="50000"/>
+            </a:schemeClr>
+          </a:lnRef>
+          <a:fillRef idx="1">
+            <a:schemeClr val="accent1"/>
+          </a:fillRef>
+          <a:effectRef idx="0">
+            <a:schemeClr val="accent1"/>
+          </a:effectRef>
+          <a:fontRef idx="minor">
+            <a:schemeClr val="lt1"/>
+          </a:fontRef>
+        </p:style>
+        <p:txBody>
+          <a:bodyPr rtlCol="0" anchor="ctr"/>
+          <a:lstStyle/>
+          <a:p>
+            <a:pPr algn="ctr"/>
+            <a:r>
+              <a:rPr lang="en-US" dirty="0" smtClean="0"/>
+              <a:t>Car software system</a:t>
+            </a:r>
+            <a:endParaRPr lang="en-US" dirty="0"/>
+          </a:p>
+        </p:txBody>
+      </p:sp>
+      <p:sp>
+        <p:nvSpPr>
+          <p:cNvPr id="11" name="Terminator 10"/>
+          <p:cNvSpPr/>
+          <p:nvPr/>
+        </p:nvSpPr>
+        <p:spPr>
+          <a:xfrm>
+            <a:off x="1299634" y="3205645"/>
+            <a:ext cx="2150076" cy="766119"/>
+          </a:xfrm>
+          <a:prstGeom prst="flowChartTerminator">
+            <a:avLst/>
+          </a:prstGeom>
+          <a:ln>
+            <a:noFill/>
+          </a:ln>
+        </p:spPr>
+        <p:style>
+          <a:lnRef idx="2">
+            <a:schemeClr val="accent1">
+              <a:shade val="50000"/>
+            </a:schemeClr>
+          </a:lnRef>
+          <a:fillRef idx="1">
+            <a:schemeClr val="accent1"/>
+          </a:fillRef>
+          <a:effectRef idx="0">
+            <a:schemeClr val="accent1"/>
+          </a:effectRef>
+          <a:fontRef idx="minor">
+            <a:schemeClr val="lt1"/>
+          </a:fontRef>
+        </p:style>
+        <p:txBody>
+          <a:bodyPr rtlCol="0" anchor="ctr"/>
+          <a:lstStyle/>
+          <a:p>
+            <a:pPr algn="ctr"/>
+            <a:r>
+              <a:rPr lang="en-US" dirty="0" smtClean="0"/>
+              <a:t>User</a:t>
+            </a:r>
+          </a:p>
+          <a:p>
+            <a:pPr algn="ctr"/>
+            <a:r>
+              <a:rPr lang="en-US" dirty="0" smtClean="0"/>
+              <a:t>application</a:t>
+            </a:r>
+            <a:endParaRPr lang="en-US" dirty="0"/>
+          </a:p>
+        </p:txBody>
+      </p:sp>
+      <p:sp>
+        <p:nvSpPr>
+          <p:cNvPr id="13" name="Terminator 12"/>
+          <p:cNvSpPr/>
+          <p:nvPr/>
+        </p:nvSpPr>
+        <p:spPr>
+          <a:xfrm>
+            <a:off x="8938138" y="3205646"/>
+            <a:ext cx="2150076" cy="766119"/>
+          </a:xfrm>
+          <a:prstGeom prst="flowChartTerminator">
+            <a:avLst/>
+          </a:prstGeom>
+          <a:ln>
+            <a:noFill/>
+          </a:ln>
+        </p:spPr>
+        <p:style>
+          <a:lnRef idx="2">
+            <a:schemeClr val="accent1">
+              <a:shade val="50000"/>
+            </a:schemeClr>
+          </a:lnRef>
+          <a:fillRef idx="1">
+            <a:schemeClr val="accent1"/>
+          </a:fillRef>
+          <a:effectRef idx="0">
+            <a:schemeClr val="accent1"/>
+          </a:effectRef>
+          <a:fontRef idx="minor">
+            <a:schemeClr val="lt1"/>
+          </a:fontRef>
+        </p:style>
+        <p:txBody>
+          <a:bodyPr rtlCol="0" anchor="ctr"/>
+          <a:lstStyle/>
+          <a:p>
+            <a:pPr algn="ctr"/>
+            <a:r>
+              <a:rPr lang="en-US" dirty="0" smtClean="0"/>
+              <a:t>Employee application</a:t>
+            </a:r>
+            <a:endParaRPr lang="en-US" dirty="0"/>
+          </a:p>
+        </p:txBody>
+      </p:sp>
+      <p:sp>
+        <p:nvSpPr>
+          <p:cNvPr id="15" name="Title 1"/>
+          <p:cNvSpPr txBox="1">
+            <a:spLocks/>
+          </p:cNvSpPr>
+          <p:nvPr/>
+        </p:nvSpPr>
+        <p:spPr>
+          <a:xfrm>
+            <a:off x="474663" y="138010"/>
+            <a:ext cx="11296890" cy="1030146"/>
+          </a:xfrm>
+          <a:prstGeom prst="rect">
+            <a:avLst/>
+          </a:prstGeom>
+        </p:spPr>
+        <p:txBody>
+          <a:bodyPr vert="horz" lIns="91440" tIns="45720" rIns="91440" bIns="45720" rtlCol="0" anchor="t">
+            <a:noAutofit/>
+          </a:bodyPr>
+          <a:lstStyle>
+            <a:lvl1pPr algn="l" defTabSz="457200" rtl="0" eaLnBrk="1" latinLnBrk="0" hangingPunct="1">
+              <a:spcBef>
+                <a:spcPct val="0"/>
+              </a:spcBef>
+              <a:buNone/>
+              <a:defRPr sz="3600" kern="1200">
+                <a:solidFill>
+                  <a:schemeClr val="accent1"/>
+                </a:solidFill>
+                <a:latin typeface="+mj-lt"/>
+                <a:ea typeface="+mj-ea"/>
+                <a:cs typeface="+mj-cs"/>
+              </a:defRPr>
+            </a:lvl1pPr>
+            <a:lvl2pPr eaLnBrk="1" hangingPunct="1">
+              <a:defRPr>
+                <a:solidFill>
+                  <a:schemeClr val="tx2"/>
+                </a:solidFill>
+              </a:defRPr>
+            </a:lvl2pPr>
+            <a:lvl3pPr eaLnBrk="1" hangingPunct="1">
+              <a:defRPr>
+                <a:solidFill>
+                  <a:schemeClr val="tx2"/>
+                </a:solidFill>
+              </a:defRPr>
+            </a:lvl3pPr>
+            <a:lvl4pPr eaLnBrk="1" hangingPunct="1">
+              <a:defRPr>
+                <a:solidFill>
+                  <a:schemeClr val="tx2"/>
+                </a:solidFill>
+              </a:defRPr>
+            </a:lvl4pPr>
+            <a:lvl5pPr eaLnBrk="1" hangingPunct="1">
+              <a:defRPr>
+                <a:solidFill>
+                  <a:schemeClr val="tx2"/>
+                </a:solidFill>
+              </a:defRPr>
+            </a:lvl5pPr>
+            <a:lvl6pPr eaLnBrk="1" hangingPunct="1">
+              <a:defRPr>
+                <a:solidFill>
+                  <a:schemeClr val="tx2"/>
+                </a:solidFill>
+              </a:defRPr>
+            </a:lvl6pPr>
+            <a:lvl7pPr eaLnBrk="1" hangingPunct="1">
+              <a:defRPr>
+                <a:solidFill>
+                  <a:schemeClr val="tx2"/>
+                </a:solidFill>
+              </a:defRPr>
+            </a:lvl7pPr>
+            <a:lvl8pPr eaLnBrk="1" hangingPunct="1">
+              <a:defRPr>
+                <a:solidFill>
+                  <a:schemeClr val="tx2"/>
+                </a:solidFill>
+              </a:defRPr>
+            </a:lvl8pPr>
+            <a:lvl9pPr eaLnBrk="1" hangingPunct="1">
+              <a:defRPr>
+                <a:solidFill>
+                  <a:schemeClr val="tx2"/>
+                </a:solidFill>
+              </a:defRPr>
+            </a:lvl9pPr>
+          </a:lstStyle>
+          <a:p>
+            <a:pPr algn="ctr"/>
+            <a:r>
+              <a:rPr lang="en-US" sz="6000" dirty="0" smtClean="0">
+                <a:solidFill>
+                  <a:schemeClr val="accent2"/>
+                </a:solidFill>
+                <a:latin typeface="Helvetica Neue" charset="0"/>
+                <a:ea typeface="Helvetica Neue" charset="0"/>
+                <a:cs typeface="Helvetica Neue" charset="0"/>
+              </a:rPr>
+              <a:t>Event driven architecture</a:t>
+            </a:r>
+            <a:endParaRPr lang="en-US" sz="6000" dirty="0">
+              <a:solidFill>
+                <a:schemeClr val="accent2"/>
+              </a:solidFill>
+              <a:latin typeface="Helvetica Neue" charset="0"/>
+              <a:ea typeface="Helvetica Neue" charset="0"/>
+              <a:cs typeface="Helvetica Neue" charset="0"/>
+            </a:endParaRPr>
+          </a:p>
+        </p:txBody>
+      </p:sp>
+      <p:sp>
+        <p:nvSpPr>
+          <p:cNvPr id="23" name="Arc 22"/>
+          <p:cNvSpPr/>
+          <p:nvPr/>
+        </p:nvSpPr>
+        <p:spPr>
+          <a:xfrm rot="18288468">
+            <a:off x="3696748" y="2652065"/>
+            <a:ext cx="1991803" cy="3147264"/>
+          </a:xfrm>
+          <a:prstGeom prst="arc">
+            <a:avLst/>
+          </a:prstGeom>
+          <a:ln w="25400">
+            <a:solidFill>
+              <a:schemeClr val="accent2"/>
+            </a:solidFill>
+            <a:tailEnd type="triangle" w="lg" len="lg"/>
+          </a:ln>
+        </p:spPr>
+        <p:style>
+          <a:lnRef idx="1">
+            <a:schemeClr val="accent1"/>
+          </a:lnRef>
+          <a:fillRef idx="0">
+            <a:schemeClr val="accent1"/>
+          </a:fillRef>
+          <a:effectRef idx="0">
+            <a:schemeClr val="accent1"/>
+          </a:effectRef>
+          <a:fontRef idx="minor">
+            <a:schemeClr val="tx1"/>
+          </a:fontRef>
+        </p:style>
+        <p:txBody>
+          <a:bodyPr rtlCol="0" anchor="ctr"/>
+          <a:lstStyle/>
+          <a:p>
+            <a:pPr algn="ctr"/>
+            <a:endParaRPr lang="en-US" dirty="0"/>
+          </a:p>
+        </p:txBody>
+      </p:sp>
+      <p:sp>
+        <p:nvSpPr>
+          <p:cNvPr id="25" name="Arc 24"/>
+          <p:cNvSpPr/>
+          <p:nvPr/>
+        </p:nvSpPr>
+        <p:spPr>
+          <a:xfrm rot="18288468">
+            <a:off x="7341799" y="2732627"/>
+            <a:ext cx="1991803" cy="3147264"/>
+          </a:xfrm>
+          <a:prstGeom prst="arc">
+            <a:avLst/>
+          </a:prstGeom>
+          <a:ln w="25400">
+            <a:solidFill>
+              <a:schemeClr val="accent2"/>
+            </a:solidFill>
+            <a:tailEnd type="triangle" w="lg" len="lg"/>
+          </a:ln>
+        </p:spPr>
+        <p:style>
+          <a:lnRef idx="1">
+            <a:schemeClr val="accent1"/>
+          </a:lnRef>
+          <a:fillRef idx="0">
+            <a:schemeClr val="accent1"/>
+          </a:fillRef>
+          <a:effectRef idx="0">
+            <a:schemeClr val="accent1"/>
+          </a:effectRef>
+          <a:fontRef idx="minor">
+            <a:schemeClr val="tx1"/>
+          </a:fontRef>
+        </p:style>
+        <p:txBody>
+          <a:bodyPr rtlCol="0" anchor="ctr"/>
+          <a:lstStyle/>
+          <a:p>
+            <a:pPr algn="ctr"/>
+            <a:endParaRPr lang="en-US" dirty="0"/>
+          </a:p>
+        </p:txBody>
+      </p:sp>
+      <p:sp>
+        <p:nvSpPr>
+          <p:cNvPr id="26" name="Arc 25"/>
+          <p:cNvSpPr/>
+          <p:nvPr/>
+        </p:nvSpPr>
+        <p:spPr>
+          <a:xfrm rot="2357349">
+            <a:off x="5105460" y="3613543"/>
+            <a:ext cx="1596095" cy="1801342"/>
+          </a:xfrm>
+          <a:prstGeom prst="arc">
+            <a:avLst>
+              <a:gd name="adj1" fmla="val 16945734"/>
+              <a:gd name="adj2" fmla="val 0"/>
+            </a:avLst>
+          </a:prstGeom>
+          <a:ln w="25400">
+            <a:solidFill>
+              <a:schemeClr val="accent2"/>
+            </a:solidFill>
+            <a:tailEnd type="triangle" w="lg" len="lg"/>
+          </a:ln>
+        </p:spPr>
+        <p:style>
+          <a:lnRef idx="1">
+            <a:schemeClr val="accent1"/>
+          </a:lnRef>
+          <a:fillRef idx="0">
+            <a:schemeClr val="accent1"/>
+          </a:fillRef>
+          <a:effectRef idx="0">
+            <a:schemeClr val="accent1"/>
+          </a:effectRef>
+          <a:fontRef idx="minor">
+            <a:schemeClr val="tx1"/>
+          </a:fontRef>
+        </p:style>
+        <p:txBody>
+          <a:bodyPr rtlCol="0" anchor="ctr"/>
+          <a:lstStyle/>
+          <a:p>
+            <a:pPr algn="ctr"/>
+            <a:endParaRPr lang="en-US" dirty="0"/>
+          </a:p>
+        </p:txBody>
+      </p:sp>
+      <p:sp>
+        <p:nvSpPr>
+          <p:cNvPr id="27" name="Arc 26"/>
+          <p:cNvSpPr/>
+          <p:nvPr/>
+        </p:nvSpPr>
+        <p:spPr>
+          <a:xfrm rot="13604640">
+            <a:off x="5578019" y="3466171"/>
+            <a:ext cx="1596095" cy="1801342"/>
+          </a:xfrm>
+          <a:prstGeom prst="arc">
+            <a:avLst>
+              <a:gd name="adj1" fmla="val 16200000"/>
+              <a:gd name="adj2" fmla="val 20584246"/>
+            </a:avLst>
+          </a:prstGeom>
+          <a:ln w="25400">
+            <a:solidFill>
+              <a:schemeClr val="accent2"/>
+            </a:solidFill>
+            <a:tailEnd type="triangle" w="lg" len="lg"/>
+          </a:ln>
+        </p:spPr>
+        <p:style>
+          <a:lnRef idx="1">
+            <a:schemeClr val="accent1"/>
+          </a:lnRef>
+          <a:fillRef idx="0">
+            <a:schemeClr val="accent1"/>
+          </a:fillRef>
+          <a:effectRef idx="0">
+            <a:schemeClr val="accent1"/>
+          </a:effectRef>
+          <a:fontRef idx="minor">
+            <a:schemeClr val="tx1"/>
+          </a:fontRef>
+        </p:style>
+        <p:txBody>
+          <a:bodyPr rtlCol="0" anchor="ctr"/>
+          <a:lstStyle/>
+          <a:p>
+            <a:pPr algn="ctr"/>
+            <a:endParaRPr lang="en-US" dirty="0"/>
+          </a:p>
+        </p:txBody>
+      </p:sp>
+      <p:sp>
+        <p:nvSpPr>
+          <p:cNvPr id="28" name="Arc 27"/>
+          <p:cNvSpPr/>
+          <p:nvPr/>
+        </p:nvSpPr>
+        <p:spPr>
+          <a:xfrm rot="7426804">
+            <a:off x="6662994" y="1377808"/>
+            <a:ext cx="1991803" cy="3147264"/>
+          </a:xfrm>
+          <a:prstGeom prst="arc">
+            <a:avLst/>
+          </a:prstGeom>
+          <a:ln w="25400">
+            <a:solidFill>
+              <a:schemeClr val="accent2"/>
+            </a:solidFill>
+            <a:tailEnd type="triangle" w="lg" len="lg"/>
+          </a:ln>
+        </p:spPr>
+        <p:style>
+          <a:lnRef idx="1">
+            <a:schemeClr val="accent1"/>
+          </a:lnRef>
+          <a:fillRef idx="0">
+            <a:schemeClr val="accent1"/>
+          </a:fillRef>
+          <a:effectRef idx="0">
+            <a:schemeClr val="accent1"/>
+          </a:effectRef>
+          <a:fontRef idx="minor">
+            <a:schemeClr val="tx1"/>
+          </a:fontRef>
+        </p:style>
+        <p:txBody>
+          <a:bodyPr rtlCol="0" anchor="ctr"/>
+          <a:lstStyle/>
+          <a:p>
+            <a:pPr algn="ctr"/>
+            <a:endParaRPr lang="en-US" dirty="0"/>
+          </a:p>
+        </p:txBody>
+      </p:sp>
+      <p:sp>
+        <p:nvSpPr>
+          <p:cNvPr id="30" name="Arc 29"/>
+          <p:cNvSpPr/>
+          <p:nvPr/>
+        </p:nvSpPr>
+        <p:spPr>
+          <a:xfrm rot="7426804">
+            <a:off x="2977720" y="1636424"/>
+            <a:ext cx="2050367" cy="2702678"/>
+          </a:xfrm>
+          <a:prstGeom prst="arc">
+            <a:avLst>
+              <a:gd name="adj1" fmla="val 16200000"/>
+              <a:gd name="adj2" fmla="val 203717"/>
+            </a:avLst>
+          </a:prstGeom>
+          <a:ln w="25400">
+            <a:solidFill>
+              <a:schemeClr val="accent2"/>
+            </a:solidFill>
+            <a:tailEnd type="triangle" w="lg" len="lg"/>
+          </a:ln>
+        </p:spPr>
+        <p:style>
+          <a:lnRef idx="1">
+            <a:schemeClr val="accent1"/>
+          </a:lnRef>
+          <a:fillRef idx="0">
+            <a:schemeClr val="accent1"/>
+          </a:fillRef>
+          <a:effectRef idx="0">
+            <a:schemeClr val="accent1"/>
+          </a:effectRef>
+          <a:fontRef idx="minor">
+            <a:schemeClr val="tx1"/>
+          </a:fontRef>
+        </p:style>
+        <p:txBody>
+          <a:bodyPr rtlCol="0" anchor="ctr"/>
+          <a:lstStyle/>
+          <a:p>
+            <a:pPr algn="ctr"/>
+            <a:endParaRPr lang="en-US" dirty="0"/>
+          </a:p>
+        </p:txBody>
+      </p:sp>
+      <p:cxnSp>
+        <p:nvCxnSpPr>
+          <p:cNvPr id="32" name="Straight Arrow Connector 31"/>
+          <p:cNvCxnSpPr/>
+          <p:nvPr/>
+        </p:nvCxnSpPr>
+        <p:spPr>
+          <a:xfrm>
+            <a:off x="5903507" y="2652553"/>
+            <a:ext cx="0" cy="588321"/>
+          </a:xfrm>
+          <a:prstGeom prst="straightConnector1">
+            <a:avLst/>
+          </a:prstGeom>
+          <a:ln>
+            <a:tailEnd type="triangle"/>
+          </a:ln>
+        </p:spPr>
+        <p:style>
+          <a:lnRef idx="1">
+            <a:schemeClr val="accent1"/>
+          </a:lnRef>
+          <a:fillRef idx="0">
+            <a:schemeClr val="accent1"/>
+          </a:fillRef>
+          <a:effectRef idx="0">
+            <a:schemeClr val="accent1"/>
+          </a:effectRef>
+          <a:fontRef idx="minor">
+            <a:schemeClr val="tx1"/>
+          </a:fontRef>
+        </p:style>
+      </p:cxnSp>
+      <p:cxnSp>
+        <p:nvCxnSpPr>
+          <p:cNvPr id="34" name="Straight Arrow Connector 33"/>
+          <p:cNvCxnSpPr/>
+          <p:nvPr/>
+        </p:nvCxnSpPr>
+        <p:spPr>
+          <a:xfrm flipV="1">
+            <a:off x="6261265" y="2668376"/>
+            <a:ext cx="13766" cy="556676"/>
+          </a:xfrm>
+          <a:prstGeom prst="straightConnector1">
+            <a:avLst/>
+          </a:prstGeom>
+          <a:ln>
+            <a:tailEnd type="triangle"/>
+          </a:ln>
+        </p:spPr>
+        <p:style>
+          <a:lnRef idx="1">
+            <a:schemeClr val="accent1"/>
+          </a:lnRef>
+          <a:fillRef idx="0">
+            <a:schemeClr val="accent1"/>
+          </a:fillRef>
+          <a:effectRef idx="0">
+            <a:schemeClr val="accent1"/>
+          </a:effectRef>
+          <a:fontRef idx="minor">
+            <a:schemeClr val="tx1"/>
+          </a:fontRef>
+        </p:style>
+      </p:cxnSp>
+    </p:spTree>
+    <p:extLst>
+      <p:ext uri="{BB962C8B-B14F-4D97-AF65-F5344CB8AC3E}">
+        <p14:creationId xmlns:p14="http://schemas.microsoft.com/office/powerpoint/2010/main" val="1046590767"/>
+      </p:ext>
+    </p:extLst>
+  </p:cSld>
+  <p:clrMapOvr>
+    <a:masterClrMapping/>
+  </p:clrMapOvr>
+  <p:timing>
+    <p:tnLst>
+      <p:par>
+        <p:cTn id="1" dur="indefinite" restart="never" nodeType="tmRoot"/>
+      </p:par>
+    </p:tnLst>
+  </p:timing>
+</p:sld>
+</file>
+
+<file path=ppt/slides/slide13.xml><?xml version="1.0" encoding="utf-8"?>
+<p:sld xmlns:a="http://schemas.openxmlformats.org/drawingml/2006/main" xmlns:r="http://schemas.openxmlformats.org/officeDocument/2006/relationships" xmlns:p="http://schemas.openxmlformats.org/presentationml/2006/main" showMasterSp="0">
+  <p:cSld>
+    <p:spTree>
+      <p:nvGrpSpPr>
+        <p:cNvPr id="1" name=""/>
+        <p:cNvGrpSpPr/>
+        <p:nvPr/>
+      </p:nvGrpSpPr>
+      <p:grpSpPr>
+        <a:xfrm>
+          <a:off x="0" y="0"/>
+          <a:ext cx="0" cy="0"/>
+          <a:chOff x="0" y="0"/>
+          <a:chExt cx="0" cy="0"/>
+        </a:xfrm>
+      </p:grpSpPr>
+      <p:sp>
+        <p:nvSpPr>
+          <p:cNvPr id="4" name="Footer Placeholder 3"/>
+          <p:cNvSpPr>
+            <a:spLocks noGrp="1"/>
+          </p:cNvSpPr>
+          <p:nvPr>
+            <p:ph type="ftr" sz="quarter" idx="11"/>
+          </p:nvPr>
+        </p:nvSpPr>
+        <p:spPr>
+          <a:xfrm>
+            <a:off x="677334" y="6376007"/>
+            <a:ext cx="6297612" cy="365125"/>
+          </a:xfrm>
+        </p:spPr>
+        <p:txBody>
+          <a:bodyPr/>
+          <a:lstStyle/>
+          <a:p>
+            <a:r>
+              <a:rPr lang="en-US" dirty="0" smtClean="0">
+                <a:solidFill>
+                  <a:prstClr val="black">
+                    <a:tint val="75000"/>
+                  </a:prstClr>
+                </a:solidFill>
+                <a:latin typeface="Helvetica Neue" charset="0"/>
+                <a:ea typeface="Helvetica Neue" charset="0"/>
+                <a:cs typeface="Helvetica Neue" charset="0"/>
+              </a:rPr>
+              <a:t>Francesco Peverelli - Federico Reppucci</a:t>
+            </a:r>
+            <a:endParaRPr lang="en-US" dirty="0">
+              <a:solidFill>
+                <a:prstClr val="black">
+                  <a:tint val="75000"/>
+                </a:prstClr>
+              </a:solidFill>
+              <a:latin typeface="Helvetica Neue" charset="0"/>
+              <a:ea typeface="Helvetica Neue" charset="0"/>
+              <a:cs typeface="Helvetica Neue" charset="0"/>
+            </a:endParaRPr>
+          </a:p>
+        </p:txBody>
+      </p:sp>
+      <p:sp>
+        <p:nvSpPr>
+          <p:cNvPr id="5" name="Slide Number Placeholder 4"/>
+          <p:cNvSpPr>
+            <a:spLocks noGrp="1"/>
+          </p:cNvSpPr>
+          <p:nvPr>
+            <p:ph type="sldNum" sz="quarter" idx="12"/>
+          </p:nvPr>
+        </p:nvSpPr>
+        <p:spPr>
+          <a:xfrm>
+            <a:off x="11088214" y="6376006"/>
+            <a:ext cx="683339" cy="365125"/>
+          </a:xfrm>
+        </p:spPr>
+        <p:txBody>
+          <a:bodyPr/>
+          <a:lstStyle/>
+          <a:p>
+            <a:fld id="{D57F1E4F-1CFF-5643-939E-217C01CDF565}" type="slidenum">
+              <a:rPr lang="en-US" smtClean="0">
+                <a:solidFill>
+                  <a:srgbClr val="5FCBEF"/>
+                </a:solidFill>
+                <a:latin typeface="Helvetica Neue" charset="0"/>
+                <a:ea typeface="Helvetica Neue" charset="0"/>
+                <a:cs typeface="Helvetica Neue" charset="0"/>
+              </a:rPr>
+              <a:pPr/>
+              <a:t>13</a:t>
+            </a:fld>
+            <a:endParaRPr lang="en-US" dirty="0">
+              <a:solidFill>
+                <a:srgbClr val="5FCBEF"/>
+              </a:solidFill>
+              <a:latin typeface="Helvetica Neue" charset="0"/>
+              <a:ea typeface="Helvetica Neue" charset="0"/>
+              <a:cs typeface="Helvetica Neue" charset="0"/>
+            </a:endParaRPr>
+          </a:p>
+        </p:txBody>
+      </p:sp>
+      <p:sp>
+        <p:nvSpPr>
+          <p:cNvPr id="9" name="Title 1"/>
+          <p:cNvSpPr>
+            <a:spLocks noGrp="1"/>
+          </p:cNvSpPr>
+          <p:nvPr>
+            <p:ph type="title"/>
+          </p:nvPr>
+        </p:nvSpPr>
+        <p:spPr>
+          <a:xfrm>
+            <a:off x="30449" y="1830887"/>
+            <a:ext cx="12192000" cy="2135632"/>
+          </a:xfrm>
+        </p:spPr>
+        <p:txBody>
+          <a:bodyPr>
+            <a:noAutofit/>
+          </a:bodyPr>
+          <a:lstStyle/>
+          <a:p>
+            <a:pPr algn="ctr"/>
+            <a:r>
+              <a:rPr lang="it-IT" sz="6000" dirty="0" smtClean="0">
+                <a:solidFill>
+                  <a:schemeClr val="accent2"/>
+                </a:solidFill>
+                <a:latin typeface="Helvetica Neue" charset="0"/>
+                <a:ea typeface="Helvetica Neue" charset="0"/>
+                <a:cs typeface="Helvetica Neue" charset="0"/>
+              </a:rPr>
+              <a:t>A closer look at the </a:t>
+            </a:r>
+            <a:br>
+              <a:rPr lang="it-IT" sz="6000" dirty="0" smtClean="0">
+                <a:solidFill>
+                  <a:schemeClr val="accent2"/>
+                </a:solidFill>
+                <a:latin typeface="Helvetica Neue" charset="0"/>
+                <a:ea typeface="Helvetica Neue" charset="0"/>
+                <a:cs typeface="Helvetica Neue" charset="0"/>
+              </a:rPr>
+            </a:br>
+            <a:r>
+              <a:rPr lang="it-IT" sz="6000" dirty="0" smtClean="0">
+                <a:solidFill>
+                  <a:schemeClr val="accent2"/>
+                </a:solidFill>
+                <a:latin typeface="Helvetica Neue" charset="0"/>
+                <a:ea typeface="Helvetica Neue" charset="0"/>
+                <a:cs typeface="Helvetica Neue" charset="0"/>
+              </a:rPr>
+              <a:t>server side</a:t>
+            </a:r>
+            <a:endParaRPr lang="en-US" sz="6000" dirty="0">
+              <a:solidFill>
+                <a:schemeClr val="accent2"/>
+              </a:solidFill>
+              <a:latin typeface="Helvetica Neue" charset="0"/>
+              <a:ea typeface="Helvetica Neue" charset="0"/>
+              <a:cs typeface="Helvetica Neue" charset="0"/>
+            </a:endParaRPr>
+          </a:p>
+        </p:txBody>
+      </p:sp>
+    </p:spTree>
+    <p:extLst>
+      <p:ext uri="{BB962C8B-B14F-4D97-AF65-F5344CB8AC3E}">
+        <p14:creationId xmlns:p14="http://schemas.microsoft.com/office/powerpoint/2010/main" val="445481654"/>
+      </p:ext>
+    </p:extLst>
+  </p:cSld>
+  <p:clrMapOvr>
+    <a:masterClrMapping/>
+  </p:clrMapOvr>
+  <p:timing>
+    <p:tnLst>
+      <p:par>
+        <p:cTn id="1" dur="indefinite" restart="never" nodeType="tmRoot"/>
+      </p:par>
+    </p:tnLst>
+  </p:timing>
+</p:sld>
+</file>
+
+<file path=ppt/slides/slide14.xml><?xml version="1.0" encoding="utf-8"?>
+<p:sld xmlns:a="http://schemas.openxmlformats.org/drawingml/2006/main" xmlns:r="http://schemas.openxmlformats.org/officeDocument/2006/relationships" xmlns:p="http://schemas.openxmlformats.org/presentationml/2006/main" showMasterSp="0">
+  <p:cSld>
+    <p:spTree>
+      <p:nvGrpSpPr>
+        <p:cNvPr id="1" name=""/>
+        <p:cNvGrpSpPr/>
+        <p:nvPr/>
+      </p:nvGrpSpPr>
+      <p:grpSpPr>
+        <a:xfrm>
+          <a:off x="0" y="0"/>
+          <a:ext cx="0" cy="0"/>
+          <a:chOff x="0" y="0"/>
+          <a:chExt cx="0" cy="0"/>
+        </a:xfrm>
+      </p:grpSpPr>
+      <p:pic>
+        <p:nvPicPr>
+          <p:cNvPr id="2" name="Picture 1"/>
+          <p:cNvPicPr>
+            <a:picLocks noChangeAspect="1"/>
+          </p:cNvPicPr>
+          <p:nvPr/>
+        </p:nvPicPr>
+        <p:blipFill>
+          <a:blip r:embed="rId2">
+            <a:extLst>
+              <a:ext uri="{28A0092B-C50C-407E-A947-70E740481C1C}">
+                <a14:useLocalDpi xmlns:a14="http://schemas.microsoft.com/office/drawing/2010/main" val="0"/>
+              </a:ext>
+            </a:extLst>
+          </a:blip>
+          <a:stretch>
+            <a:fillRect/>
+          </a:stretch>
+        </p:blipFill>
+        <p:spPr>
+          <a:xfrm>
+            <a:off x="0" y="0"/>
+            <a:ext cx="12192000" cy="6858000"/>
+          </a:xfrm>
+          <a:prstGeom prst="rect">
+            <a:avLst/>
+          </a:prstGeom>
+        </p:spPr>
+      </p:pic>
+      <p:sp>
+        <p:nvSpPr>
+          <p:cNvPr id="3" name="Rectangle 2"/>
+          <p:cNvSpPr/>
+          <p:nvPr/>
+        </p:nvSpPr>
+        <p:spPr>
+          <a:xfrm>
+            <a:off x="152400" y="660400"/>
+            <a:ext cx="2572512" cy="5210048"/>
+          </a:xfrm>
+          <a:prstGeom prst="rect">
+            <a:avLst/>
+          </a:prstGeom>
+          <a:solidFill>
+            <a:schemeClr val="accent1">
+              <a:alpha val="0"/>
+            </a:schemeClr>
+          </a:solidFill>
+          <a:ln w="57150">
+            <a:solidFill>
+              <a:srgbClr val="003EFF"/>
+            </a:solidFill>
+          </a:ln>
+        </p:spPr>
+        <p:style>
+          <a:lnRef idx="2">
+            <a:schemeClr val="accent1">
+              <a:shade val="50000"/>
+            </a:schemeClr>
+          </a:lnRef>
+          <a:fillRef idx="1">
+            <a:schemeClr val="accent1"/>
+          </a:fillRef>
+          <a:effectRef idx="0">
+            <a:schemeClr val="accent1"/>
+          </a:effectRef>
+          <a:fontRef idx="minor">
+            <a:schemeClr val="lt1"/>
+          </a:fontRef>
+        </p:style>
+        <p:txBody>
+          <a:bodyPr rtlCol="0" anchor="ctr"/>
+          <a:lstStyle/>
+          <a:p>
+            <a:pPr algn="ctr"/>
+            <a:endParaRPr lang="en-US"/>
+          </a:p>
+        </p:txBody>
+      </p:sp>
+      <p:sp>
+        <p:nvSpPr>
+          <p:cNvPr id="29" name="Rectangle 28"/>
+          <p:cNvSpPr/>
+          <p:nvPr/>
+        </p:nvSpPr>
+        <p:spPr>
+          <a:xfrm>
+            <a:off x="3098800" y="660400"/>
+            <a:ext cx="2781300" cy="5210048"/>
+          </a:xfrm>
+          <a:prstGeom prst="rect">
+            <a:avLst/>
+          </a:prstGeom>
+          <a:solidFill>
+            <a:schemeClr val="accent1">
+              <a:alpha val="0"/>
+            </a:schemeClr>
+          </a:solidFill>
+          <a:ln w="57150">
+            <a:solidFill>
+              <a:srgbClr val="00DD1C"/>
+            </a:solidFill>
+          </a:ln>
+        </p:spPr>
+        <p:style>
+          <a:lnRef idx="2">
+            <a:schemeClr val="accent1">
+              <a:shade val="50000"/>
+            </a:schemeClr>
+          </a:lnRef>
+          <a:fillRef idx="1">
+            <a:schemeClr val="accent1"/>
+          </a:fillRef>
+          <a:effectRef idx="0">
+            <a:schemeClr val="accent1"/>
+          </a:effectRef>
+          <a:fontRef idx="minor">
+            <a:schemeClr val="lt1"/>
+          </a:fontRef>
+        </p:style>
+        <p:txBody>
+          <a:bodyPr rtlCol="0" anchor="ctr"/>
+          <a:lstStyle/>
+          <a:p>
+            <a:pPr algn="ctr"/>
+            <a:endParaRPr lang="en-US"/>
+          </a:p>
+        </p:txBody>
+      </p:sp>
+      <p:sp>
+        <p:nvSpPr>
+          <p:cNvPr id="31" name="Rectangle 30"/>
+          <p:cNvSpPr/>
+          <p:nvPr/>
+        </p:nvSpPr>
+        <p:spPr>
+          <a:xfrm>
+            <a:off x="6413500" y="2295652"/>
+            <a:ext cx="1663700" cy="752348"/>
+          </a:xfrm>
+          <a:prstGeom prst="rect">
+            <a:avLst/>
+          </a:prstGeom>
+          <a:solidFill>
+            <a:schemeClr val="accent1">
+              <a:alpha val="0"/>
+            </a:schemeClr>
+          </a:solidFill>
+          <a:ln w="57150">
+            <a:solidFill>
+              <a:srgbClr val="FF0000"/>
+            </a:solidFill>
+          </a:ln>
+        </p:spPr>
+        <p:style>
+          <a:lnRef idx="2">
+            <a:schemeClr val="accent1">
+              <a:shade val="50000"/>
+            </a:schemeClr>
+          </a:lnRef>
+          <a:fillRef idx="1">
+            <a:schemeClr val="accent1"/>
+          </a:fillRef>
+          <a:effectRef idx="0">
+            <a:schemeClr val="accent1"/>
+          </a:effectRef>
+          <a:fontRef idx="minor">
+            <a:schemeClr val="lt1"/>
+          </a:fontRef>
+        </p:style>
+        <p:txBody>
+          <a:bodyPr rtlCol="0" anchor="ctr"/>
+          <a:lstStyle/>
+          <a:p>
+            <a:pPr algn="ctr"/>
+            <a:endParaRPr lang="en-US"/>
+          </a:p>
+        </p:txBody>
+      </p:sp>
+      <p:sp>
+        <p:nvSpPr>
+          <p:cNvPr id="10" name="TextBox 9"/>
+          <p:cNvSpPr txBox="1"/>
+          <p:nvPr/>
+        </p:nvSpPr>
+        <p:spPr>
+          <a:xfrm>
+            <a:off x="716214" y="145534"/>
+            <a:ext cx="1521635" cy="369332"/>
+          </a:xfrm>
+          <a:prstGeom prst="rect">
+            <a:avLst/>
+          </a:prstGeom>
+          <a:noFill/>
+        </p:spPr>
+        <p:txBody>
+          <a:bodyPr wrap="none" rtlCol="0">
+            <a:spAutoFit/>
+          </a:bodyPr>
+          <a:lstStyle/>
+          <a:p>
+            <a:r>
+              <a:rPr lang="en-US" b="1" dirty="0" smtClean="0">
+                <a:solidFill>
+                  <a:srgbClr val="003CF6"/>
+                </a:solidFill>
+              </a:rPr>
+              <a:t>DATA MODEL</a:t>
+            </a:r>
+            <a:endParaRPr lang="en-US" b="1" dirty="0">
+              <a:solidFill>
+                <a:srgbClr val="003CF6"/>
+              </a:solidFill>
+            </a:endParaRPr>
+          </a:p>
+        </p:txBody>
+      </p:sp>
+      <p:sp>
+        <p:nvSpPr>
+          <p:cNvPr id="33" name="TextBox 32"/>
+          <p:cNvSpPr txBox="1"/>
+          <p:nvPr/>
+        </p:nvSpPr>
+        <p:spPr>
+          <a:xfrm>
+            <a:off x="3560606" y="145534"/>
+            <a:ext cx="1925014" cy="369332"/>
+          </a:xfrm>
+          <a:prstGeom prst="rect">
+            <a:avLst/>
+          </a:prstGeom>
+          <a:noFill/>
+        </p:spPr>
+        <p:txBody>
+          <a:bodyPr wrap="none" rtlCol="0">
+            <a:spAutoFit/>
+          </a:bodyPr>
+          <a:lstStyle/>
+          <a:p>
+            <a:r>
+              <a:rPr lang="en-US" b="1" dirty="0" smtClean="0">
+                <a:solidFill>
+                  <a:srgbClr val="00CF1C"/>
+                </a:solidFill>
+              </a:rPr>
+              <a:t>CONTROL </a:t>
+            </a:r>
+            <a:r>
+              <a:rPr lang="en-US" b="1" dirty="0" smtClean="0">
+                <a:solidFill>
+                  <a:srgbClr val="00C81D"/>
+                </a:solidFill>
+              </a:rPr>
+              <a:t>LOGIC</a:t>
+            </a:r>
+            <a:endParaRPr lang="en-US" b="1" dirty="0">
+              <a:solidFill>
+                <a:srgbClr val="00C81D"/>
+              </a:solidFill>
+            </a:endParaRPr>
+          </a:p>
+        </p:txBody>
+      </p:sp>
+      <p:sp>
+        <p:nvSpPr>
+          <p:cNvPr id="35" name="TextBox 34"/>
+          <p:cNvSpPr txBox="1"/>
+          <p:nvPr/>
+        </p:nvSpPr>
+        <p:spPr>
+          <a:xfrm>
+            <a:off x="7341389" y="1407175"/>
+            <a:ext cx="1471621" cy="369332"/>
+          </a:xfrm>
+          <a:prstGeom prst="rect">
+            <a:avLst/>
+          </a:prstGeom>
+          <a:noFill/>
+        </p:spPr>
+        <p:txBody>
+          <a:bodyPr wrap="none" rtlCol="0">
+            <a:spAutoFit/>
+          </a:bodyPr>
+          <a:lstStyle/>
+          <a:p>
+            <a:r>
+              <a:rPr lang="en-US" b="1" dirty="0" smtClean="0">
+                <a:solidFill>
+                  <a:srgbClr val="FF3300"/>
+                </a:solidFill>
+              </a:rPr>
+              <a:t>DISPATCHER</a:t>
+            </a:r>
+            <a:endParaRPr lang="en-US" b="1" dirty="0">
+              <a:solidFill>
+                <a:srgbClr val="FF3300"/>
+              </a:solidFill>
+            </a:endParaRPr>
+          </a:p>
+        </p:txBody>
+      </p:sp>
+    </p:spTree>
+    <p:extLst>
+      <p:ext uri="{BB962C8B-B14F-4D97-AF65-F5344CB8AC3E}">
+        <p14:creationId xmlns:p14="http://schemas.microsoft.com/office/powerpoint/2010/main" val="960513445"/>
+      </p:ext>
+    </p:extLst>
+  </p:cSld>
+  <p:clrMapOvr>
+    <a:masterClrMapping/>
+  </p:clrMapOvr>
+  <p:timing>
+    <p:tnLst>
+      <p:par>
+        <p:cTn id="1" dur="indefinite" restart="never" nodeType="tmRoot"/>
+      </p:par>
+    </p:tnLst>
+  </p:timing>
+</p:sld>
+</file>
+
+<file path=ppt/slides/slide15.xml><?xml version="1.0" encoding="utf-8"?>
+<p:sld xmlns:a="http://schemas.openxmlformats.org/drawingml/2006/main" xmlns:r="http://schemas.openxmlformats.org/officeDocument/2006/relationships" xmlns:p="http://schemas.openxmlformats.org/presentationml/2006/main" showMasterSp="0">
+  <p:cSld>
+    <p:spTree>
+      <p:nvGrpSpPr>
+        <p:cNvPr id="1" name=""/>
+        <p:cNvGrpSpPr/>
+        <p:nvPr/>
+      </p:nvGrpSpPr>
+      <p:grpSpPr>
+        <a:xfrm>
+          <a:off x="0" y="0"/>
+          <a:ext cx="0" cy="0"/>
+          <a:chOff x="0" y="0"/>
+          <a:chExt cx="0" cy="0"/>
+        </a:xfrm>
+      </p:grpSpPr>
+      <p:sp>
+        <p:nvSpPr>
+          <p:cNvPr id="4" name="Footer Placeholder 3"/>
+          <p:cNvSpPr>
+            <a:spLocks noGrp="1"/>
+          </p:cNvSpPr>
+          <p:nvPr>
+            <p:ph type="ftr" sz="quarter" idx="11"/>
+          </p:nvPr>
+        </p:nvSpPr>
+        <p:spPr>
+          <a:xfrm>
+            <a:off x="677334" y="6376007"/>
+            <a:ext cx="6297612" cy="365125"/>
+          </a:xfrm>
+        </p:spPr>
+        <p:txBody>
+          <a:bodyPr/>
+          <a:lstStyle/>
+          <a:p>
+            <a:r>
+              <a:rPr lang="en-US" dirty="0" smtClean="0">
+                <a:solidFill>
+                  <a:prstClr val="black">
+                    <a:tint val="75000"/>
+                  </a:prstClr>
+                </a:solidFill>
+                <a:latin typeface="Helvetica Neue" charset="0"/>
+                <a:ea typeface="Helvetica Neue" charset="0"/>
+                <a:cs typeface="Helvetica Neue" charset="0"/>
+              </a:rPr>
+              <a:t>Francesco Peverelli - Federico Reppucci</a:t>
+            </a:r>
+            <a:endParaRPr lang="en-US" dirty="0">
+              <a:solidFill>
+                <a:prstClr val="black">
+                  <a:tint val="75000"/>
+                </a:prstClr>
+              </a:solidFill>
+              <a:latin typeface="Helvetica Neue" charset="0"/>
+              <a:ea typeface="Helvetica Neue" charset="0"/>
+              <a:cs typeface="Helvetica Neue" charset="0"/>
+            </a:endParaRPr>
+          </a:p>
+        </p:txBody>
+      </p:sp>
+      <p:sp>
+        <p:nvSpPr>
+          <p:cNvPr id="5" name="Slide Number Placeholder 4"/>
+          <p:cNvSpPr>
+            <a:spLocks noGrp="1"/>
+          </p:cNvSpPr>
+          <p:nvPr>
+            <p:ph type="sldNum" sz="quarter" idx="12"/>
+          </p:nvPr>
+        </p:nvSpPr>
+        <p:spPr>
+          <a:xfrm>
+            <a:off x="11088214" y="6376006"/>
+            <a:ext cx="683339" cy="365125"/>
+          </a:xfrm>
+        </p:spPr>
+        <p:txBody>
+          <a:bodyPr/>
+          <a:lstStyle/>
+          <a:p>
+            <a:fld id="{D57F1E4F-1CFF-5643-939E-217C01CDF565}" type="slidenum">
+              <a:rPr lang="en-US" smtClean="0">
+                <a:solidFill>
+                  <a:srgbClr val="5FCBEF"/>
+                </a:solidFill>
+                <a:latin typeface="Helvetica Neue" charset="0"/>
+                <a:ea typeface="Helvetica Neue" charset="0"/>
+                <a:cs typeface="Helvetica Neue" charset="0"/>
+              </a:rPr>
+              <a:pPr/>
+              <a:t>15</a:t>
+            </a:fld>
+            <a:endParaRPr lang="en-US" dirty="0">
+              <a:solidFill>
+                <a:srgbClr val="5FCBEF"/>
+              </a:solidFill>
+              <a:latin typeface="Helvetica Neue" charset="0"/>
+              <a:ea typeface="Helvetica Neue" charset="0"/>
+              <a:cs typeface="Helvetica Neue" charset="0"/>
+            </a:endParaRPr>
+          </a:p>
+        </p:txBody>
+      </p:sp>
+      <p:sp>
+        <p:nvSpPr>
+          <p:cNvPr id="15" name="Title 1"/>
+          <p:cNvSpPr txBox="1">
+            <a:spLocks/>
+          </p:cNvSpPr>
+          <p:nvPr/>
+        </p:nvSpPr>
+        <p:spPr>
+          <a:xfrm>
+            <a:off x="474663" y="138010"/>
+            <a:ext cx="11296890" cy="1030146"/>
+          </a:xfrm>
+          <a:prstGeom prst="rect">
+            <a:avLst/>
+          </a:prstGeom>
+        </p:spPr>
+        <p:txBody>
+          <a:bodyPr vert="horz" lIns="91440" tIns="45720" rIns="91440" bIns="45720" rtlCol="0" anchor="t">
+            <a:noAutofit/>
+          </a:bodyPr>
+          <a:lstStyle>
+            <a:lvl1pPr algn="l" defTabSz="457200" rtl="0" eaLnBrk="1" latinLnBrk="0" hangingPunct="1">
+              <a:spcBef>
+                <a:spcPct val="0"/>
+              </a:spcBef>
+              <a:buNone/>
+              <a:defRPr sz="3600" kern="1200">
+                <a:solidFill>
+                  <a:schemeClr val="accent1"/>
+                </a:solidFill>
+                <a:latin typeface="+mj-lt"/>
+                <a:ea typeface="+mj-ea"/>
+                <a:cs typeface="+mj-cs"/>
+              </a:defRPr>
+            </a:lvl1pPr>
+            <a:lvl2pPr eaLnBrk="1" hangingPunct="1">
+              <a:defRPr>
+                <a:solidFill>
+                  <a:schemeClr val="tx2"/>
+                </a:solidFill>
+              </a:defRPr>
+            </a:lvl2pPr>
+            <a:lvl3pPr eaLnBrk="1" hangingPunct="1">
+              <a:defRPr>
+                <a:solidFill>
+                  <a:schemeClr val="tx2"/>
+                </a:solidFill>
+              </a:defRPr>
+            </a:lvl3pPr>
+            <a:lvl4pPr eaLnBrk="1" hangingPunct="1">
+              <a:defRPr>
+                <a:solidFill>
+                  <a:schemeClr val="tx2"/>
+                </a:solidFill>
+              </a:defRPr>
+            </a:lvl4pPr>
+            <a:lvl5pPr eaLnBrk="1" hangingPunct="1">
+              <a:defRPr>
+                <a:solidFill>
+                  <a:schemeClr val="tx2"/>
+                </a:solidFill>
+              </a:defRPr>
+            </a:lvl5pPr>
+            <a:lvl6pPr eaLnBrk="1" hangingPunct="1">
+              <a:defRPr>
+                <a:solidFill>
+                  <a:schemeClr val="tx2"/>
+                </a:solidFill>
+              </a:defRPr>
+            </a:lvl6pPr>
+            <a:lvl7pPr eaLnBrk="1" hangingPunct="1">
+              <a:defRPr>
+                <a:solidFill>
+                  <a:schemeClr val="tx2"/>
+                </a:solidFill>
+              </a:defRPr>
+            </a:lvl7pPr>
+            <a:lvl8pPr eaLnBrk="1" hangingPunct="1">
+              <a:defRPr>
+                <a:solidFill>
+                  <a:schemeClr val="tx2"/>
+                </a:solidFill>
+              </a:defRPr>
+            </a:lvl8pPr>
+            <a:lvl9pPr eaLnBrk="1" hangingPunct="1">
+              <a:defRPr>
+                <a:solidFill>
+                  <a:schemeClr val="tx2"/>
+                </a:solidFill>
+              </a:defRPr>
+            </a:lvl9pPr>
+          </a:lstStyle>
+          <a:p>
+            <a:pPr algn="ctr"/>
+            <a:r>
+              <a:rPr lang="en-US" sz="6000" dirty="0" smtClean="0">
+                <a:solidFill>
+                  <a:srgbClr val="2E83C3"/>
+                </a:solidFill>
+                <a:latin typeface="Helvetica Neue" charset="0"/>
+                <a:ea typeface="Helvetica Neue" charset="0"/>
+                <a:cs typeface="Helvetica Neue" charset="0"/>
+              </a:rPr>
+              <a:t>Interaction example</a:t>
+            </a:r>
+            <a:endParaRPr lang="en-US" sz="6000" dirty="0">
+              <a:solidFill>
+                <a:srgbClr val="2E83C3"/>
+              </a:solidFill>
+              <a:latin typeface="Helvetica Neue" charset="0"/>
+              <a:ea typeface="Helvetica Neue" charset="0"/>
+              <a:cs typeface="Helvetica Neue" charset="0"/>
+            </a:endParaRPr>
+          </a:p>
+        </p:txBody>
+      </p:sp>
+      <p:pic>
+        <p:nvPicPr>
+          <p:cNvPr id="3" name="Picture 2"/>
+          <p:cNvPicPr>
+            <a:picLocks noChangeAspect="1"/>
+          </p:cNvPicPr>
+          <p:nvPr/>
+        </p:nvPicPr>
+        <p:blipFill>
+          <a:blip r:embed="rId2">
+            <a:extLst>
+              <a:ext uri="{28A0092B-C50C-407E-A947-70E740481C1C}">
+                <a14:useLocalDpi xmlns:a14="http://schemas.microsoft.com/office/drawing/2010/main" val="0"/>
+              </a:ext>
+            </a:extLst>
+          </a:blip>
+          <a:stretch>
+            <a:fillRect/>
+          </a:stretch>
+        </p:blipFill>
+        <p:spPr>
+          <a:xfrm>
+            <a:off x="177800" y="1531771"/>
+            <a:ext cx="12192000" cy="4480619"/>
+          </a:xfrm>
+          <a:prstGeom prst="rect">
+            <a:avLst/>
+          </a:prstGeom>
+        </p:spPr>
+      </p:pic>
+    </p:spTree>
+    <p:extLst>
+      <p:ext uri="{BB962C8B-B14F-4D97-AF65-F5344CB8AC3E}">
+        <p14:creationId xmlns:p14="http://schemas.microsoft.com/office/powerpoint/2010/main" val="2004985451"/>
+      </p:ext>
+    </p:extLst>
+  </p:cSld>
+  <p:clrMapOvr>
+    <a:masterClrMapping/>
+  </p:clrMapOvr>
+  <p:timing>
+    <p:tnLst>
+      <p:par>
+        <p:cTn id="1" dur="indefinite" restart="never" nodeType="tmRoot"/>
+      </p:par>
+    </p:tnLst>
+  </p:timing>
+</p:sld>
+</file>
+
+<file path=ppt/slides/slide16.xml><?xml version="1.0" encoding="utf-8"?>
+<p:sld xmlns:a="http://schemas.openxmlformats.org/drawingml/2006/main" xmlns:r="http://schemas.openxmlformats.org/officeDocument/2006/relationships" xmlns:p="http://schemas.openxmlformats.org/presentationml/2006/main" showMasterSp="0">
+  <p:cSld>
+    <p:spTree>
+      <p:nvGrpSpPr>
+        <p:cNvPr id="1" name=""/>
+        <p:cNvGrpSpPr/>
+        <p:nvPr/>
+      </p:nvGrpSpPr>
+      <p:grpSpPr>
+        <a:xfrm>
+          <a:off x="0" y="0"/>
+          <a:ext cx="0" cy="0"/>
+          <a:chOff x="0" y="0"/>
+          <a:chExt cx="0" cy="0"/>
+        </a:xfrm>
+      </p:grpSpPr>
+      <p:sp>
+        <p:nvSpPr>
+          <p:cNvPr id="4" name="Footer Placeholder 3"/>
+          <p:cNvSpPr>
+            <a:spLocks noGrp="1"/>
+          </p:cNvSpPr>
+          <p:nvPr>
+            <p:ph type="ftr" sz="quarter" idx="11"/>
+          </p:nvPr>
+        </p:nvSpPr>
+        <p:spPr>
+          <a:xfrm>
+            <a:off x="677334" y="6376007"/>
+            <a:ext cx="6297612" cy="365125"/>
+          </a:xfrm>
+        </p:spPr>
+        <p:txBody>
+          <a:bodyPr/>
+          <a:lstStyle/>
+          <a:p>
+            <a:r>
+              <a:rPr lang="en-US" dirty="0" smtClean="0">
+                <a:solidFill>
+                  <a:prstClr val="black">
+                    <a:tint val="75000"/>
+                  </a:prstClr>
+                </a:solidFill>
+                <a:latin typeface="Helvetica Neue" charset="0"/>
+                <a:ea typeface="Helvetica Neue" charset="0"/>
+                <a:cs typeface="Helvetica Neue" charset="0"/>
+              </a:rPr>
+              <a:t>Francesco Peverelli - Federico Reppucci</a:t>
+            </a:r>
+            <a:endParaRPr lang="en-US" dirty="0">
+              <a:solidFill>
+                <a:prstClr val="black">
+                  <a:tint val="75000"/>
+                </a:prstClr>
+              </a:solidFill>
+              <a:latin typeface="Helvetica Neue" charset="0"/>
+              <a:ea typeface="Helvetica Neue" charset="0"/>
+              <a:cs typeface="Helvetica Neue" charset="0"/>
+            </a:endParaRPr>
+          </a:p>
+        </p:txBody>
+      </p:sp>
+      <p:sp>
+        <p:nvSpPr>
+          <p:cNvPr id="5" name="Slide Number Placeholder 4"/>
+          <p:cNvSpPr>
+            <a:spLocks noGrp="1"/>
+          </p:cNvSpPr>
+          <p:nvPr>
+            <p:ph type="sldNum" sz="quarter" idx="12"/>
+          </p:nvPr>
+        </p:nvSpPr>
+        <p:spPr>
+          <a:xfrm>
+            <a:off x="11088214" y="6376006"/>
+            <a:ext cx="683339" cy="365125"/>
+          </a:xfrm>
+        </p:spPr>
+        <p:txBody>
+          <a:bodyPr/>
+          <a:lstStyle/>
+          <a:p>
+            <a:fld id="{D57F1E4F-1CFF-5643-939E-217C01CDF565}" type="slidenum">
+              <a:rPr lang="en-US" smtClean="0">
+                <a:solidFill>
+                  <a:srgbClr val="5FCBEF"/>
+                </a:solidFill>
+                <a:latin typeface="Helvetica Neue" charset="0"/>
+                <a:ea typeface="Helvetica Neue" charset="0"/>
+                <a:cs typeface="Helvetica Neue" charset="0"/>
+              </a:rPr>
+              <a:pPr/>
+              <a:t>16</a:t>
+            </a:fld>
+            <a:endParaRPr lang="en-US" dirty="0">
+              <a:solidFill>
+                <a:srgbClr val="5FCBEF"/>
+              </a:solidFill>
+              <a:latin typeface="Helvetica Neue" charset="0"/>
+              <a:ea typeface="Helvetica Neue" charset="0"/>
+              <a:cs typeface="Helvetica Neue" charset="0"/>
+            </a:endParaRPr>
+          </a:p>
+        </p:txBody>
+      </p:sp>
+      <p:sp>
+        <p:nvSpPr>
+          <p:cNvPr id="15" name="Title 1"/>
+          <p:cNvSpPr txBox="1">
+            <a:spLocks/>
+          </p:cNvSpPr>
+          <p:nvPr/>
+        </p:nvSpPr>
+        <p:spPr>
+          <a:xfrm>
+            <a:off x="474663" y="138010"/>
+            <a:ext cx="11296890" cy="1030146"/>
+          </a:xfrm>
+          <a:prstGeom prst="rect">
+            <a:avLst/>
+          </a:prstGeom>
+        </p:spPr>
+        <p:txBody>
+          <a:bodyPr vert="horz" lIns="91440" tIns="45720" rIns="91440" bIns="45720" rtlCol="0" anchor="t">
+            <a:noAutofit/>
+          </a:bodyPr>
+          <a:lstStyle>
+            <a:lvl1pPr algn="l" defTabSz="457200" rtl="0" eaLnBrk="1" latinLnBrk="0" hangingPunct="1">
+              <a:spcBef>
+                <a:spcPct val="0"/>
+              </a:spcBef>
+              <a:buNone/>
+              <a:defRPr sz="3600" kern="1200">
+                <a:solidFill>
+                  <a:schemeClr val="accent1"/>
+                </a:solidFill>
+                <a:latin typeface="+mj-lt"/>
+                <a:ea typeface="+mj-ea"/>
+                <a:cs typeface="+mj-cs"/>
+              </a:defRPr>
+            </a:lvl1pPr>
+            <a:lvl2pPr eaLnBrk="1" hangingPunct="1">
+              <a:defRPr>
+                <a:solidFill>
+                  <a:schemeClr val="tx2"/>
+                </a:solidFill>
+              </a:defRPr>
+            </a:lvl2pPr>
+            <a:lvl3pPr eaLnBrk="1" hangingPunct="1">
+              <a:defRPr>
+                <a:solidFill>
+                  <a:schemeClr val="tx2"/>
+                </a:solidFill>
+              </a:defRPr>
+            </a:lvl3pPr>
+            <a:lvl4pPr eaLnBrk="1" hangingPunct="1">
+              <a:defRPr>
+                <a:solidFill>
+                  <a:schemeClr val="tx2"/>
+                </a:solidFill>
+              </a:defRPr>
+            </a:lvl4pPr>
+            <a:lvl5pPr eaLnBrk="1" hangingPunct="1">
+              <a:defRPr>
+                <a:solidFill>
+                  <a:schemeClr val="tx2"/>
+                </a:solidFill>
+              </a:defRPr>
+            </a:lvl5pPr>
+            <a:lvl6pPr eaLnBrk="1" hangingPunct="1">
+              <a:defRPr>
+                <a:solidFill>
+                  <a:schemeClr val="tx2"/>
+                </a:solidFill>
+              </a:defRPr>
+            </a:lvl6pPr>
+            <a:lvl7pPr eaLnBrk="1" hangingPunct="1">
+              <a:defRPr>
+                <a:solidFill>
+                  <a:schemeClr val="tx2"/>
+                </a:solidFill>
+              </a:defRPr>
+            </a:lvl7pPr>
+            <a:lvl8pPr eaLnBrk="1" hangingPunct="1">
+              <a:defRPr>
+                <a:solidFill>
+                  <a:schemeClr val="tx2"/>
+                </a:solidFill>
+              </a:defRPr>
+            </a:lvl8pPr>
+            <a:lvl9pPr eaLnBrk="1" hangingPunct="1">
+              <a:defRPr>
+                <a:solidFill>
+                  <a:schemeClr val="tx2"/>
+                </a:solidFill>
+              </a:defRPr>
+            </a:lvl9pPr>
+          </a:lstStyle>
+          <a:p>
+            <a:pPr algn="ctr"/>
+            <a:r>
+              <a:rPr lang="en-US" sz="6000" dirty="0" smtClean="0">
+                <a:solidFill>
+                  <a:srgbClr val="2E83C3"/>
+                </a:solidFill>
+                <a:latin typeface="Helvetica Neue" charset="0"/>
+                <a:ea typeface="Helvetica Neue" charset="0"/>
+                <a:cs typeface="Helvetica Neue" charset="0"/>
+              </a:rPr>
+              <a:t>Interaction example</a:t>
+            </a:r>
+            <a:endParaRPr lang="en-US" sz="6000" dirty="0">
+              <a:solidFill>
+                <a:srgbClr val="2E83C3"/>
+              </a:solidFill>
+              <a:latin typeface="Helvetica Neue" charset="0"/>
+              <a:ea typeface="Helvetica Neue" charset="0"/>
+              <a:cs typeface="Helvetica Neue" charset="0"/>
+            </a:endParaRPr>
+          </a:p>
+        </p:txBody>
+      </p:sp>
+      <p:pic>
+        <p:nvPicPr>
+          <p:cNvPr id="2" name="Picture 1"/>
+          <p:cNvPicPr>
+            <a:picLocks noChangeAspect="1"/>
+          </p:cNvPicPr>
+          <p:nvPr/>
+        </p:nvPicPr>
+        <p:blipFill>
+          <a:blip r:embed="rId2">
+            <a:extLst>
+              <a:ext uri="{28A0092B-C50C-407E-A947-70E740481C1C}">
+                <a14:useLocalDpi xmlns:a14="http://schemas.microsoft.com/office/drawing/2010/main" val="0"/>
+              </a:ext>
+            </a:extLst>
+          </a:blip>
+          <a:stretch>
+            <a:fillRect/>
+          </a:stretch>
+        </p:blipFill>
+        <p:spPr>
+          <a:xfrm>
+            <a:off x="154108" y="1430425"/>
+            <a:ext cx="12192000" cy="4683311"/>
+          </a:xfrm>
+          <a:prstGeom prst="rect">
+            <a:avLst/>
+          </a:prstGeom>
+        </p:spPr>
+      </p:pic>
+    </p:spTree>
+    <p:extLst>
+      <p:ext uri="{BB962C8B-B14F-4D97-AF65-F5344CB8AC3E}">
+        <p14:creationId xmlns:p14="http://schemas.microsoft.com/office/powerpoint/2010/main" val="1055659197"/>
+      </p:ext>
+    </p:extLst>
+  </p:cSld>
+  <p:clrMapOvr>
+    <a:masterClrMapping/>
+  </p:clrMapOvr>
+  <p:timing>
+    <p:tnLst>
+      <p:par>
+        <p:cTn id="1" dur="indefinite" restart="never" nodeType="tmRoot"/>
+      </p:par>
+    </p:tnLst>
+  </p:timing>
+</p:sld>
+</file>
+
+<file path=ppt/slides/slide17.xml><?xml version="1.0" encoding="utf-8"?>
+<p:sld xmlns:a="http://schemas.openxmlformats.org/drawingml/2006/main" xmlns:r="http://schemas.openxmlformats.org/officeDocument/2006/relationships" xmlns:p="http://schemas.openxmlformats.org/presentationml/2006/main" showMasterSp="0">
+  <p:cSld>
+    <p:spTree>
+      <p:nvGrpSpPr>
+        <p:cNvPr id="1" name=""/>
+        <p:cNvGrpSpPr/>
+        <p:nvPr/>
+      </p:nvGrpSpPr>
+      <p:grpSpPr>
+        <a:xfrm>
+          <a:off x="0" y="0"/>
+          <a:ext cx="0" cy="0"/>
+          <a:chOff x="0" y="0"/>
+          <a:chExt cx="0" cy="0"/>
+        </a:xfrm>
+      </p:grpSpPr>
+      <p:sp>
+        <p:nvSpPr>
+          <p:cNvPr id="4" name="Footer Placeholder 3"/>
+          <p:cNvSpPr>
+            <a:spLocks noGrp="1"/>
+          </p:cNvSpPr>
+          <p:nvPr>
+            <p:ph type="ftr" sz="quarter" idx="11"/>
+          </p:nvPr>
+        </p:nvSpPr>
+        <p:spPr>
+          <a:xfrm>
+            <a:off x="677334" y="6376007"/>
+            <a:ext cx="6297612" cy="365125"/>
+          </a:xfrm>
+        </p:spPr>
+        <p:txBody>
+          <a:bodyPr/>
+          <a:lstStyle/>
+          <a:p>
+            <a:r>
+              <a:rPr lang="en-US" dirty="0" smtClean="0">
+                <a:solidFill>
+                  <a:prstClr val="black">
+                    <a:tint val="75000"/>
+                  </a:prstClr>
+                </a:solidFill>
+                <a:latin typeface="Helvetica Neue" charset="0"/>
+                <a:ea typeface="Helvetica Neue" charset="0"/>
+                <a:cs typeface="Helvetica Neue" charset="0"/>
+              </a:rPr>
+              <a:t>Francesco Peverelli - Federico Reppucci</a:t>
+            </a:r>
+            <a:endParaRPr lang="en-US" dirty="0">
+              <a:solidFill>
+                <a:prstClr val="black">
+                  <a:tint val="75000"/>
+                </a:prstClr>
+              </a:solidFill>
+              <a:latin typeface="Helvetica Neue" charset="0"/>
+              <a:ea typeface="Helvetica Neue" charset="0"/>
+              <a:cs typeface="Helvetica Neue" charset="0"/>
+            </a:endParaRPr>
+          </a:p>
+        </p:txBody>
+      </p:sp>
+      <p:sp>
+        <p:nvSpPr>
+          <p:cNvPr id="5" name="Slide Number Placeholder 4"/>
+          <p:cNvSpPr>
+            <a:spLocks noGrp="1"/>
+          </p:cNvSpPr>
+          <p:nvPr>
+            <p:ph type="sldNum" sz="quarter" idx="12"/>
+          </p:nvPr>
+        </p:nvSpPr>
+        <p:spPr>
+          <a:xfrm>
+            <a:off x="11088214" y="6376006"/>
+            <a:ext cx="683339" cy="365125"/>
+          </a:xfrm>
+        </p:spPr>
+        <p:txBody>
+          <a:bodyPr/>
+          <a:lstStyle/>
+          <a:p>
+            <a:fld id="{D57F1E4F-1CFF-5643-939E-217C01CDF565}" type="slidenum">
+              <a:rPr lang="en-US" smtClean="0">
+                <a:solidFill>
+                  <a:srgbClr val="5FCBEF"/>
+                </a:solidFill>
+                <a:latin typeface="Helvetica Neue" charset="0"/>
+                <a:ea typeface="Helvetica Neue" charset="0"/>
+                <a:cs typeface="Helvetica Neue" charset="0"/>
+              </a:rPr>
+              <a:pPr/>
+              <a:t>17</a:t>
+            </a:fld>
+            <a:endParaRPr lang="en-US" dirty="0">
+              <a:solidFill>
+                <a:srgbClr val="5FCBEF"/>
+              </a:solidFill>
+              <a:latin typeface="Helvetica Neue" charset="0"/>
+              <a:ea typeface="Helvetica Neue" charset="0"/>
+              <a:cs typeface="Helvetica Neue" charset="0"/>
+            </a:endParaRPr>
+          </a:p>
+        </p:txBody>
+      </p:sp>
+      <p:pic>
+        <p:nvPicPr>
+          <p:cNvPr id="6" name="Picture 5"/>
+          <p:cNvPicPr>
+            <a:picLocks noChangeAspect="1"/>
+          </p:cNvPicPr>
+          <p:nvPr/>
+        </p:nvPicPr>
+        <p:blipFill>
+          <a:blip r:embed="rId2">
+            <a:extLst>
+              <a:ext uri="{28A0092B-C50C-407E-A947-70E740481C1C}">
+                <a14:useLocalDpi xmlns:a14="http://schemas.microsoft.com/office/drawing/2010/main" val="0"/>
+              </a:ext>
+            </a:extLst>
+          </a:blip>
+          <a:stretch>
+            <a:fillRect/>
+          </a:stretch>
+        </p:blipFill>
+        <p:spPr>
+          <a:xfrm>
+            <a:off x="169334" y="1898162"/>
+            <a:ext cx="4402947" cy="2705344"/>
+          </a:xfrm>
+          <a:prstGeom prst="rect">
+            <a:avLst/>
+          </a:prstGeom>
+        </p:spPr>
+      </p:pic>
+      <p:sp>
+        <p:nvSpPr>
+          <p:cNvPr id="8" name="Content Placeholder 2"/>
+          <p:cNvSpPr>
+            <a:spLocks noGrp="1"/>
+          </p:cNvSpPr>
+          <p:nvPr>
+            <p:ph idx="1"/>
+          </p:nvPr>
+        </p:nvSpPr>
+        <p:spPr>
+          <a:xfrm>
+            <a:off x="4787900" y="1898162"/>
+            <a:ext cx="6983653" cy="3435838"/>
+          </a:xfrm>
+        </p:spPr>
+        <p:txBody>
+          <a:bodyPr wrap="square">
+            <a:noAutofit/>
+          </a:bodyPr>
+          <a:lstStyle/>
+          <a:p>
+            <a:r>
+              <a:rPr lang="en-US" sz="2500" dirty="0" smtClean="0">
+                <a:latin typeface="Helvetica Neue" charset="0"/>
+                <a:ea typeface="Helvetica Neue" charset="0"/>
+                <a:cs typeface="Helvetica Neue" charset="0"/>
+              </a:rPr>
+              <a:t>A stable and well known framework for enterprise applications development</a:t>
+            </a:r>
+          </a:p>
+          <a:p>
+            <a:endParaRPr lang="en-US" sz="2500" dirty="0" smtClean="0">
+              <a:latin typeface="Helvetica Neue" charset="0"/>
+              <a:ea typeface="Helvetica Neue" charset="0"/>
+              <a:cs typeface="Helvetica Neue" charset="0"/>
+            </a:endParaRPr>
+          </a:p>
+          <a:p>
+            <a:r>
+              <a:rPr lang="en-US" sz="2500" dirty="0" smtClean="0">
+                <a:latin typeface="Helvetica Neue" charset="0"/>
+                <a:ea typeface="Helvetica Neue" charset="0"/>
+                <a:cs typeface="Helvetica Neue" charset="0"/>
+              </a:rPr>
+              <a:t>Supports event-driven architecture</a:t>
+            </a:r>
+          </a:p>
+          <a:p>
+            <a:endParaRPr lang="en-US" sz="2500" dirty="0" smtClean="0">
+              <a:latin typeface="Helvetica Neue" charset="0"/>
+              <a:ea typeface="Helvetica Neue" charset="0"/>
+              <a:cs typeface="Helvetica Neue" charset="0"/>
+            </a:endParaRPr>
+          </a:p>
+          <a:p>
+            <a:r>
+              <a:rPr lang="en-US" sz="2500" dirty="0" smtClean="0">
+                <a:latin typeface="Helvetica Neue" charset="0"/>
+                <a:ea typeface="Helvetica Neue" charset="0"/>
+                <a:cs typeface="Helvetica Neue" charset="0"/>
+              </a:rPr>
+              <a:t>Helps to deal with scalability and availability issues</a:t>
+            </a:r>
+          </a:p>
+        </p:txBody>
+      </p:sp>
+      <p:sp>
+        <p:nvSpPr>
+          <p:cNvPr id="9" name="Title 1"/>
+          <p:cNvSpPr txBox="1">
+            <a:spLocks/>
+          </p:cNvSpPr>
+          <p:nvPr/>
+        </p:nvSpPr>
+        <p:spPr>
+          <a:xfrm>
+            <a:off x="474663" y="138010"/>
+            <a:ext cx="11296890" cy="1030146"/>
+          </a:xfrm>
+          <a:prstGeom prst="rect">
+            <a:avLst/>
+          </a:prstGeom>
+        </p:spPr>
+        <p:txBody>
+          <a:bodyPr vert="horz" lIns="91440" tIns="45720" rIns="91440" bIns="45720" rtlCol="0" anchor="t">
+            <a:noAutofit/>
+          </a:bodyPr>
+          <a:lstStyle>
+            <a:lvl1pPr algn="l" defTabSz="457200" rtl="0" eaLnBrk="1" latinLnBrk="0" hangingPunct="1">
+              <a:spcBef>
+                <a:spcPct val="0"/>
+              </a:spcBef>
+              <a:buNone/>
+              <a:defRPr sz="3600" kern="1200">
+                <a:solidFill>
+                  <a:schemeClr val="accent1"/>
+                </a:solidFill>
+                <a:latin typeface="+mj-lt"/>
+                <a:ea typeface="+mj-ea"/>
+                <a:cs typeface="+mj-cs"/>
+              </a:defRPr>
+            </a:lvl1pPr>
+            <a:lvl2pPr eaLnBrk="1" hangingPunct="1">
+              <a:defRPr>
+                <a:solidFill>
+                  <a:schemeClr val="tx2"/>
+                </a:solidFill>
+              </a:defRPr>
+            </a:lvl2pPr>
+            <a:lvl3pPr eaLnBrk="1" hangingPunct="1">
+              <a:defRPr>
+                <a:solidFill>
+                  <a:schemeClr val="tx2"/>
+                </a:solidFill>
+              </a:defRPr>
+            </a:lvl3pPr>
+            <a:lvl4pPr eaLnBrk="1" hangingPunct="1">
+              <a:defRPr>
+                <a:solidFill>
+                  <a:schemeClr val="tx2"/>
+                </a:solidFill>
+              </a:defRPr>
+            </a:lvl4pPr>
+            <a:lvl5pPr eaLnBrk="1" hangingPunct="1">
+              <a:defRPr>
+                <a:solidFill>
+                  <a:schemeClr val="tx2"/>
+                </a:solidFill>
+              </a:defRPr>
+            </a:lvl5pPr>
+            <a:lvl6pPr eaLnBrk="1" hangingPunct="1">
+              <a:defRPr>
+                <a:solidFill>
+                  <a:schemeClr val="tx2"/>
+                </a:solidFill>
+              </a:defRPr>
+            </a:lvl6pPr>
+            <a:lvl7pPr eaLnBrk="1" hangingPunct="1">
+              <a:defRPr>
+                <a:solidFill>
+                  <a:schemeClr val="tx2"/>
+                </a:solidFill>
+              </a:defRPr>
+            </a:lvl7pPr>
+            <a:lvl8pPr eaLnBrk="1" hangingPunct="1">
+              <a:defRPr>
+                <a:solidFill>
+                  <a:schemeClr val="tx2"/>
+                </a:solidFill>
+              </a:defRPr>
+            </a:lvl8pPr>
+            <a:lvl9pPr eaLnBrk="1" hangingPunct="1">
+              <a:defRPr>
+                <a:solidFill>
+                  <a:schemeClr val="tx2"/>
+                </a:solidFill>
+              </a:defRPr>
+            </a:lvl9pPr>
+          </a:lstStyle>
+          <a:p>
+            <a:pPr algn="ctr"/>
+            <a:r>
+              <a:rPr lang="en-US" sz="6000" dirty="0" smtClean="0">
+                <a:solidFill>
+                  <a:schemeClr val="accent2"/>
+                </a:solidFill>
+                <a:latin typeface="Helvetica Neue" charset="0"/>
+                <a:ea typeface="Helvetica Neue" charset="0"/>
+                <a:cs typeface="Helvetica Neue" charset="0"/>
+              </a:rPr>
+              <a:t>From design to implementation</a:t>
+            </a:r>
+            <a:endParaRPr lang="en-US" sz="6000" dirty="0">
+              <a:solidFill>
+                <a:schemeClr val="accent2"/>
+              </a:solidFill>
+              <a:latin typeface="Helvetica Neue" charset="0"/>
+              <a:ea typeface="Helvetica Neue" charset="0"/>
+              <a:cs typeface="Helvetica Neue" charset="0"/>
+            </a:endParaRPr>
+          </a:p>
+        </p:txBody>
+      </p:sp>
+    </p:spTree>
+    <p:extLst>
+      <p:ext uri="{BB962C8B-B14F-4D97-AF65-F5344CB8AC3E}">
+        <p14:creationId xmlns:p14="http://schemas.microsoft.com/office/powerpoint/2010/main" val="1261858872"/>
+      </p:ext>
+    </p:extLst>
+  </p:cSld>
+  <p:clrMapOvr>
+    <a:masterClrMapping/>
+  </p:clrMapOvr>
+  <p:timing>
+    <p:tnLst>
+      <p:par>
+        <p:cTn id="1" dur="indefinite" restart="never" nodeType="tmRoot"/>
+      </p:par>
+    </p:tnLst>
+  </p:timing>
+</p:sld>
+</file>
+
+<file path=ppt/slides/slide18.xml><?xml version="1.0" encoding="utf-8"?>
+<p:sld xmlns:a="http://schemas.openxmlformats.org/drawingml/2006/main" xmlns:r="http://schemas.openxmlformats.org/officeDocument/2006/relationships" xmlns:p="http://schemas.openxmlformats.org/presentationml/2006/main" showMasterSp="0">
+  <p:cSld>
+    <p:spTree>
+      <p:nvGrpSpPr>
+        <p:cNvPr id="1" name=""/>
+        <p:cNvGrpSpPr/>
+        <p:nvPr/>
+      </p:nvGrpSpPr>
+      <p:grpSpPr>
+        <a:xfrm>
+          <a:off x="0" y="0"/>
+          <a:ext cx="0" cy="0"/>
+          <a:chOff x="0" y="0"/>
+          <a:chExt cx="0" cy="0"/>
+        </a:xfrm>
+      </p:grpSpPr>
+      <p:sp>
+        <p:nvSpPr>
+          <p:cNvPr id="4" name="Footer Placeholder 3"/>
+          <p:cNvSpPr>
+            <a:spLocks noGrp="1"/>
+          </p:cNvSpPr>
+          <p:nvPr>
+            <p:ph type="ftr" sz="quarter" idx="11"/>
+          </p:nvPr>
+        </p:nvSpPr>
+        <p:spPr>
+          <a:xfrm>
+            <a:off x="677334" y="6376007"/>
+            <a:ext cx="6297612" cy="365125"/>
+          </a:xfrm>
+        </p:spPr>
+        <p:txBody>
+          <a:bodyPr/>
+          <a:lstStyle/>
+          <a:p>
+            <a:r>
+              <a:rPr lang="en-US" dirty="0" smtClean="0">
+                <a:solidFill>
+                  <a:prstClr val="black">
+                    <a:tint val="75000"/>
+                  </a:prstClr>
+                </a:solidFill>
+                <a:latin typeface="Helvetica Neue" charset="0"/>
+                <a:ea typeface="Helvetica Neue" charset="0"/>
+                <a:cs typeface="Helvetica Neue" charset="0"/>
+              </a:rPr>
+              <a:t>Francesco Peverelli - Federico Reppucci</a:t>
+            </a:r>
+            <a:endParaRPr lang="en-US" dirty="0">
+              <a:solidFill>
+                <a:prstClr val="black">
+                  <a:tint val="75000"/>
+                </a:prstClr>
+              </a:solidFill>
+              <a:latin typeface="Helvetica Neue" charset="0"/>
+              <a:ea typeface="Helvetica Neue" charset="0"/>
+              <a:cs typeface="Helvetica Neue" charset="0"/>
+            </a:endParaRPr>
+          </a:p>
+        </p:txBody>
+      </p:sp>
+      <p:sp>
+        <p:nvSpPr>
+          <p:cNvPr id="5" name="Slide Number Placeholder 4"/>
+          <p:cNvSpPr>
+            <a:spLocks noGrp="1"/>
+          </p:cNvSpPr>
+          <p:nvPr>
+            <p:ph type="sldNum" sz="quarter" idx="12"/>
+          </p:nvPr>
+        </p:nvSpPr>
+        <p:spPr>
+          <a:xfrm>
+            <a:off x="11088214" y="6376006"/>
+            <a:ext cx="683339" cy="365125"/>
+          </a:xfrm>
+        </p:spPr>
+        <p:txBody>
+          <a:bodyPr/>
+          <a:lstStyle/>
+          <a:p>
+            <a:fld id="{D57F1E4F-1CFF-5643-939E-217C01CDF565}" type="slidenum">
+              <a:rPr lang="en-US" smtClean="0">
+                <a:solidFill>
+                  <a:srgbClr val="5FCBEF"/>
+                </a:solidFill>
+                <a:latin typeface="Helvetica Neue" charset="0"/>
+                <a:ea typeface="Helvetica Neue" charset="0"/>
+                <a:cs typeface="Helvetica Neue" charset="0"/>
+              </a:rPr>
+              <a:pPr/>
+              <a:t>18</a:t>
+            </a:fld>
+            <a:endParaRPr lang="en-US" dirty="0">
+              <a:solidFill>
+                <a:srgbClr val="5FCBEF"/>
+              </a:solidFill>
+              <a:latin typeface="Helvetica Neue" charset="0"/>
+              <a:ea typeface="Helvetica Neue" charset="0"/>
+              <a:cs typeface="Helvetica Neue" charset="0"/>
+            </a:endParaRPr>
+          </a:p>
+        </p:txBody>
+      </p:sp>
+      <p:pic>
+        <p:nvPicPr>
+          <p:cNvPr id="6" name="Picture 5"/>
+          <p:cNvPicPr>
+            <a:picLocks noChangeAspect="1"/>
+          </p:cNvPicPr>
+          <p:nvPr/>
+        </p:nvPicPr>
+        <p:blipFill>
+          <a:blip r:embed="rId2">
+            <a:extLst>
+              <a:ext uri="{28A0092B-C50C-407E-A947-70E740481C1C}">
+                <a14:useLocalDpi xmlns:a14="http://schemas.microsoft.com/office/drawing/2010/main" val="0"/>
+              </a:ext>
+            </a:extLst>
+          </a:blip>
+          <a:stretch>
+            <a:fillRect/>
+          </a:stretch>
+        </p:blipFill>
+        <p:spPr>
+          <a:xfrm>
+            <a:off x="8558799" y="1946351"/>
+            <a:ext cx="2529415" cy="2529415"/>
+          </a:xfrm>
+          <a:prstGeom prst="rect">
+            <a:avLst/>
+          </a:prstGeom>
+        </p:spPr>
+      </p:pic>
+      <p:pic>
+        <p:nvPicPr>
+          <p:cNvPr id="7" name="Picture 6"/>
+          <p:cNvPicPr>
+            <a:picLocks noChangeAspect="1"/>
+          </p:cNvPicPr>
+          <p:nvPr/>
+        </p:nvPicPr>
+        <p:blipFill>
+          <a:blip r:embed="rId3">
+            <a:extLst>
+              <a:ext uri="{28A0092B-C50C-407E-A947-70E740481C1C}">
+                <a14:useLocalDpi xmlns:a14="http://schemas.microsoft.com/office/drawing/2010/main" val="0"/>
+              </a:ext>
+            </a:extLst>
+          </a:blip>
+          <a:stretch>
+            <a:fillRect/>
+          </a:stretch>
+        </p:blipFill>
+        <p:spPr>
+          <a:xfrm>
+            <a:off x="1103787" y="1946351"/>
+            <a:ext cx="2529414" cy="2529414"/>
+          </a:xfrm>
+          <a:prstGeom prst="rect">
+            <a:avLst/>
+          </a:prstGeom>
+        </p:spPr>
+      </p:pic>
+      <p:pic>
+        <p:nvPicPr>
+          <p:cNvPr id="8" name="Picture 7"/>
+          <p:cNvPicPr>
+            <a:picLocks noChangeAspect="1"/>
+          </p:cNvPicPr>
+          <p:nvPr/>
+        </p:nvPicPr>
+        <p:blipFill>
+          <a:blip r:embed="rId4">
+            <a:extLst>
+              <a:ext uri="{28A0092B-C50C-407E-A947-70E740481C1C}">
+                <a14:useLocalDpi xmlns:a14="http://schemas.microsoft.com/office/drawing/2010/main" val="0"/>
+              </a:ext>
+            </a:extLst>
+          </a:blip>
+          <a:stretch>
+            <a:fillRect/>
+          </a:stretch>
+        </p:blipFill>
+        <p:spPr>
+          <a:xfrm>
+            <a:off x="5038494" y="1946351"/>
+            <a:ext cx="2115012" cy="2484074"/>
+          </a:xfrm>
+          <a:prstGeom prst="rect">
+            <a:avLst/>
+          </a:prstGeom>
+        </p:spPr>
+      </p:pic>
+      <p:sp>
+        <p:nvSpPr>
+          <p:cNvPr id="11" name="Title 1"/>
+          <p:cNvSpPr txBox="1">
+            <a:spLocks/>
+          </p:cNvSpPr>
+          <p:nvPr/>
+        </p:nvSpPr>
+        <p:spPr>
+          <a:xfrm>
+            <a:off x="474663" y="138010"/>
+            <a:ext cx="11296890" cy="1030146"/>
+          </a:xfrm>
+          <a:prstGeom prst="rect">
+            <a:avLst/>
+          </a:prstGeom>
+        </p:spPr>
+        <p:txBody>
+          <a:bodyPr vert="horz" lIns="91440" tIns="45720" rIns="91440" bIns="45720" rtlCol="0" anchor="t">
+            <a:noAutofit/>
+          </a:bodyPr>
+          <a:lstStyle>
+            <a:lvl1pPr algn="l" defTabSz="457200" rtl="0" eaLnBrk="1" latinLnBrk="0" hangingPunct="1">
+              <a:spcBef>
+                <a:spcPct val="0"/>
+              </a:spcBef>
+              <a:buNone/>
+              <a:defRPr sz="3600" kern="1200">
+                <a:solidFill>
+                  <a:schemeClr val="accent1"/>
+                </a:solidFill>
+                <a:latin typeface="+mj-lt"/>
+                <a:ea typeface="+mj-ea"/>
+                <a:cs typeface="+mj-cs"/>
+              </a:defRPr>
+            </a:lvl1pPr>
+            <a:lvl2pPr eaLnBrk="1" hangingPunct="1">
+              <a:defRPr>
+                <a:solidFill>
+                  <a:schemeClr val="tx2"/>
+                </a:solidFill>
+              </a:defRPr>
+            </a:lvl2pPr>
+            <a:lvl3pPr eaLnBrk="1" hangingPunct="1">
+              <a:defRPr>
+                <a:solidFill>
+                  <a:schemeClr val="tx2"/>
+                </a:solidFill>
+              </a:defRPr>
+            </a:lvl3pPr>
+            <a:lvl4pPr eaLnBrk="1" hangingPunct="1">
+              <a:defRPr>
+                <a:solidFill>
+                  <a:schemeClr val="tx2"/>
+                </a:solidFill>
+              </a:defRPr>
+            </a:lvl4pPr>
+            <a:lvl5pPr eaLnBrk="1" hangingPunct="1">
+              <a:defRPr>
+                <a:solidFill>
+                  <a:schemeClr val="tx2"/>
+                </a:solidFill>
+              </a:defRPr>
+            </a:lvl5pPr>
+            <a:lvl6pPr eaLnBrk="1" hangingPunct="1">
+              <a:defRPr>
+                <a:solidFill>
+                  <a:schemeClr val="tx2"/>
+                </a:solidFill>
+              </a:defRPr>
+            </a:lvl6pPr>
+            <a:lvl7pPr eaLnBrk="1" hangingPunct="1">
+              <a:defRPr>
+                <a:solidFill>
+                  <a:schemeClr val="tx2"/>
+                </a:solidFill>
+              </a:defRPr>
+            </a:lvl7pPr>
+            <a:lvl8pPr eaLnBrk="1" hangingPunct="1">
+              <a:defRPr>
+                <a:solidFill>
+                  <a:schemeClr val="tx2"/>
+                </a:solidFill>
+              </a:defRPr>
+            </a:lvl8pPr>
+            <a:lvl9pPr eaLnBrk="1" hangingPunct="1">
+              <a:defRPr>
+                <a:solidFill>
+                  <a:schemeClr val="tx2"/>
+                </a:solidFill>
+              </a:defRPr>
+            </a:lvl9pPr>
+          </a:lstStyle>
+          <a:p>
+            <a:pPr algn="ctr"/>
+            <a:r>
+              <a:rPr lang="en-US" sz="6000" dirty="0">
+                <a:solidFill>
+                  <a:srgbClr val="2E83C3"/>
+                </a:solidFill>
+                <a:latin typeface="Helvetica Neue" charset="0"/>
+                <a:ea typeface="Helvetica Neue" charset="0"/>
+                <a:cs typeface="Helvetica Neue" charset="0"/>
+              </a:rPr>
+              <a:t>For a better user </a:t>
+            </a:r>
+            <a:r>
+              <a:rPr lang="en-US" sz="6000" dirty="0" smtClean="0">
+                <a:solidFill>
+                  <a:srgbClr val="2E83C3"/>
+                </a:solidFill>
+                <a:latin typeface="Helvetica Neue" charset="0"/>
+                <a:ea typeface="Helvetica Neue" charset="0"/>
+                <a:cs typeface="Helvetica Neue" charset="0"/>
+              </a:rPr>
+              <a:t>experience</a:t>
+            </a:r>
+            <a:endParaRPr lang="en-US" sz="6000" dirty="0">
+              <a:solidFill>
+                <a:srgbClr val="2E83C3"/>
+              </a:solidFill>
+              <a:latin typeface="Helvetica Neue" charset="0"/>
+              <a:ea typeface="Helvetica Neue" charset="0"/>
+              <a:cs typeface="Helvetica Neue" charset="0"/>
+            </a:endParaRPr>
+          </a:p>
+        </p:txBody>
+      </p:sp>
+      <p:sp>
+        <p:nvSpPr>
+          <p:cNvPr id="12" name="TextBox 11"/>
+          <p:cNvSpPr txBox="1"/>
+          <p:nvPr/>
+        </p:nvSpPr>
+        <p:spPr>
+          <a:xfrm>
+            <a:off x="-16106" y="5253960"/>
+            <a:ext cx="12192000" cy="523220"/>
+          </a:xfrm>
+          <a:prstGeom prst="rect">
+            <a:avLst/>
+          </a:prstGeom>
+          <a:noFill/>
+        </p:spPr>
+        <p:txBody>
+          <a:bodyPr wrap="square" rtlCol="0">
+            <a:spAutoFit/>
+          </a:bodyPr>
+          <a:lstStyle/>
+          <a:p>
+            <a:pPr algn="ctr"/>
+            <a:r>
+              <a:rPr lang="en-US" sz="2800" dirty="0" smtClean="0">
+                <a:latin typeface="Helvetica Neue" charset="0"/>
+                <a:ea typeface="Helvetica Neue" charset="0"/>
+                <a:cs typeface="Helvetica Neue" charset="0"/>
+              </a:rPr>
+              <a:t>Dedicated application for all the main operating systems</a:t>
+            </a:r>
+          </a:p>
+        </p:txBody>
+      </p:sp>
+    </p:spTree>
+    <p:extLst>
+      <p:ext uri="{BB962C8B-B14F-4D97-AF65-F5344CB8AC3E}">
+        <p14:creationId xmlns:p14="http://schemas.microsoft.com/office/powerpoint/2010/main" val="1619544730"/>
+      </p:ext>
+    </p:extLst>
+  </p:cSld>
+  <p:clrMapOvr>
+    <a:masterClrMapping/>
+  </p:clrMapOvr>
+  <p:timing>
+    <p:tnLst>
+      <p:par>
+        <p:cTn id="1" dur="indefinite" restart="never" nodeType="tmRoot"/>
+      </p:par>
+    </p:tnLst>
+  </p:timing>
+</p:sld>
+</file>
+
+<file path=ppt/slides/slide19.xml><?xml version="1.0" encoding="utf-8"?>
+<p:sld xmlns:a="http://schemas.openxmlformats.org/drawingml/2006/main" xmlns:r="http://schemas.openxmlformats.org/officeDocument/2006/relationships" xmlns:p="http://schemas.openxmlformats.org/presentationml/2006/main" showMasterSp="0">
+  <p:cSld>
+    <p:spTree>
+      <p:nvGrpSpPr>
+        <p:cNvPr id="1" name=""/>
+        <p:cNvGrpSpPr/>
+        <p:nvPr/>
+      </p:nvGrpSpPr>
+      <p:grpSpPr>
+        <a:xfrm>
+          <a:off x="0" y="0"/>
+          <a:ext cx="0" cy="0"/>
+          <a:chOff x="0" y="0"/>
+          <a:chExt cx="0" cy="0"/>
+        </a:xfrm>
+      </p:grpSpPr>
+      <p:sp>
+        <p:nvSpPr>
+          <p:cNvPr id="4" name="Footer Placeholder 3"/>
+          <p:cNvSpPr>
+            <a:spLocks noGrp="1"/>
+          </p:cNvSpPr>
+          <p:nvPr>
+            <p:ph type="ftr" sz="quarter" idx="11"/>
+          </p:nvPr>
+        </p:nvSpPr>
+        <p:spPr>
+          <a:xfrm>
+            <a:off x="677334" y="6376007"/>
+            <a:ext cx="6297612" cy="365125"/>
+          </a:xfrm>
+        </p:spPr>
+        <p:txBody>
+          <a:bodyPr/>
+          <a:lstStyle/>
+          <a:p>
+            <a:r>
+              <a:rPr lang="en-US" dirty="0" smtClean="0">
+                <a:solidFill>
+                  <a:prstClr val="black">
+                    <a:tint val="75000"/>
+                  </a:prstClr>
+                </a:solidFill>
+                <a:latin typeface="Helvetica Neue" charset="0"/>
+                <a:ea typeface="Helvetica Neue" charset="0"/>
+                <a:cs typeface="Helvetica Neue" charset="0"/>
+              </a:rPr>
+              <a:t>Francesco Peverelli - Federico Reppucci</a:t>
+            </a:r>
+            <a:endParaRPr lang="en-US" dirty="0">
+              <a:solidFill>
+                <a:prstClr val="black">
+                  <a:tint val="75000"/>
+                </a:prstClr>
+              </a:solidFill>
+              <a:latin typeface="Helvetica Neue" charset="0"/>
+              <a:ea typeface="Helvetica Neue" charset="0"/>
+              <a:cs typeface="Helvetica Neue" charset="0"/>
+            </a:endParaRPr>
+          </a:p>
+        </p:txBody>
+      </p:sp>
+      <p:sp>
+        <p:nvSpPr>
+          <p:cNvPr id="5" name="Slide Number Placeholder 4"/>
+          <p:cNvSpPr>
+            <a:spLocks noGrp="1"/>
+          </p:cNvSpPr>
+          <p:nvPr>
+            <p:ph type="sldNum" sz="quarter" idx="12"/>
+          </p:nvPr>
+        </p:nvSpPr>
+        <p:spPr>
+          <a:xfrm>
+            <a:off x="11088214" y="6376006"/>
+            <a:ext cx="683339" cy="365125"/>
+          </a:xfrm>
+        </p:spPr>
+        <p:txBody>
+          <a:bodyPr/>
+          <a:lstStyle/>
+          <a:p>
+            <a:fld id="{D57F1E4F-1CFF-5643-939E-217C01CDF565}" type="slidenum">
+              <a:rPr lang="en-US" smtClean="0">
+                <a:solidFill>
+                  <a:srgbClr val="5FCBEF"/>
+                </a:solidFill>
+                <a:latin typeface="Helvetica Neue" charset="0"/>
+                <a:ea typeface="Helvetica Neue" charset="0"/>
+                <a:cs typeface="Helvetica Neue" charset="0"/>
+              </a:rPr>
+              <a:pPr/>
+              <a:t>19</a:t>
+            </a:fld>
+            <a:endParaRPr lang="en-US" dirty="0">
+              <a:solidFill>
+                <a:srgbClr val="5FCBEF"/>
+              </a:solidFill>
+              <a:latin typeface="Helvetica Neue" charset="0"/>
+              <a:ea typeface="Helvetica Neue" charset="0"/>
+              <a:cs typeface="Helvetica Neue" charset="0"/>
+            </a:endParaRPr>
+          </a:p>
+        </p:txBody>
+      </p:sp>
+      <p:sp>
+        <p:nvSpPr>
+          <p:cNvPr id="11" name="Title 1"/>
+          <p:cNvSpPr txBox="1">
+            <a:spLocks/>
+          </p:cNvSpPr>
+          <p:nvPr/>
+        </p:nvSpPr>
+        <p:spPr>
+          <a:xfrm>
+            <a:off x="474663" y="138010"/>
+            <a:ext cx="11296890" cy="1030146"/>
+          </a:xfrm>
+          <a:prstGeom prst="rect">
+            <a:avLst/>
+          </a:prstGeom>
+        </p:spPr>
+        <p:txBody>
+          <a:bodyPr vert="horz" lIns="91440" tIns="45720" rIns="91440" bIns="45720" rtlCol="0" anchor="t">
+            <a:noAutofit/>
+          </a:bodyPr>
+          <a:lstStyle>
+            <a:lvl1pPr algn="l" defTabSz="457200" rtl="0" eaLnBrk="1" latinLnBrk="0" hangingPunct="1">
+              <a:spcBef>
+                <a:spcPct val="0"/>
+              </a:spcBef>
+              <a:buNone/>
+              <a:defRPr sz="3600" kern="1200">
+                <a:solidFill>
+                  <a:schemeClr val="accent1"/>
+                </a:solidFill>
+                <a:latin typeface="+mj-lt"/>
+                <a:ea typeface="+mj-ea"/>
+                <a:cs typeface="+mj-cs"/>
+              </a:defRPr>
+            </a:lvl1pPr>
+            <a:lvl2pPr eaLnBrk="1" hangingPunct="1">
+              <a:defRPr>
+                <a:solidFill>
+                  <a:schemeClr val="tx2"/>
+                </a:solidFill>
+              </a:defRPr>
+            </a:lvl2pPr>
+            <a:lvl3pPr eaLnBrk="1" hangingPunct="1">
+              <a:defRPr>
+                <a:solidFill>
+                  <a:schemeClr val="tx2"/>
+                </a:solidFill>
+              </a:defRPr>
+            </a:lvl3pPr>
+            <a:lvl4pPr eaLnBrk="1" hangingPunct="1">
+              <a:defRPr>
+                <a:solidFill>
+                  <a:schemeClr val="tx2"/>
+                </a:solidFill>
+              </a:defRPr>
+            </a:lvl4pPr>
+            <a:lvl5pPr eaLnBrk="1" hangingPunct="1">
+              <a:defRPr>
+                <a:solidFill>
+                  <a:schemeClr val="tx2"/>
+                </a:solidFill>
+              </a:defRPr>
+            </a:lvl5pPr>
+            <a:lvl6pPr eaLnBrk="1" hangingPunct="1">
+              <a:defRPr>
+                <a:solidFill>
+                  <a:schemeClr val="tx2"/>
+                </a:solidFill>
+              </a:defRPr>
+            </a:lvl6pPr>
+            <a:lvl7pPr eaLnBrk="1" hangingPunct="1">
+              <a:defRPr>
+                <a:solidFill>
+                  <a:schemeClr val="tx2"/>
+                </a:solidFill>
+              </a:defRPr>
+            </a:lvl7pPr>
+            <a:lvl8pPr eaLnBrk="1" hangingPunct="1">
+              <a:defRPr>
+                <a:solidFill>
+                  <a:schemeClr val="tx2"/>
+                </a:solidFill>
+              </a:defRPr>
+            </a:lvl8pPr>
+            <a:lvl9pPr eaLnBrk="1" hangingPunct="1">
+              <a:defRPr>
+                <a:solidFill>
+                  <a:schemeClr val="tx2"/>
+                </a:solidFill>
+              </a:defRPr>
+            </a:lvl9pPr>
+          </a:lstStyle>
+          <a:p>
+            <a:pPr algn="ctr"/>
+            <a:r>
+              <a:rPr lang="en-US" sz="6000" dirty="0" smtClean="0">
+                <a:solidFill>
+                  <a:srgbClr val="2E83C3"/>
+                </a:solidFill>
+                <a:latin typeface="Helvetica Neue" charset="0"/>
+                <a:ea typeface="Helvetica Neue" charset="0"/>
+                <a:cs typeface="Helvetica Neue" charset="0"/>
+              </a:rPr>
+              <a:t>The resulting deployment</a:t>
+            </a:r>
+            <a:endParaRPr lang="en-US" sz="6000" dirty="0">
+              <a:solidFill>
+                <a:srgbClr val="2E83C3"/>
+              </a:solidFill>
+              <a:latin typeface="Helvetica Neue" charset="0"/>
+              <a:ea typeface="Helvetica Neue" charset="0"/>
+              <a:cs typeface="Helvetica Neue" charset="0"/>
+            </a:endParaRPr>
+          </a:p>
+        </p:txBody>
+      </p:sp>
+      <p:pic>
+        <p:nvPicPr>
+          <p:cNvPr id="2" name="Picture 1"/>
+          <p:cNvPicPr>
+            <a:picLocks noChangeAspect="1"/>
+          </p:cNvPicPr>
+          <p:nvPr/>
+        </p:nvPicPr>
+        <p:blipFill>
+          <a:blip r:embed="rId2">
+            <a:extLst>
+              <a:ext uri="{28A0092B-C50C-407E-A947-70E740481C1C}">
+                <a14:useLocalDpi xmlns:a14="http://schemas.microsoft.com/office/drawing/2010/main" val="0"/>
+              </a:ext>
+            </a:extLst>
+          </a:blip>
+          <a:stretch>
+            <a:fillRect/>
+          </a:stretch>
+        </p:blipFill>
+        <p:spPr>
+          <a:xfrm>
+            <a:off x="1954248" y="1206474"/>
+            <a:ext cx="8337719" cy="5534657"/>
+          </a:xfrm>
+          <a:prstGeom prst="rect">
+            <a:avLst/>
+          </a:prstGeom>
+        </p:spPr>
+      </p:pic>
+    </p:spTree>
+    <p:extLst>
+      <p:ext uri="{BB962C8B-B14F-4D97-AF65-F5344CB8AC3E}">
+        <p14:creationId xmlns:p14="http://schemas.microsoft.com/office/powerpoint/2010/main" val="1672445756"/>
       </p:ext>
     </p:extLst>
   </p:cSld>
@@ -7008,6 +10675,732 @@
       </p:grpSpPr>
       <p:sp>
         <p:nvSpPr>
+          <p:cNvPr id="4" name="Footer Placeholder 3"/>
+          <p:cNvSpPr>
+            <a:spLocks noGrp="1"/>
+          </p:cNvSpPr>
+          <p:nvPr>
+            <p:ph type="ftr" sz="quarter" idx="11"/>
+          </p:nvPr>
+        </p:nvSpPr>
+        <p:spPr>
+          <a:xfrm>
+            <a:off x="677334" y="6376007"/>
+            <a:ext cx="6297612" cy="365125"/>
+          </a:xfrm>
+        </p:spPr>
+        <p:txBody>
+          <a:bodyPr/>
+          <a:lstStyle/>
+          <a:p>
+            <a:r>
+              <a:rPr lang="en-US" dirty="0" smtClean="0">
+                <a:solidFill>
+                  <a:prstClr val="black">
+                    <a:tint val="75000"/>
+                  </a:prstClr>
+                </a:solidFill>
+                <a:latin typeface="Helvetica Neue" charset="0"/>
+                <a:ea typeface="Helvetica Neue" charset="0"/>
+                <a:cs typeface="Helvetica Neue" charset="0"/>
+              </a:rPr>
+              <a:t>Francesco Peverelli - Federico Reppucci</a:t>
+            </a:r>
+            <a:endParaRPr lang="en-US" dirty="0">
+              <a:solidFill>
+                <a:prstClr val="black">
+                  <a:tint val="75000"/>
+                </a:prstClr>
+              </a:solidFill>
+              <a:latin typeface="Helvetica Neue" charset="0"/>
+              <a:ea typeface="Helvetica Neue" charset="0"/>
+              <a:cs typeface="Helvetica Neue" charset="0"/>
+            </a:endParaRPr>
+          </a:p>
+        </p:txBody>
+      </p:sp>
+      <p:sp>
+        <p:nvSpPr>
+          <p:cNvPr id="5" name="Slide Number Placeholder 4"/>
+          <p:cNvSpPr>
+            <a:spLocks noGrp="1"/>
+          </p:cNvSpPr>
+          <p:nvPr>
+            <p:ph type="sldNum" sz="quarter" idx="12"/>
+          </p:nvPr>
+        </p:nvSpPr>
+        <p:spPr>
+          <a:xfrm>
+            <a:off x="11088214" y="6376006"/>
+            <a:ext cx="683339" cy="365125"/>
+          </a:xfrm>
+        </p:spPr>
+        <p:txBody>
+          <a:bodyPr/>
+          <a:lstStyle/>
+          <a:p>
+            <a:fld id="{D57F1E4F-1CFF-5643-939E-217C01CDF565}" type="slidenum">
+              <a:rPr lang="en-US" smtClean="0">
+                <a:solidFill>
+                  <a:srgbClr val="5FCBEF"/>
+                </a:solidFill>
+                <a:latin typeface="Helvetica Neue" charset="0"/>
+                <a:ea typeface="Helvetica Neue" charset="0"/>
+                <a:cs typeface="Helvetica Neue" charset="0"/>
+              </a:rPr>
+              <a:pPr/>
+              <a:t>2</a:t>
+            </a:fld>
+            <a:endParaRPr lang="en-US" dirty="0">
+              <a:solidFill>
+                <a:srgbClr val="5FCBEF"/>
+              </a:solidFill>
+              <a:latin typeface="Helvetica Neue" charset="0"/>
+              <a:ea typeface="Helvetica Neue" charset="0"/>
+              <a:cs typeface="Helvetica Neue" charset="0"/>
+            </a:endParaRPr>
+          </a:p>
+        </p:txBody>
+      </p:sp>
+      <p:sp>
+        <p:nvSpPr>
+          <p:cNvPr id="9" name="Title 1"/>
+          <p:cNvSpPr>
+            <a:spLocks noGrp="1"/>
+          </p:cNvSpPr>
+          <p:nvPr>
+            <p:ph type="title"/>
+          </p:nvPr>
+        </p:nvSpPr>
+        <p:spPr>
+          <a:xfrm>
+            <a:off x="1" y="1830887"/>
+            <a:ext cx="12192000" cy="2135632"/>
+          </a:xfrm>
+        </p:spPr>
+        <p:txBody>
+          <a:bodyPr>
+            <a:noAutofit/>
+          </a:bodyPr>
+          <a:lstStyle/>
+          <a:p>
+            <a:pPr algn="ctr"/>
+            <a:r>
+              <a:rPr lang="en-US" sz="6000" dirty="0" smtClean="0">
+                <a:solidFill>
+                  <a:schemeClr val="accent2"/>
+                </a:solidFill>
+                <a:latin typeface="Helvetica Neue" charset="0"/>
+                <a:ea typeface="Helvetica Neue" charset="0"/>
+                <a:cs typeface="Helvetica Neue" charset="0"/>
+              </a:rPr>
+              <a:t>Results of requirements </a:t>
+            </a:r>
+            <a:br>
+              <a:rPr lang="en-US" sz="6000" dirty="0" smtClean="0">
+                <a:solidFill>
+                  <a:schemeClr val="accent2"/>
+                </a:solidFill>
+                <a:latin typeface="Helvetica Neue" charset="0"/>
+                <a:ea typeface="Helvetica Neue" charset="0"/>
+                <a:cs typeface="Helvetica Neue" charset="0"/>
+              </a:rPr>
+            </a:br>
+            <a:r>
+              <a:rPr lang="en-US" sz="6000" dirty="0" smtClean="0">
+                <a:solidFill>
+                  <a:schemeClr val="accent2"/>
+                </a:solidFill>
+                <a:latin typeface="Helvetica Neue" charset="0"/>
+                <a:ea typeface="Helvetica Neue" charset="0"/>
+                <a:cs typeface="Helvetica Neue" charset="0"/>
+              </a:rPr>
+              <a:t>analysis</a:t>
+            </a:r>
+            <a:endParaRPr lang="en-US" sz="6000" dirty="0">
+              <a:solidFill>
+                <a:schemeClr val="accent2"/>
+              </a:solidFill>
+              <a:latin typeface="Helvetica Neue" charset="0"/>
+              <a:ea typeface="Helvetica Neue" charset="0"/>
+              <a:cs typeface="Helvetica Neue" charset="0"/>
+            </a:endParaRPr>
+          </a:p>
+        </p:txBody>
+      </p:sp>
+    </p:spTree>
+    <p:extLst>
+      <p:ext uri="{BB962C8B-B14F-4D97-AF65-F5344CB8AC3E}">
+        <p14:creationId xmlns:p14="http://schemas.microsoft.com/office/powerpoint/2010/main" val="42761954"/>
+      </p:ext>
+    </p:extLst>
+  </p:cSld>
+  <p:clrMapOvr>
+    <a:masterClrMapping/>
+  </p:clrMapOvr>
+  <p:timing>
+    <p:tnLst>
+      <p:par>
+        <p:cTn id="1" dur="indefinite" restart="never" nodeType="tmRoot"/>
+      </p:par>
+    </p:tnLst>
+  </p:timing>
+</p:sld>
+</file>
+
+<file path=ppt/slides/slide20.xml><?xml version="1.0" encoding="utf-8"?>
+<p:sld xmlns:a="http://schemas.openxmlformats.org/drawingml/2006/main" xmlns:r="http://schemas.openxmlformats.org/officeDocument/2006/relationships" xmlns:p="http://schemas.openxmlformats.org/presentationml/2006/main" showMasterSp="0">
+  <p:cSld>
+    <p:spTree>
+      <p:nvGrpSpPr>
+        <p:cNvPr id="1" name=""/>
+        <p:cNvGrpSpPr/>
+        <p:nvPr/>
+      </p:nvGrpSpPr>
+      <p:grpSpPr>
+        <a:xfrm>
+          <a:off x="0" y="0"/>
+          <a:ext cx="0" cy="0"/>
+          <a:chOff x="0" y="0"/>
+          <a:chExt cx="0" cy="0"/>
+        </a:xfrm>
+      </p:grpSpPr>
+      <p:sp>
+        <p:nvSpPr>
+          <p:cNvPr id="4" name="Footer Placeholder 3"/>
+          <p:cNvSpPr>
+            <a:spLocks noGrp="1"/>
+          </p:cNvSpPr>
+          <p:nvPr>
+            <p:ph type="ftr" sz="quarter" idx="11"/>
+          </p:nvPr>
+        </p:nvSpPr>
+        <p:spPr>
+          <a:xfrm>
+            <a:off x="677334" y="6376007"/>
+            <a:ext cx="6297612" cy="365125"/>
+          </a:xfrm>
+        </p:spPr>
+        <p:txBody>
+          <a:bodyPr/>
+          <a:lstStyle/>
+          <a:p>
+            <a:r>
+              <a:rPr lang="en-US" dirty="0" smtClean="0">
+                <a:solidFill>
+                  <a:prstClr val="black">
+                    <a:tint val="75000"/>
+                  </a:prstClr>
+                </a:solidFill>
+                <a:latin typeface="Helvetica Neue" charset="0"/>
+                <a:ea typeface="Helvetica Neue" charset="0"/>
+                <a:cs typeface="Helvetica Neue" charset="0"/>
+              </a:rPr>
+              <a:t>Francesco Peverelli - Federico Reppucci</a:t>
+            </a:r>
+            <a:endParaRPr lang="en-US" dirty="0">
+              <a:solidFill>
+                <a:prstClr val="black">
+                  <a:tint val="75000"/>
+                </a:prstClr>
+              </a:solidFill>
+              <a:latin typeface="Helvetica Neue" charset="0"/>
+              <a:ea typeface="Helvetica Neue" charset="0"/>
+              <a:cs typeface="Helvetica Neue" charset="0"/>
+            </a:endParaRPr>
+          </a:p>
+        </p:txBody>
+      </p:sp>
+      <p:sp>
+        <p:nvSpPr>
+          <p:cNvPr id="5" name="Slide Number Placeholder 4"/>
+          <p:cNvSpPr>
+            <a:spLocks noGrp="1"/>
+          </p:cNvSpPr>
+          <p:nvPr>
+            <p:ph type="sldNum" sz="quarter" idx="12"/>
+          </p:nvPr>
+        </p:nvSpPr>
+        <p:spPr>
+          <a:xfrm>
+            <a:off x="11088214" y="6376006"/>
+            <a:ext cx="683339" cy="365125"/>
+          </a:xfrm>
+        </p:spPr>
+        <p:txBody>
+          <a:bodyPr/>
+          <a:lstStyle/>
+          <a:p>
+            <a:fld id="{D57F1E4F-1CFF-5643-939E-217C01CDF565}" type="slidenum">
+              <a:rPr lang="en-US" smtClean="0">
+                <a:solidFill>
+                  <a:srgbClr val="5FCBEF"/>
+                </a:solidFill>
+                <a:latin typeface="Helvetica Neue" charset="0"/>
+                <a:ea typeface="Helvetica Neue" charset="0"/>
+                <a:cs typeface="Helvetica Neue" charset="0"/>
+              </a:rPr>
+              <a:pPr/>
+              <a:t>20</a:t>
+            </a:fld>
+            <a:endParaRPr lang="en-US" dirty="0">
+              <a:solidFill>
+                <a:srgbClr val="5FCBEF"/>
+              </a:solidFill>
+              <a:latin typeface="Helvetica Neue" charset="0"/>
+              <a:ea typeface="Helvetica Neue" charset="0"/>
+              <a:cs typeface="Helvetica Neue" charset="0"/>
+            </a:endParaRPr>
+          </a:p>
+        </p:txBody>
+      </p:sp>
+      <p:sp>
+        <p:nvSpPr>
+          <p:cNvPr id="11" name="Title 1"/>
+          <p:cNvSpPr txBox="1">
+            <a:spLocks/>
+          </p:cNvSpPr>
+          <p:nvPr/>
+        </p:nvSpPr>
+        <p:spPr>
+          <a:xfrm>
+            <a:off x="474663" y="138010"/>
+            <a:ext cx="11296890" cy="1030146"/>
+          </a:xfrm>
+          <a:prstGeom prst="rect">
+            <a:avLst/>
+          </a:prstGeom>
+        </p:spPr>
+        <p:txBody>
+          <a:bodyPr vert="horz" lIns="91440" tIns="45720" rIns="91440" bIns="45720" rtlCol="0" anchor="t">
+            <a:noAutofit/>
+          </a:bodyPr>
+          <a:lstStyle>
+            <a:lvl1pPr algn="l" defTabSz="457200" rtl="0" eaLnBrk="1" latinLnBrk="0" hangingPunct="1">
+              <a:spcBef>
+                <a:spcPct val="0"/>
+              </a:spcBef>
+              <a:buNone/>
+              <a:defRPr sz="3600" kern="1200">
+                <a:solidFill>
+                  <a:schemeClr val="accent1"/>
+                </a:solidFill>
+                <a:latin typeface="+mj-lt"/>
+                <a:ea typeface="+mj-ea"/>
+                <a:cs typeface="+mj-cs"/>
+              </a:defRPr>
+            </a:lvl1pPr>
+            <a:lvl2pPr eaLnBrk="1" hangingPunct="1">
+              <a:defRPr>
+                <a:solidFill>
+                  <a:schemeClr val="tx2"/>
+                </a:solidFill>
+              </a:defRPr>
+            </a:lvl2pPr>
+            <a:lvl3pPr eaLnBrk="1" hangingPunct="1">
+              <a:defRPr>
+                <a:solidFill>
+                  <a:schemeClr val="tx2"/>
+                </a:solidFill>
+              </a:defRPr>
+            </a:lvl3pPr>
+            <a:lvl4pPr eaLnBrk="1" hangingPunct="1">
+              <a:defRPr>
+                <a:solidFill>
+                  <a:schemeClr val="tx2"/>
+                </a:solidFill>
+              </a:defRPr>
+            </a:lvl4pPr>
+            <a:lvl5pPr eaLnBrk="1" hangingPunct="1">
+              <a:defRPr>
+                <a:solidFill>
+                  <a:schemeClr val="tx2"/>
+                </a:solidFill>
+              </a:defRPr>
+            </a:lvl5pPr>
+            <a:lvl6pPr eaLnBrk="1" hangingPunct="1">
+              <a:defRPr>
+                <a:solidFill>
+                  <a:schemeClr val="tx2"/>
+                </a:solidFill>
+              </a:defRPr>
+            </a:lvl6pPr>
+            <a:lvl7pPr eaLnBrk="1" hangingPunct="1">
+              <a:defRPr>
+                <a:solidFill>
+                  <a:schemeClr val="tx2"/>
+                </a:solidFill>
+              </a:defRPr>
+            </a:lvl7pPr>
+            <a:lvl8pPr eaLnBrk="1" hangingPunct="1">
+              <a:defRPr>
+                <a:solidFill>
+                  <a:schemeClr val="tx2"/>
+                </a:solidFill>
+              </a:defRPr>
+            </a:lvl8pPr>
+            <a:lvl9pPr eaLnBrk="1" hangingPunct="1">
+              <a:defRPr>
+                <a:solidFill>
+                  <a:schemeClr val="tx2"/>
+                </a:solidFill>
+              </a:defRPr>
+            </a:lvl9pPr>
+          </a:lstStyle>
+          <a:p>
+            <a:pPr algn="ctr"/>
+            <a:r>
+              <a:rPr lang="en-US" sz="6000" dirty="0" smtClean="0">
+                <a:solidFill>
+                  <a:srgbClr val="2E83C3"/>
+                </a:solidFill>
+                <a:latin typeface="Helvetica Neue" charset="0"/>
+                <a:ea typeface="Helvetica Neue" charset="0"/>
+                <a:cs typeface="Helvetica Neue" charset="0"/>
+              </a:rPr>
+              <a:t>A few words on testing</a:t>
+            </a:r>
+            <a:endParaRPr lang="en-US" sz="6000" dirty="0">
+              <a:solidFill>
+                <a:srgbClr val="2E83C3"/>
+              </a:solidFill>
+              <a:latin typeface="Helvetica Neue" charset="0"/>
+              <a:ea typeface="Helvetica Neue" charset="0"/>
+              <a:cs typeface="Helvetica Neue" charset="0"/>
+            </a:endParaRPr>
+          </a:p>
+        </p:txBody>
+      </p:sp>
+      <p:sp>
+        <p:nvSpPr>
+          <p:cNvPr id="3" name="TextBox 2"/>
+          <p:cNvSpPr txBox="1"/>
+          <p:nvPr/>
+        </p:nvSpPr>
+        <p:spPr>
+          <a:xfrm>
+            <a:off x="1418134" y="1873801"/>
+            <a:ext cx="9409948" cy="477054"/>
+          </a:xfrm>
+          <a:prstGeom prst="rect">
+            <a:avLst/>
+          </a:prstGeom>
+          <a:noFill/>
+        </p:spPr>
+        <p:txBody>
+          <a:bodyPr wrap="none" rtlCol="0">
+            <a:spAutoFit/>
+          </a:bodyPr>
+          <a:lstStyle/>
+          <a:p>
+            <a:r>
+              <a:rPr lang="en-US" sz="2500" dirty="0" smtClean="0"/>
+              <a:t>For </a:t>
+            </a:r>
+            <a:r>
+              <a:rPr lang="en-US" sz="2500" dirty="0"/>
+              <a:t>integration testing </a:t>
+            </a:r>
+            <a:r>
+              <a:rPr lang="en-US" sz="2500" dirty="0" smtClean="0"/>
+              <a:t>we adopted a bottom-up </a:t>
+            </a:r>
+            <a:r>
+              <a:rPr lang="en-US" sz="2500" smtClean="0"/>
+              <a:t>testing strategy</a:t>
+            </a:r>
+            <a:endParaRPr lang="en-US" sz="2500" dirty="0"/>
+          </a:p>
+        </p:txBody>
+      </p:sp>
+      <p:sp>
+        <p:nvSpPr>
+          <p:cNvPr id="8" name="TextBox 7"/>
+          <p:cNvSpPr txBox="1"/>
+          <p:nvPr/>
+        </p:nvSpPr>
+        <p:spPr>
+          <a:xfrm>
+            <a:off x="1418134" y="3018779"/>
+            <a:ext cx="9409948" cy="1246495"/>
+          </a:xfrm>
+          <a:prstGeom prst="rect">
+            <a:avLst/>
+          </a:prstGeom>
+          <a:noFill/>
+        </p:spPr>
+        <p:txBody>
+          <a:bodyPr wrap="square" rtlCol="0">
+            <a:spAutoFit/>
+          </a:bodyPr>
+          <a:lstStyle/>
+          <a:p>
+            <a:r>
+              <a:rPr lang="en-US" sz="2500" dirty="0" smtClean="0"/>
+              <a:t>This will allow us to perform integration testing as soon as the involved components have been tested at the unit level, since the development process will also follow bottom-up approach</a:t>
+            </a:r>
+            <a:endParaRPr lang="en-US" sz="2500" dirty="0"/>
+          </a:p>
+        </p:txBody>
+      </p:sp>
+      <p:sp>
+        <p:nvSpPr>
+          <p:cNvPr id="10" name="TextBox 9"/>
+          <p:cNvSpPr txBox="1"/>
+          <p:nvPr/>
+        </p:nvSpPr>
+        <p:spPr>
+          <a:xfrm>
+            <a:off x="1418134" y="4933198"/>
+            <a:ext cx="9409948" cy="861774"/>
+          </a:xfrm>
+          <a:prstGeom prst="rect">
+            <a:avLst/>
+          </a:prstGeom>
+          <a:noFill/>
+        </p:spPr>
+        <p:txBody>
+          <a:bodyPr wrap="square" rtlCol="0">
+            <a:spAutoFit/>
+          </a:bodyPr>
+          <a:lstStyle/>
+          <a:p>
+            <a:r>
+              <a:rPr lang="en-US" sz="2500" dirty="0" smtClean="0"/>
+              <a:t>A thread-based strategy has been considered, but we opted out of it due to the multi </a:t>
+            </a:r>
+            <a:r>
+              <a:rPr lang="en-US" sz="2500" smtClean="0"/>
+              <a:t>functional nature of many components</a:t>
+            </a:r>
+            <a:endParaRPr lang="en-US" sz="2500" dirty="0"/>
+          </a:p>
+        </p:txBody>
+      </p:sp>
+    </p:spTree>
+    <p:extLst>
+      <p:ext uri="{BB962C8B-B14F-4D97-AF65-F5344CB8AC3E}">
+        <p14:creationId xmlns:p14="http://schemas.microsoft.com/office/powerpoint/2010/main" val="901842472"/>
+      </p:ext>
+    </p:extLst>
+  </p:cSld>
+  <p:clrMapOvr>
+    <a:masterClrMapping/>
+  </p:clrMapOvr>
+  <p:timing>
+    <p:tnLst>
+      <p:par>
+        <p:cTn id="1" dur="indefinite" restart="never" nodeType="tmRoot"/>
+      </p:par>
+    </p:tnLst>
+  </p:timing>
+</p:sld>
+</file>
+
+<file path=ppt/slides/slide21.xml><?xml version="1.0" encoding="utf-8"?>
+<p:sld xmlns:a="http://schemas.openxmlformats.org/drawingml/2006/main" xmlns:r="http://schemas.openxmlformats.org/officeDocument/2006/relationships" xmlns:p="http://schemas.openxmlformats.org/presentationml/2006/main" showMasterSp="0">
+  <p:cSld>
+    <p:spTree>
+      <p:nvGrpSpPr>
+        <p:cNvPr id="1" name=""/>
+        <p:cNvGrpSpPr/>
+        <p:nvPr/>
+      </p:nvGrpSpPr>
+      <p:grpSpPr>
+        <a:xfrm>
+          <a:off x="0" y="0"/>
+          <a:ext cx="0" cy="0"/>
+          <a:chOff x="0" y="0"/>
+          <a:chExt cx="0" cy="0"/>
+        </a:xfrm>
+      </p:grpSpPr>
+      <p:sp>
+        <p:nvSpPr>
+          <p:cNvPr id="11" name="Title 1"/>
+          <p:cNvSpPr txBox="1">
+            <a:spLocks/>
+          </p:cNvSpPr>
+          <p:nvPr/>
+        </p:nvSpPr>
+        <p:spPr>
+          <a:xfrm>
+            <a:off x="0" y="2287542"/>
+            <a:ext cx="12192000" cy="1030146"/>
+          </a:xfrm>
+          <a:prstGeom prst="rect">
+            <a:avLst/>
+          </a:prstGeom>
+        </p:spPr>
+        <p:txBody>
+          <a:bodyPr vert="horz" lIns="91440" tIns="45720" rIns="91440" bIns="45720" rtlCol="0" anchor="t">
+            <a:noAutofit/>
+          </a:bodyPr>
+          <a:lstStyle>
+            <a:lvl1pPr algn="l" defTabSz="457200" rtl="0" eaLnBrk="1" latinLnBrk="0" hangingPunct="1">
+              <a:spcBef>
+                <a:spcPct val="0"/>
+              </a:spcBef>
+              <a:buNone/>
+              <a:defRPr sz="3600" kern="1200">
+                <a:solidFill>
+                  <a:schemeClr val="accent1"/>
+                </a:solidFill>
+                <a:latin typeface="+mj-lt"/>
+                <a:ea typeface="+mj-ea"/>
+                <a:cs typeface="+mj-cs"/>
+              </a:defRPr>
+            </a:lvl1pPr>
+            <a:lvl2pPr eaLnBrk="1" hangingPunct="1">
+              <a:defRPr>
+                <a:solidFill>
+                  <a:schemeClr val="tx2"/>
+                </a:solidFill>
+              </a:defRPr>
+            </a:lvl2pPr>
+            <a:lvl3pPr eaLnBrk="1" hangingPunct="1">
+              <a:defRPr>
+                <a:solidFill>
+                  <a:schemeClr val="tx2"/>
+                </a:solidFill>
+              </a:defRPr>
+            </a:lvl3pPr>
+            <a:lvl4pPr eaLnBrk="1" hangingPunct="1">
+              <a:defRPr>
+                <a:solidFill>
+                  <a:schemeClr val="tx2"/>
+                </a:solidFill>
+              </a:defRPr>
+            </a:lvl4pPr>
+            <a:lvl5pPr eaLnBrk="1" hangingPunct="1">
+              <a:defRPr>
+                <a:solidFill>
+                  <a:schemeClr val="tx2"/>
+                </a:solidFill>
+              </a:defRPr>
+            </a:lvl5pPr>
+            <a:lvl6pPr eaLnBrk="1" hangingPunct="1">
+              <a:defRPr>
+                <a:solidFill>
+                  <a:schemeClr val="tx2"/>
+                </a:solidFill>
+              </a:defRPr>
+            </a:lvl6pPr>
+            <a:lvl7pPr eaLnBrk="1" hangingPunct="1">
+              <a:defRPr>
+                <a:solidFill>
+                  <a:schemeClr val="tx2"/>
+                </a:solidFill>
+              </a:defRPr>
+            </a:lvl7pPr>
+            <a:lvl8pPr eaLnBrk="1" hangingPunct="1">
+              <a:defRPr>
+                <a:solidFill>
+                  <a:schemeClr val="tx2"/>
+                </a:solidFill>
+              </a:defRPr>
+            </a:lvl8pPr>
+            <a:lvl9pPr eaLnBrk="1" hangingPunct="1">
+              <a:defRPr>
+                <a:solidFill>
+                  <a:schemeClr val="tx2"/>
+                </a:solidFill>
+              </a:defRPr>
+            </a:lvl9pPr>
+          </a:lstStyle>
+          <a:p>
+            <a:pPr algn="ctr"/>
+            <a:r>
+              <a:rPr lang="en-US" sz="6000" dirty="0" smtClean="0">
+                <a:solidFill>
+                  <a:srgbClr val="2E83C3"/>
+                </a:solidFill>
+                <a:latin typeface="Helvetica Neue" charset="0"/>
+                <a:ea typeface="Helvetica Neue" charset="0"/>
+                <a:cs typeface="Helvetica Neue" charset="0"/>
+              </a:rPr>
+              <a:t>Thank you for the attention</a:t>
+            </a:r>
+            <a:endParaRPr lang="en-US" sz="6000" dirty="0">
+              <a:solidFill>
+                <a:srgbClr val="2E83C3"/>
+              </a:solidFill>
+              <a:latin typeface="Helvetica Neue" charset="0"/>
+              <a:ea typeface="Helvetica Neue" charset="0"/>
+              <a:cs typeface="Helvetica Neue" charset="0"/>
+            </a:endParaRPr>
+          </a:p>
+        </p:txBody>
+      </p:sp>
+      <p:sp>
+        <p:nvSpPr>
+          <p:cNvPr id="9" name="TextBox 8"/>
+          <p:cNvSpPr txBox="1"/>
+          <p:nvPr/>
+        </p:nvSpPr>
+        <p:spPr>
+          <a:xfrm>
+            <a:off x="0" y="3841899"/>
+            <a:ext cx="12192000" cy="477054"/>
+          </a:xfrm>
+          <a:prstGeom prst="rect">
+            <a:avLst/>
+          </a:prstGeom>
+          <a:noFill/>
+        </p:spPr>
+        <p:txBody>
+          <a:bodyPr wrap="square" rtlCol="0">
+            <a:spAutoFit/>
+          </a:bodyPr>
+          <a:lstStyle/>
+          <a:p>
+            <a:pPr algn="ctr"/>
+            <a:r>
+              <a:rPr lang="en-US" sz="2500" dirty="0" smtClean="0"/>
+              <a:t>Francesco Peverelli, Federico Reppucci</a:t>
+            </a:r>
+            <a:endParaRPr lang="en-US" sz="2500" dirty="0"/>
+          </a:p>
+        </p:txBody>
+      </p:sp>
+    </p:spTree>
+    <p:extLst>
+      <p:ext uri="{BB962C8B-B14F-4D97-AF65-F5344CB8AC3E}">
+        <p14:creationId xmlns:p14="http://schemas.microsoft.com/office/powerpoint/2010/main" val="1631579009"/>
+      </p:ext>
+    </p:extLst>
+  </p:cSld>
+  <p:clrMapOvr>
+    <a:masterClrMapping/>
+  </p:clrMapOvr>
+  <p:timing>
+    <p:tnLst>
+      <p:par>
+        <p:cTn id="1" dur="indefinite" restart="never" nodeType="tmRoot"/>
+      </p:par>
+    </p:tnLst>
+  </p:timing>
+</p:sld>
+</file>
+
+<file path=ppt/slides/slide3.xml><?xml version="1.0" encoding="utf-8"?>
+<p:sld xmlns:a="http://schemas.openxmlformats.org/drawingml/2006/main" xmlns:r="http://schemas.openxmlformats.org/officeDocument/2006/relationships" xmlns:p="http://schemas.openxmlformats.org/presentationml/2006/main" showMasterSp="0">
+  <p:cSld>
+    <p:spTree>
+      <p:nvGrpSpPr>
+        <p:cNvPr id="1" name=""/>
+        <p:cNvGrpSpPr/>
+        <p:nvPr/>
+      </p:nvGrpSpPr>
+      <p:grpSpPr>
+        <a:xfrm>
+          <a:off x="0" y="0"/>
+          <a:ext cx="0" cy="0"/>
+          <a:chOff x="0" y="0"/>
+          <a:chExt cx="0" cy="0"/>
+        </a:xfrm>
+      </p:grpSpPr>
+      <p:sp>
+        <p:nvSpPr>
           <p:cNvPr id="30" name="TextBox 29"/>
           <p:cNvSpPr txBox="1"/>
           <p:nvPr/>
@@ -7108,7 +11501,7 @@
         <p:spPr>
           <a:xfrm>
             <a:off x="3513909" y="4868939"/>
-            <a:ext cx="548640" cy="442831"/>
+            <a:ext cx="645671" cy="536438"/>
           </a:xfrm>
           <a:prstGeom prst="line">
             <a:avLst/>
@@ -7308,7 +11701,7 @@
                 <a:cs typeface="Helvetica Neue" charset="0"/>
               </a:rPr>
               <a:pPr/>
-              <a:t>2</a:t>
+              <a:t>3</a:t>
             </a:fld>
             <a:endParaRPr lang="en-US" dirty="0">
               <a:solidFill>
@@ -7460,8 +11853,8 @@
         </p:nvCxnSpPr>
         <p:spPr>
           <a:xfrm flipV="1">
-            <a:off x="4878744" y="1881483"/>
-            <a:ext cx="559311" cy="302336"/>
+            <a:off x="4790157" y="1819479"/>
+            <a:ext cx="559311" cy="407330"/>
           </a:xfrm>
           <a:prstGeom prst="line">
             <a:avLst/>
@@ -7496,8 +11889,8 @@
         </p:nvCxnSpPr>
         <p:spPr>
           <a:xfrm>
-            <a:off x="8207298" y="4420608"/>
-            <a:ext cx="383365" cy="334272"/>
+            <a:off x="8113853" y="4262660"/>
+            <a:ext cx="476810" cy="492220"/>
           </a:xfrm>
           <a:prstGeom prst="line">
             <a:avLst/>
@@ -7544,569 +11937,6 @@
 </p:sld>
 </file>
 
-<file path=ppt/slides/slide3.xml><?xml version="1.0" encoding="utf-8"?>
-<p:sld xmlns:a="http://schemas.openxmlformats.org/drawingml/2006/main" xmlns:r="http://schemas.openxmlformats.org/officeDocument/2006/relationships" xmlns:p="http://schemas.openxmlformats.org/presentationml/2006/main" showMasterSp="0">
-  <p:cSld>
-    <p:spTree>
-      <p:nvGrpSpPr>
-        <p:cNvPr id="1" name=""/>
-        <p:cNvGrpSpPr/>
-        <p:nvPr/>
-      </p:nvGrpSpPr>
-      <p:grpSpPr>
-        <a:xfrm>
-          <a:off x="0" y="0"/>
-          <a:ext cx="0" cy="0"/>
-          <a:chOff x="0" y="0"/>
-          <a:chExt cx="0" cy="0"/>
-        </a:xfrm>
-      </p:grpSpPr>
-      <p:sp>
-        <p:nvSpPr>
-          <p:cNvPr id="2" name="Title 1"/>
-          <p:cNvSpPr>
-            <a:spLocks noGrp="1"/>
-          </p:cNvSpPr>
-          <p:nvPr>
-            <p:ph type="title"/>
-          </p:nvPr>
-        </p:nvSpPr>
-        <p:spPr>
-          <a:xfrm>
-            <a:off x="474663" y="138010"/>
-            <a:ext cx="11296890" cy="1030146"/>
-          </a:xfrm>
-        </p:spPr>
-        <p:txBody>
-          <a:bodyPr>
-            <a:noAutofit/>
-          </a:bodyPr>
-          <a:lstStyle/>
-          <a:p>
-            <a:pPr algn="ctr"/>
-            <a:r>
-              <a:rPr lang="en-US" sz="6000" dirty="0" smtClean="0">
-                <a:solidFill>
-                  <a:schemeClr val="accent2"/>
-                </a:solidFill>
-                <a:latin typeface="Helvetica Neue" charset="0"/>
-                <a:ea typeface="Helvetica Neue" charset="0"/>
-                <a:cs typeface="Helvetica Neue" charset="0"/>
-              </a:rPr>
-              <a:t>Relevant concepts</a:t>
-            </a:r>
-            <a:endParaRPr lang="en-US" sz="6000" dirty="0">
-              <a:latin typeface="Helvetica Neue" charset="0"/>
-              <a:ea typeface="Helvetica Neue" charset="0"/>
-              <a:cs typeface="Helvetica Neue" charset="0"/>
-            </a:endParaRPr>
-          </a:p>
-        </p:txBody>
-      </p:sp>
-      <p:sp>
-        <p:nvSpPr>
-          <p:cNvPr id="4" name="Footer Placeholder 3"/>
-          <p:cNvSpPr>
-            <a:spLocks noGrp="1"/>
-          </p:cNvSpPr>
-          <p:nvPr>
-            <p:ph type="ftr" sz="quarter" idx="11"/>
-          </p:nvPr>
-        </p:nvSpPr>
-        <p:spPr>
-          <a:xfrm>
-            <a:off x="677334" y="6406487"/>
-            <a:ext cx="6297612" cy="365125"/>
-          </a:xfrm>
-        </p:spPr>
-        <p:txBody>
-          <a:bodyPr/>
-          <a:lstStyle/>
-          <a:p>
-            <a:r>
-              <a:rPr lang="en-US" dirty="0" smtClean="0">
-                <a:solidFill>
-                  <a:prstClr val="black">
-                    <a:tint val="75000"/>
-                  </a:prstClr>
-                </a:solidFill>
-                <a:latin typeface="Helvetica Neue" charset="0"/>
-                <a:ea typeface="Helvetica Neue" charset="0"/>
-                <a:cs typeface="Helvetica Neue" charset="0"/>
-              </a:rPr>
-              <a:t>Francesco Peverelli - Federico Reppucci</a:t>
-            </a:r>
-            <a:endParaRPr lang="en-US" dirty="0">
-              <a:solidFill>
-                <a:prstClr val="black">
-                  <a:tint val="75000"/>
-                </a:prstClr>
-              </a:solidFill>
-              <a:latin typeface="Helvetica Neue" charset="0"/>
-              <a:ea typeface="Helvetica Neue" charset="0"/>
-              <a:cs typeface="Helvetica Neue" charset="0"/>
-            </a:endParaRPr>
-          </a:p>
-        </p:txBody>
-      </p:sp>
-      <p:sp>
-        <p:nvSpPr>
-          <p:cNvPr id="5" name="Slide Number Placeholder 4"/>
-          <p:cNvSpPr>
-            <a:spLocks noGrp="1"/>
-          </p:cNvSpPr>
-          <p:nvPr>
-            <p:ph type="sldNum" sz="quarter" idx="12"/>
-          </p:nvPr>
-        </p:nvSpPr>
-        <p:spPr>
-          <a:xfrm>
-            <a:off x="11088214" y="6406486"/>
-            <a:ext cx="683339" cy="365125"/>
-          </a:xfrm>
-        </p:spPr>
-        <p:txBody>
-          <a:bodyPr/>
-          <a:lstStyle/>
-          <a:p>
-            <a:fld id="{D57F1E4F-1CFF-5643-939E-217C01CDF565}" type="slidenum">
-              <a:rPr lang="en-US" smtClean="0">
-                <a:solidFill>
-                  <a:srgbClr val="5FCBEF"/>
-                </a:solidFill>
-                <a:latin typeface="Helvetica Neue" charset="0"/>
-                <a:ea typeface="Helvetica Neue" charset="0"/>
-                <a:cs typeface="Helvetica Neue" charset="0"/>
-              </a:rPr>
-              <a:pPr/>
-              <a:t>3</a:t>
-            </a:fld>
-            <a:endParaRPr lang="en-US" dirty="0">
-              <a:solidFill>
-                <a:srgbClr val="5FCBEF"/>
-              </a:solidFill>
-              <a:latin typeface="Helvetica Neue" charset="0"/>
-              <a:ea typeface="Helvetica Neue" charset="0"/>
-              <a:cs typeface="Helvetica Neue" charset="0"/>
-            </a:endParaRPr>
-          </a:p>
-        </p:txBody>
-      </p:sp>
-      <p:sp>
-        <p:nvSpPr>
-          <p:cNvPr id="3" name="Hexagon 2"/>
-          <p:cNvSpPr/>
-          <p:nvPr/>
-        </p:nvSpPr>
-        <p:spPr>
-          <a:xfrm>
-            <a:off x="1801397" y="2192811"/>
-            <a:ext cx="3265714" cy="914400"/>
-          </a:xfrm>
-          <a:prstGeom prst="hexagon">
-            <a:avLst>
-              <a:gd name="adj" fmla="val 37857"/>
-              <a:gd name="vf" fmla="val 115470"/>
-            </a:avLst>
-          </a:prstGeom>
-        </p:spPr>
-        <p:style>
-          <a:lnRef idx="2">
-            <a:schemeClr val="accent1">
-              <a:shade val="50000"/>
-            </a:schemeClr>
-          </a:lnRef>
-          <a:fillRef idx="1">
-            <a:schemeClr val="accent1"/>
-          </a:fillRef>
-          <a:effectRef idx="0">
-            <a:schemeClr val="accent1"/>
-          </a:effectRef>
-          <a:fontRef idx="minor">
-            <a:schemeClr val="lt1"/>
-          </a:fontRef>
-        </p:style>
-        <p:txBody>
-          <a:bodyPr rtlCol="0" anchor="ctr"/>
-          <a:lstStyle/>
-          <a:p>
-            <a:pPr algn="ctr"/>
-            <a:r>
-              <a:rPr lang="en-US" sz="2000" b="1" dirty="0" smtClean="0">
-                <a:latin typeface="Helvetica Neue" charset="0"/>
-                <a:ea typeface="Helvetica Neue" charset="0"/>
-                <a:cs typeface="Helvetica Neue" charset="0"/>
-              </a:rPr>
-              <a:t>POWER GRID STATION</a:t>
-            </a:r>
-            <a:endParaRPr lang="en-US" sz="2000" b="1" dirty="0">
-              <a:latin typeface="Helvetica Neue" charset="0"/>
-              <a:ea typeface="Helvetica Neue" charset="0"/>
-              <a:cs typeface="Helvetica Neue" charset="0"/>
-            </a:endParaRPr>
-          </a:p>
-        </p:txBody>
-      </p:sp>
-      <p:sp>
-        <p:nvSpPr>
-          <p:cNvPr id="17" name="Hexagon 16"/>
-          <p:cNvSpPr/>
-          <p:nvPr/>
-        </p:nvSpPr>
-        <p:spPr>
-          <a:xfrm>
-            <a:off x="6123108" y="2973131"/>
-            <a:ext cx="3265714" cy="914400"/>
-          </a:xfrm>
-          <a:prstGeom prst="hexagon">
-            <a:avLst>
-              <a:gd name="adj" fmla="val 37857"/>
-              <a:gd name="vf" fmla="val 115470"/>
-            </a:avLst>
-          </a:prstGeom>
-        </p:spPr>
-        <p:style>
-          <a:lnRef idx="2">
-            <a:schemeClr val="accent1">
-              <a:shade val="50000"/>
-            </a:schemeClr>
-          </a:lnRef>
-          <a:fillRef idx="1">
-            <a:schemeClr val="accent1"/>
-          </a:fillRef>
-          <a:effectRef idx="0">
-            <a:schemeClr val="accent1"/>
-          </a:effectRef>
-          <a:fontRef idx="minor">
-            <a:schemeClr val="lt1"/>
-          </a:fontRef>
-        </p:style>
-        <p:txBody>
-          <a:bodyPr rtlCol="0" anchor="ctr"/>
-          <a:lstStyle/>
-          <a:p>
-            <a:pPr algn="ctr"/>
-            <a:r>
-              <a:rPr lang="en-US" sz="2000" b="1" dirty="0" smtClean="0">
-                <a:latin typeface="Helvetica Neue" charset="0"/>
-                <a:ea typeface="Helvetica Neue" charset="0"/>
-                <a:cs typeface="Helvetica Neue" charset="0"/>
-              </a:rPr>
-              <a:t>SAFE AREA</a:t>
-            </a:r>
-            <a:endParaRPr lang="en-US" sz="2000" b="1" dirty="0">
-              <a:latin typeface="Helvetica Neue" charset="0"/>
-              <a:ea typeface="Helvetica Neue" charset="0"/>
-              <a:cs typeface="Helvetica Neue" charset="0"/>
-            </a:endParaRPr>
-          </a:p>
-        </p:txBody>
-      </p:sp>
-      <p:sp>
-        <p:nvSpPr>
-          <p:cNvPr id="18" name="Hexagon 17"/>
-          <p:cNvSpPr/>
-          <p:nvPr/>
-        </p:nvSpPr>
-        <p:spPr>
-          <a:xfrm>
-            <a:off x="2465509" y="3887531"/>
-            <a:ext cx="3265714" cy="914400"/>
-          </a:xfrm>
-          <a:prstGeom prst="hexagon">
-            <a:avLst>
-              <a:gd name="adj" fmla="val 37857"/>
-              <a:gd name="vf" fmla="val 115470"/>
-            </a:avLst>
-          </a:prstGeom>
-        </p:spPr>
-        <p:style>
-          <a:lnRef idx="2">
-            <a:schemeClr val="accent1">
-              <a:shade val="50000"/>
-            </a:schemeClr>
-          </a:lnRef>
-          <a:fillRef idx="1">
-            <a:schemeClr val="accent1"/>
-          </a:fillRef>
-          <a:effectRef idx="0">
-            <a:schemeClr val="accent1"/>
-          </a:effectRef>
-          <a:fontRef idx="minor">
-            <a:schemeClr val="lt1"/>
-          </a:fontRef>
-        </p:style>
-        <p:txBody>
-          <a:bodyPr rtlCol="0" anchor="ctr"/>
-          <a:lstStyle/>
-          <a:p>
-            <a:pPr algn="ctr"/>
-            <a:r>
-              <a:rPr lang="en-US" sz="2000" b="1" dirty="0" smtClean="0">
-                <a:latin typeface="Helvetica Neue" charset="0"/>
-                <a:ea typeface="Helvetica Neue" charset="0"/>
-                <a:cs typeface="Helvetica Neue" charset="0"/>
-              </a:rPr>
-              <a:t>POWER ENJOY CAR</a:t>
-            </a:r>
-            <a:endParaRPr lang="en-US" sz="2000" b="1" dirty="0">
-              <a:latin typeface="Helvetica Neue" charset="0"/>
-              <a:ea typeface="Helvetica Neue" charset="0"/>
-              <a:cs typeface="Helvetica Neue" charset="0"/>
-            </a:endParaRPr>
-          </a:p>
-        </p:txBody>
-      </p:sp>
-      <p:sp>
-        <p:nvSpPr>
-          <p:cNvPr id="19" name="TextBox 18"/>
-          <p:cNvSpPr txBox="1"/>
-          <p:nvPr/>
-        </p:nvSpPr>
-        <p:spPr>
-          <a:xfrm>
-            <a:off x="5608936" y="1420336"/>
-            <a:ext cx="3073167" cy="1015663"/>
-          </a:xfrm>
-          <a:prstGeom prst="rect">
-            <a:avLst/>
-          </a:prstGeom>
-          <a:noFill/>
-        </p:spPr>
-        <p:txBody>
-          <a:bodyPr wrap="square" rtlCol="0">
-            <a:spAutoFit/>
-          </a:bodyPr>
-          <a:lstStyle/>
-          <a:p>
-            <a:r>
-              <a:rPr lang="en-US" sz="2000" dirty="0" smtClean="0">
-                <a:latin typeface="Helvetica Neue" charset="0"/>
-                <a:ea typeface="Helvetica Neue" charset="0"/>
-                <a:cs typeface="Helvetica Neue" charset="0"/>
-              </a:rPr>
-              <a:t>A person not registered to Power EnJoy or not logged into the system</a:t>
-            </a:r>
-            <a:endParaRPr lang="en-US" sz="2000" dirty="0">
-              <a:latin typeface="Helvetica Neue" charset="0"/>
-              <a:ea typeface="Helvetica Neue" charset="0"/>
-              <a:cs typeface="Helvetica Neue" charset="0"/>
-            </a:endParaRPr>
-          </a:p>
-        </p:txBody>
-      </p:sp>
-      <p:sp>
-        <p:nvSpPr>
-          <p:cNvPr id="20" name="TextBox 19"/>
-          <p:cNvSpPr txBox="1"/>
-          <p:nvPr/>
-        </p:nvSpPr>
-        <p:spPr>
-          <a:xfrm>
-            <a:off x="7333233" y="4424663"/>
-            <a:ext cx="3469749" cy="1015663"/>
-          </a:xfrm>
-          <a:prstGeom prst="rect">
-            <a:avLst/>
-          </a:prstGeom>
-          <a:noFill/>
-        </p:spPr>
-        <p:txBody>
-          <a:bodyPr wrap="square" rtlCol="0">
-            <a:spAutoFit/>
-          </a:bodyPr>
-          <a:lstStyle/>
-          <a:p>
-            <a:r>
-              <a:rPr lang="en-US" sz="2000" dirty="0"/>
-              <a:t>P</a:t>
-            </a:r>
-            <a:r>
-              <a:rPr lang="en-US" sz="2000" dirty="0" smtClean="0"/>
-              <a:t>ublic </a:t>
-            </a:r>
-            <a:r>
-              <a:rPr lang="en-US" sz="2000" dirty="0"/>
-              <a:t>car </a:t>
-            </a:r>
-            <a:r>
-              <a:rPr lang="en-US" sz="2000" dirty="0" smtClean="0"/>
-              <a:t>parks, specific areas </a:t>
-            </a:r>
-            <a:r>
-              <a:rPr lang="en-US" sz="2000" dirty="0"/>
-              <a:t>of the city and private PowerEnJoy car parks </a:t>
-            </a:r>
-            <a:endParaRPr lang="en-US" sz="2000" dirty="0"/>
-          </a:p>
-        </p:txBody>
-      </p:sp>
-      <p:sp>
-        <p:nvSpPr>
-          <p:cNvPr id="22" name="TextBox 21"/>
-          <p:cNvSpPr txBox="1"/>
-          <p:nvPr/>
-        </p:nvSpPr>
-        <p:spPr>
-          <a:xfrm>
-            <a:off x="1383776" y="5220463"/>
-            <a:ext cx="3135973" cy="707886"/>
-          </a:xfrm>
-          <a:prstGeom prst="rect">
-            <a:avLst/>
-          </a:prstGeom>
-          <a:noFill/>
-        </p:spPr>
-        <p:txBody>
-          <a:bodyPr wrap="square" rtlCol="0">
-            <a:spAutoFit/>
-          </a:bodyPr>
-          <a:lstStyle/>
-          <a:p>
-            <a:r>
-              <a:rPr lang="en-US" sz="2000" dirty="0"/>
-              <a:t>E</a:t>
-            </a:r>
-            <a:r>
-              <a:rPr lang="en-US" sz="2000" dirty="0" smtClean="0"/>
-              <a:t>lectric </a:t>
-            </a:r>
-            <a:r>
-              <a:rPr lang="en-US" sz="2000" dirty="0"/>
-              <a:t>powered vehicles owned by PowerEnJoy. </a:t>
-            </a:r>
-            <a:endParaRPr lang="en-US" sz="2000" dirty="0"/>
-          </a:p>
-        </p:txBody>
-      </p:sp>
-      <p:cxnSp>
-        <p:nvCxnSpPr>
-          <p:cNvPr id="23" name="Straight Connector 22"/>
-          <p:cNvCxnSpPr/>
-          <p:nvPr/>
-        </p:nvCxnSpPr>
-        <p:spPr>
-          <a:xfrm flipV="1">
-            <a:off x="4931147" y="2073614"/>
-            <a:ext cx="559311" cy="302336"/>
-          </a:xfrm>
-          <a:prstGeom prst="line">
-            <a:avLst/>
-          </a:prstGeom>
-          <a:ln w="19050">
-            <a:solidFill>
-              <a:schemeClr val="accent2"/>
-            </a:solidFill>
-            <a:prstDash val="dash"/>
-          </a:ln>
-        </p:spPr>
-        <p:style>
-          <a:lnRef idx="1">
-            <a:schemeClr val="accent1"/>
-          </a:lnRef>
-          <a:fillRef idx="0">
-            <a:schemeClr val="accent1"/>
-          </a:fillRef>
-          <a:effectRef idx="0">
-            <a:schemeClr val="accent1"/>
-          </a:effectRef>
-          <a:fontRef idx="minor">
-            <a:schemeClr val="tx1"/>
-          </a:fontRef>
-        </p:style>
-      </p:cxnSp>
-      <p:cxnSp>
-        <p:nvCxnSpPr>
-          <p:cNvPr id="27" name="Straight Connector 26"/>
-          <p:cNvCxnSpPr/>
-          <p:nvPr/>
-        </p:nvCxnSpPr>
-        <p:spPr>
-          <a:xfrm flipH="1" flipV="1">
-            <a:off x="7654835" y="3986196"/>
-            <a:ext cx="235131" cy="358535"/>
-          </a:xfrm>
-          <a:prstGeom prst="line">
-            <a:avLst/>
-          </a:prstGeom>
-          <a:ln w="19050">
-            <a:solidFill>
-              <a:schemeClr val="accent2"/>
-            </a:solidFill>
-            <a:prstDash val="dash"/>
-          </a:ln>
-        </p:spPr>
-        <p:style>
-          <a:lnRef idx="1">
-            <a:schemeClr val="accent1"/>
-          </a:lnRef>
-          <a:fillRef idx="0">
-            <a:schemeClr val="accent1"/>
-          </a:fillRef>
-          <a:effectRef idx="0">
-            <a:schemeClr val="accent1"/>
-          </a:effectRef>
-          <a:fontRef idx="minor">
-            <a:schemeClr val="tx1"/>
-          </a:fontRef>
-        </p:style>
-      </p:cxnSp>
-      <p:cxnSp>
-        <p:nvCxnSpPr>
-          <p:cNvPr id="33" name="Straight Connector 32"/>
-          <p:cNvCxnSpPr/>
-          <p:nvPr/>
-        </p:nvCxnSpPr>
-        <p:spPr>
-          <a:xfrm flipV="1">
-            <a:off x="3266829" y="4932494"/>
-            <a:ext cx="299331" cy="259674"/>
-          </a:xfrm>
-          <a:prstGeom prst="line">
-            <a:avLst/>
-          </a:prstGeom>
-          <a:ln w="19050">
-            <a:solidFill>
-              <a:schemeClr val="accent2"/>
-            </a:solidFill>
-            <a:prstDash val="dash"/>
-          </a:ln>
-        </p:spPr>
-        <p:style>
-          <a:lnRef idx="1">
-            <a:schemeClr val="accent1"/>
-          </a:lnRef>
-          <a:fillRef idx="0">
-            <a:schemeClr val="accent1"/>
-          </a:fillRef>
-          <a:effectRef idx="0">
-            <a:schemeClr val="accent1"/>
-          </a:effectRef>
-          <a:fontRef idx="minor">
-            <a:schemeClr val="tx1"/>
-          </a:fontRef>
-        </p:style>
-      </p:cxnSp>
-    </p:spTree>
-    <p:extLst>
-      <p:ext uri="{BB962C8B-B14F-4D97-AF65-F5344CB8AC3E}">
-        <p14:creationId xmlns:p14="http://schemas.microsoft.com/office/powerpoint/2010/main" val="1696101577"/>
-      </p:ext>
-    </p:extLst>
-  </p:cSld>
-  <p:clrMapOvr>
-    <a:masterClrMapping/>
-  </p:clrMapOvr>
-  <p:timing>
-    <p:tnLst>
-      <p:par>
-        <p:cTn id="1" dur="indefinite" restart="never" nodeType="tmRoot"/>
-      </p:par>
-    </p:tnLst>
-  </p:timing>
-</p:sld>
-</file>
-
 <file path=ppt/slides/slide4.xml><?xml version="1.0" encoding="utf-8"?>
 <p:sld xmlns:a="http://schemas.openxmlformats.org/drawingml/2006/main" xmlns:r="http://schemas.openxmlformats.org/officeDocument/2006/relationships" xmlns:p="http://schemas.openxmlformats.org/presentationml/2006/main" showMasterSp="0">
   <p:cSld>
@@ -8156,7 +11986,7 @@
                 <a:ea typeface="Helvetica Neue" charset="0"/>
                 <a:cs typeface="Helvetica Neue" charset="0"/>
               </a:rPr>
-              <a:t>States of a car</a:t>
+              <a:t>Relevant concepts</a:t>
             </a:r>
             <a:endParaRPr lang="en-US" sz="6000" dirty="0">
               <a:latin typeface="Helvetica Neue" charset="0"/>
@@ -8178,7 +12008,7 @@
         </p:nvSpPr>
         <p:spPr>
           <a:xfrm>
-            <a:off x="677334" y="6376007"/>
+            <a:off x="677334" y="6406487"/>
             <a:ext cx="6297612" cy="365125"/>
           </a:xfrm>
         </p:spPr>
@@ -8224,7 +12054,7 @@
         </p:nvSpPr>
         <p:spPr>
           <a:xfrm>
-            <a:off x="11263541" y="6376006"/>
+            <a:off x="11088214" y="6406486"/>
             <a:ext cx="683339" cy="365125"/>
           </a:xfrm>
         </p:spPr>
@@ -8257,21 +12087,21 @@
       </p:sp>
       <p:sp>
         <p:nvSpPr>
-          <p:cNvPr id="21" name="Terminator 20"/>
+          <p:cNvPr id="3" name="Hexagon 2"/>
           <p:cNvSpPr/>
           <p:nvPr/>
         </p:nvSpPr>
         <p:spPr>
           <a:xfrm>
-            <a:off x="5119687" y="1584427"/>
-            <a:ext cx="2088887" cy="640616"/>
-          </a:xfrm>
-          <a:prstGeom prst="flowChartTerminator">
-            <a:avLst/>
+            <a:off x="1592121" y="1844766"/>
+            <a:ext cx="3265714" cy="914400"/>
+          </a:xfrm>
+          <a:prstGeom prst="hexagon">
+            <a:avLst>
+              <a:gd name="adj" fmla="val 37857"/>
+              <a:gd name="vf" fmla="val 115470"/>
+            </a:avLst>
           </a:prstGeom>
-          <a:solidFill>
-            <a:schemeClr val="accent1"/>
-          </a:solidFill>
         </p:spPr>
         <p:style>
           <a:lnRef idx="2">
@@ -8295,14 +12125,20 @@
           <a:p>
             <a:pPr algn="ctr"/>
             <a:r>
-              <a:rPr lang="en-US" sz="2300" b="1" dirty="0" smtClean="0">
+              <a:rPr lang="en-US" sz="2000" b="1" dirty="0" smtClean="0">
+                <a:solidFill>
+                  <a:prstClr val="white"/>
+                </a:solidFill>
                 <a:latin typeface="Helvetica Neue" charset="0"/>
                 <a:ea typeface="Helvetica Neue" charset="0"/>
                 <a:cs typeface="Helvetica Neue" charset="0"/>
               </a:rPr>
-              <a:t>AVAILABLE</a:t>
-            </a:r>
-            <a:endParaRPr lang="en-US" sz="2300" b="1" dirty="0">
+              <a:t>POWER GRID STATION</a:t>
+            </a:r>
+            <a:endParaRPr lang="en-US" sz="2000" b="1" dirty="0">
+              <a:solidFill>
+                <a:prstClr val="white"/>
+              </a:solidFill>
               <a:latin typeface="Helvetica Neue" charset="0"/>
               <a:ea typeface="Helvetica Neue" charset="0"/>
               <a:cs typeface="Helvetica Neue" charset="0"/>
@@ -8312,21 +12148,21 @@
       </p:sp>
       <p:sp>
         <p:nvSpPr>
-          <p:cNvPr id="24" name="Terminator 23"/>
+          <p:cNvPr id="17" name="Hexagon 16"/>
           <p:cNvSpPr/>
           <p:nvPr/>
         </p:nvSpPr>
         <p:spPr>
           <a:xfrm>
-            <a:off x="9315025" y="3058128"/>
-            <a:ext cx="2088887" cy="640616"/>
-          </a:xfrm>
-          <a:prstGeom prst="flowChartTerminator">
-            <a:avLst/>
+            <a:off x="1592121" y="4817075"/>
+            <a:ext cx="3265714" cy="914400"/>
+          </a:xfrm>
+          <a:prstGeom prst="hexagon">
+            <a:avLst>
+              <a:gd name="adj" fmla="val 37857"/>
+              <a:gd name="vf" fmla="val 115470"/>
+            </a:avLst>
           </a:prstGeom>
-          <a:solidFill>
-            <a:schemeClr val="accent1"/>
-          </a:solidFill>
         </p:spPr>
         <p:style>
           <a:lnRef idx="2">
@@ -8350,14 +12186,20 @@
           <a:p>
             <a:pPr algn="ctr"/>
             <a:r>
-              <a:rPr lang="en-US" sz="2300" b="1" dirty="0" smtClean="0">
+              <a:rPr lang="en-US" sz="2000" b="1" dirty="0" smtClean="0">
+                <a:solidFill>
+                  <a:prstClr val="white"/>
+                </a:solidFill>
                 <a:latin typeface="Helvetica Neue" charset="0"/>
                 <a:ea typeface="Helvetica Neue" charset="0"/>
                 <a:cs typeface="Helvetica Neue" charset="0"/>
               </a:rPr>
-              <a:t>RESERVED</a:t>
-            </a:r>
-            <a:endParaRPr lang="en-US" sz="2300" b="1" dirty="0">
+              <a:t>SAFE AREA</a:t>
+            </a:r>
+            <a:endParaRPr lang="en-US" sz="2000" b="1" dirty="0">
+              <a:solidFill>
+                <a:prstClr val="white"/>
+              </a:solidFill>
               <a:latin typeface="Helvetica Neue" charset="0"/>
               <a:ea typeface="Helvetica Neue" charset="0"/>
               <a:cs typeface="Helvetica Neue" charset="0"/>
@@ -8367,21 +12209,21 @@
       </p:sp>
       <p:sp>
         <p:nvSpPr>
-          <p:cNvPr id="25" name="Terminator 24"/>
+          <p:cNvPr id="18" name="Hexagon 17"/>
           <p:cNvSpPr/>
           <p:nvPr/>
         </p:nvSpPr>
         <p:spPr>
           <a:xfrm>
-            <a:off x="7928911" y="5400785"/>
-            <a:ext cx="2088887" cy="640616"/>
-          </a:xfrm>
-          <a:prstGeom prst="flowChartTerminator">
-            <a:avLst/>
+            <a:off x="1592121" y="3330921"/>
+            <a:ext cx="3265714" cy="914400"/>
+          </a:xfrm>
+          <a:prstGeom prst="hexagon">
+            <a:avLst>
+              <a:gd name="adj" fmla="val 37857"/>
+              <a:gd name="vf" fmla="val 115470"/>
+            </a:avLst>
           </a:prstGeom>
-          <a:solidFill>
-            <a:schemeClr val="accent1"/>
-          </a:solidFill>
         </p:spPr>
         <p:style>
           <a:lnRef idx="2">
@@ -8405,14 +12247,20 @@
           <a:p>
             <a:pPr algn="ctr"/>
             <a:r>
-              <a:rPr lang="en-US" sz="2300" b="1" smtClean="0">
+              <a:rPr lang="en-US" sz="2000" b="1" dirty="0" smtClean="0">
+                <a:solidFill>
+                  <a:prstClr val="white"/>
+                </a:solidFill>
                 <a:latin typeface="Helvetica Neue" charset="0"/>
                 <a:ea typeface="Helvetica Neue" charset="0"/>
                 <a:cs typeface="Helvetica Neue" charset="0"/>
               </a:rPr>
-              <a:t>RUNNING</a:t>
-            </a:r>
-            <a:endParaRPr lang="en-US" sz="2300" b="1" dirty="0">
+              <a:t>POWER ENJOY CAR</a:t>
+            </a:r>
+            <a:endParaRPr lang="en-US" sz="2000" b="1" dirty="0">
+              <a:solidFill>
+                <a:prstClr val="white"/>
+              </a:solidFill>
               <a:latin typeface="Helvetica Neue" charset="0"/>
               <a:ea typeface="Helvetica Neue" charset="0"/>
               <a:cs typeface="Helvetica Neue" charset="0"/>
@@ -8422,512 +12270,14 @@
       </p:sp>
       <p:sp>
         <p:nvSpPr>
-          <p:cNvPr id="26" name="Terminator 25"/>
-          <p:cNvSpPr/>
-          <p:nvPr/>
-        </p:nvSpPr>
-        <p:spPr>
-          <a:xfrm>
-            <a:off x="2347521" y="5400785"/>
-            <a:ext cx="2417321" cy="640616"/>
-          </a:xfrm>
-          <a:prstGeom prst="flowChartTerminator">
-            <a:avLst/>
-          </a:prstGeom>
-          <a:solidFill>
-            <a:schemeClr val="accent1"/>
-          </a:solidFill>
-        </p:spPr>
-        <p:style>
-          <a:lnRef idx="2">
-            <a:schemeClr val="accent1">
-              <a:shade val="50000"/>
-            </a:schemeClr>
-          </a:lnRef>
-          <a:fillRef idx="1">
-            <a:schemeClr val="accent1"/>
-          </a:fillRef>
-          <a:effectRef idx="0">
-            <a:schemeClr val="accent1"/>
-          </a:effectRef>
-          <a:fontRef idx="minor">
-            <a:schemeClr val="lt1"/>
-          </a:fontRef>
-        </p:style>
-        <p:txBody>
-          <a:bodyPr rtlCol="0" anchor="ctr"/>
-          <a:lstStyle/>
-          <a:p>
-            <a:pPr algn="ctr"/>
-            <a:r>
-              <a:rPr lang="en-US" sz="2300" b="1" dirty="0" smtClean="0">
-                <a:latin typeface="Helvetica Neue" charset="0"/>
-                <a:ea typeface="Helvetica Neue" charset="0"/>
-                <a:cs typeface="Helvetica Neue" charset="0"/>
-              </a:rPr>
-              <a:t>DISLOCATED</a:t>
-            </a:r>
-            <a:endParaRPr lang="en-US" sz="2300" b="1" dirty="0">
-              <a:latin typeface="Helvetica Neue" charset="0"/>
-              <a:ea typeface="Helvetica Neue" charset="0"/>
-              <a:cs typeface="Helvetica Neue" charset="0"/>
-            </a:endParaRPr>
-          </a:p>
-        </p:txBody>
-      </p:sp>
-      <p:sp>
-        <p:nvSpPr>
-          <p:cNvPr id="28" name="Terminator 27"/>
-          <p:cNvSpPr/>
-          <p:nvPr/>
-        </p:nvSpPr>
-        <p:spPr>
-          <a:xfrm>
-            <a:off x="515686" y="3020443"/>
-            <a:ext cx="2837825" cy="640616"/>
-          </a:xfrm>
-          <a:prstGeom prst="flowChartTerminator">
-            <a:avLst/>
-          </a:prstGeom>
-          <a:solidFill>
-            <a:schemeClr val="accent1"/>
-          </a:solidFill>
-        </p:spPr>
-        <p:style>
-          <a:lnRef idx="2">
-            <a:schemeClr val="accent1">
-              <a:shade val="50000"/>
-            </a:schemeClr>
-          </a:lnRef>
-          <a:fillRef idx="1">
-            <a:schemeClr val="accent1"/>
-          </a:fillRef>
-          <a:effectRef idx="0">
-            <a:schemeClr val="accent1"/>
-          </a:effectRef>
-          <a:fontRef idx="minor">
-            <a:schemeClr val="lt1"/>
-          </a:fontRef>
-        </p:style>
-        <p:txBody>
-          <a:bodyPr rtlCol="0" anchor="ctr"/>
-          <a:lstStyle/>
-          <a:p>
-            <a:pPr algn="ctr"/>
-            <a:r>
-              <a:rPr lang="en-US" sz="2300" b="1" dirty="0" smtClean="0">
-                <a:latin typeface="Helvetica Neue" charset="0"/>
-                <a:ea typeface="Helvetica Neue" charset="0"/>
-                <a:cs typeface="Helvetica Neue" charset="0"/>
-              </a:rPr>
-              <a:t>NOT AVAILABLE</a:t>
-            </a:r>
-            <a:endParaRPr lang="en-US" sz="2300" b="1" dirty="0">
-              <a:latin typeface="Helvetica Neue" charset="0"/>
-              <a:ea typeface="Helvetica Neue" charset="0"/>
-              <a:cs typeface="Helvetica Neue" charset="0"/>
-            </a:endParaRPr>
-          </a:p>
-        </p:txBody>
-      </p:sp>
-      <p:sp>
-        <p:nvSpPr>
-          <p:cNvPr id="31" name="Arc 30"/>
-          <p:cNvSpPr/>
-          <p:nvPr/>
-        </p:nvSpPr>
-        <p:spPr>
-          <a:xfrm>
-            <a:off x="4038257" y="1863660"/>
-            <a:ext cx="6400800" cy="2425786"/>
-          </a:xfrm>
-          <a:prstGeom prst="arc">
-            <a:avLst/>
-          </a:prstGeom>
-          <a:ln w="25400">
-            <a:solidFill>
-              <a:schemeClr val="accent2"/>
-            </a:solidFill>
-            <a:tailEnd type="triangle" w="lg" len="lg"/>
-          </a:ln>
-        </p:spPr>
-        <p:style>
-          <a:lnRef idx="1">
-            <a:schemeClr val="accent1"/>
-          </a:lnRef>
-          <a:fillRef idx="0">
-            <a:schemeClr val="accent1"/>
-          </a:fillRef>
-          <a:effectRef idx="0">
-            <a:schemeClr val="accent1"/>
-          </a:effectRef>
-          <a:fontRef idx="minor">
-            <a:schemeClr val="tx1"/>
-          </a:fontRef>
-        </p:style>
-        <p:txBody>
-          <a:bodyPr rtlCol="0" anchor="ctr"/>
-          <a:lstStyle/>
-          <a:p>
-            <a:pPr algn="ctr"/>
-            <a:endParaRPr lang="en-US" dirty="0"/>
-          </a:p>
-        </p:txBody>
-      </p:sp>
-      <p:sp>
-        <p:nvSpPr>
-          <p:cNvPr id="34" name="Arc 33"/>
-          <p:cNvSpPr/>
-          <p:nvPr/>
-        </p:nvSpPr>
-        <p:spPr>
-          <a:xfrm rot="5400000">
-            <a:off x="8066860" y="3278588"/>
-            <a:ext cx="3971105" cy="951009"/>
-          </a:xfrm>
-          <a:prstGeom prst="arc">
-            <a:avLst/>
-          </a:prstGeom>
-          <a:ln w="25400">
-            <a:solidFill>
-              <a:schemeClr val="accent2"/>
-            </a:solidFill>
-            <a:tailEnd type="triangle" w="lg" len="lg"/>
-          </a:ln>
-        </p:spPr>
-        <p:style>
-          <a:lnRef idx="1">
-            <a:schemeClr val="accent1"/>
-          </a:lnRef>
-          <a:fillRef idx="0">
-            <a:schemeClr val="accent1"/>
-          </a:fillRef>
-          <a:effectRef idx="0">
-            <a:schemeClr val="accent1"/>
-          </a:effectRef>
-          <a:fontRef idx="minor">
-            <a:schemeClr val="tx1"/>
-          </a:fontRef>
-        </p:style>
-        <p:txBody>
-          <a:bodyPr rtlCol="0" anchor="ctr"/>
-          <a:lstStyle/>
-          <a:p>
-            <a:pPr algn="ctr"/>
-            <a:endParaRPr lang="en-US"/>
-          </a:p>
-        </p:txBody>
-      </p:sp>
-      <p:sp>
-        <p:nvSpPr>
-          <p:cNvPr id="35" name="Arc 34"/>
-          <p:cNvSpPr/>
-          <p:nvPr/>
-        </p:nvSpPr>
-        <p:spPr>
-          <a:xfrm flipH="1" flipV="1">
-            <a:off x="6554118" y="1150455"/>
-            <a:ext cx="5518484" cy="2237873"/>
-          </a:xfrm>
-          <a:prstGeom prst="arc">
-            <a:avLst/>
-          </a:prstGeom>
-          <a:ln w="25400">
-            <a:solidFill>
-              <a:schemeClr val="accent2"/>
-            </a:solidFill>
-            <a:tailEnd type="triangle" w="lg" len="lg"/>
-          </a:ln>
-        </p:spPr>
-        <p:style>
-          <a:lnRef idx="1">
-            <a:schemeClr val="accent1"/>
-          </a:lnRef>
-          <a:fillRef idx="0">
-            <a:schemeClr val="accent1"/>
-          </a:fillRef>
-          <a:effectRef idx="0">
-            <a:schemeClr val="accent1"/>
-          </a:effectRef>
-          <a:fontRef idx="minor">
-            <a:schemeClr val="tx1"/>
-          </a:fontRef>
-        </p:style>
-        <p:txBody>
-          <a:bodyPr rtlCol="0" anchor="ctr"/>
-          <a:lstStyle/>
-          <a:p>
-            <a:pPr algn="ctr"/>
-            <a:endParaRPr lang="en-US"/>
-          </a:p>
-        </p:txBody>
-      </p:sp>
-      <p:cxnSp>
-        <p:nvCxnSpPr>
-          <p:cNvPr id="37" name="Straight Arrow Connector 36"/>
-          <p:cNvCxnSpPr>
-            <a:stCxn id="25" idx="1"/>
-            <a:endCxn id="26" idx="3"/>
-          </p:cNvCxnSpPr>
-          <p:nvPr/>
-        </p:nvCxnSpPr>
-        <p:spPr>
-          <a:xfrm flipH="1">
-            <a:off x="4764842" y="5721093"/>
-            <a:ext cx="3164069" cy="0"/>
-          </a:xfrm>
-          <a:prstGeom prst="straightConnector1">
-            <a:avLst/>
-          </a:prstGeom>
-          <a:ln w="25400">
-            <a:solidFill>
-              <a:schemeClr val="accent2"/>
-            </a:solidFill>
-            <a:tailEnd type="triangle" w="lg" len="lg"/>
-          </a:ln>
-        </p:spPr>
-        <p:style>
-          <a:lnRef idx="1">
-            <a:schemeClr val="accent1"/>
-          </a:lnRef>
-          <a:fillRef idx="0">
-            <a:schemeClr val="accent1"/>
-          </a:fillRef>
-          <a:effectRef idx="0">
-            <a:schemeClr val="accent1"/>
-          </a:effectRef>
-          <a:fontRef idx="minor">
-            <a:schemeClr val="tx1"/>
-          </a:fontRef>
-        </p:style>
-      </p:cxnSp>
-      <p:sp>
-        <p:nvSpPr>
-          <p:cNvPr id="42" name="Arc 41"/>
-          <p:cNvSpPr/>
-          <p:nvPr/>
-        </p:nvSpPr>
-        <p:spPr>
-          <a:xfrm rot="674885" flipH="1" flipV="1">
-            <a:off x="6159025" y="-156321"/>
-            <a:ext cx="4786520" cy="5744495"/>
-          </a:xfrm>
-          <a:prstGeom prst="arc">
-            <a:avLst/>
-          </a:prstGeom>
-          <a:ln w="28575">
-            <a:solidFill>
-              <a:schemeClr val="accent2"/>
-            </a:solidFill>
-            <a:tailEnd type="triangle" w="lg" len="lg"/>
-          </a:ln>
-        </p:spPr>
-        <p:style>
-          <a:lnRef idx="1">
-            <a:schemeClr val="accent1"/>
-          </a:lnRef>
-          <a:fillRef idx="0">
-            <a:schemeClr val="accent1"/>
-          </a:fillRef>
-          <a:effectRef idx="0">
-            <a:schemeClr val="accent1"/>
-          </a:effectRef>
-          <a:fontRef idx="minor">
-            <a:schemeClr val="tx1"/>
-          </a:fontRef>
-        </p:style>
-        <p:txBody>
-          <a:bodyPr rtlCol="0" anchor="ctr"/>
-          <a:lstStyle/>
-          <a:p>
-            <a:pPr algn="ctr"/>
-            <a:endParaRPr lang="en-US"/>
-          </a:p>
-        </p:txBody>
-      </p:sp>
-      <p:sp>
-        <p:nvSpPr>
-          <p:cNvPr id="43" name="Arc 42"/>
-          <p:cNvSpPr/>
-          <p:nvPr/>
-        </p:nvSpPr>
-        <p:spPr>
-          <a:xfrm rot="674885" flipH="1" flipV="1">
-            <a:off x="2643557" y="1541002"/>
-            <a:ext cx="11412186" cy="4126746"/>
-          </a:xfrm>
-          <a:prstGeom prst="arc">
-            <a:avLst>
-              <a:gd name="adj1" fmla="val 16229911"/>
-              <a:gd name="adj2" fmla="val 20917201"/>
-            </a:avLst>
-          </a:prstGeom>
-          <a:ln w="28575">
-            <a:solidFill>
-              <a:schemeClr val="accent2"/>
-            </a:solidFill>
-            <a:tailEnd type="triangle" w="lg" len="lg"/>
-          </a:ln>
-        </p:spPr>
-        <p:style>
-          <a:lnRef idx="1">
-            <a:schemeClr val="accent1"/>
-          </a:lnRef>
-          <a:fillRef idx="0">
-            <a:schemeClr val="accent1"/>
-          </a:fillRef>
-          <a:effectRef idx="0">
-            <a:schemeClr val="accent1"/>
-          </a:effectRef>
-          <a:fontRef idx="minor">
-            <a:schemeClr val="tx1"/>
-          </a:fontRef>
-        </p:style>
-        <p:txBody>
-          <a:bodyPr rtlCol="0" anchor="ctr"/>
-          <a:lstStyle/>
-          <a:p>
-            <a:pPr algn="ctr"/>
-            <a:endParaRPr lang="en-US"/>
-          </a:p>
-        </p:txBody>
-      </p:sp>
-      <p:cxnSp>
-        <p:nvCxnSpPr>
-          <p:cNvPr id="45" name="Straight Arrow Connector 44"/>
-          <p:cNvCxnSpPr>
-            <a:stCxn id="26" idx="0"/>
-          </p:cNvCxnSpPr>
-          <p:nvPr/>
-        </p:nvCxnSpPr>
-        <p:spPr>
-          <a:xfrm flipV="1">
-            <a:off x="3556182" y="2225043"/>
-            <a:ext cx="2260802" cy="3175742"/>
-          </a:xfrm>
-          <a:prstGeom prst="straightConnector1">
-            <a:avLst/>
-          </a:prstGeom>
-          <a:ln w="25400">
-            <a:solidFill>
-              <a:schemeClr val="accent2"/>
-            </a:solidFill>
-            <a:tailEnd type="triangle" w="lg" len="lg"/>
-          </a:ln>
-        </p:spPr>
-        <p:style>
-          <a:lnRef idx="1">
-            <a:schemeClr val="accent1"/>
-          </a:lnRef>
-          <a:fillRef idx="0">
-            <a:schemeClr val="accent1"/>
-          </a:fillRef>
-          <a:effectRef idx="0">
-            <a:schemeClr val="accent1"/>
-          </a:effectRef>
-          <a:fontRef idx="minor">
-            <a:schemeClr val="tx1"/>
-          </a:fontRef>
-        </p:style>
-      </p:cxnSp>
-      <p:sp>
-        <p:nvSpPr>
-          <p:cNvPr id="49" name="Arc 48"/>
-          <p:cNvSpPr/>
-          <p:nvPr/>
-        </p:nvSpPr>
-        <p:spPr>
-          <a:xfrm rot="16200000">
-            <a:off x="3964871" y="-322393"/>
-            <a:ext cx="2203597" cy="6608853"/>
-          </a:xfrm>
-          <a:prstGeom prst="arc">
-            <a:avLst/>
-          </a:prstGeom>
-          <a:ln w="25400">
-            <a:solidFill>
-              <a:schemeClr val="accent2"/>
-            </a:solidFill>
-            <a:tailEnd type="triangle" w="lg" len="lg"/>
-          </a:ln>
-        </p:spPr>
-        <p:style>
-          <a:lnRef idx="1">
-            <a:schemeClr val="accent1"/>
-          </a:lnRef>
-          <a:fillRef idx="0">
-            <a:schemeClr val="accent1"/>
-          </a:fillRef>
-          <a:effectRef idx="0">
-            <a:schemeClr val="accent1"/>
-          </a:effectRef>
-          <a:fontRef idx="minor">
-            <a:schemeClr val="tx1"/>
-          </a:fontRef>
-        </p:style>
-        <p:txBody>
-          <a:bodyPr rtlCol="0" anchor="ctr"/>
-          <a:lstStyle/>
-          <a:p>
-            <a:pPr algn="ctr"/>
-            <a:endParaRPr lang="en-US" dirty="0"/>
-          </a:p>
-        </p:txBody>
-      </p:sp>
-      <p:sp>
-        <p:nvSpPr>
-          <p:cNvPr id="50" name="Arc 49"/>
-          <p:cNvSpPr/>
-          <p:nvPr/>
-        </p:nvSpPr>
-        <p:spPr>
-          <a:xfrm rot="16200000" flipH="1">
-            <a:off x="233643" y="3097551"/>
-            <a:ext cx="4155218" cy="1128973"/>
-          </a:xfrm>
-          <a:prstGeom prst="arc">
-            <a:avLst/>
-          </a:prstGeom>
-          <a:ln w="25400">
-            <a:solidFill>
-              <a:schemeClr val="accent2"/>
-            </a:solidFill>
-            <a:tailEnd type="triangle" w="lg" len="lg"/>
-          </a:ln>
-        </p:spPr>
-        <p:style>
-          <a:lnRef idx="1">
-            <a:schemeClr val="accent1"/>
-          </a:lnRef>
-          <a:fillRef idx="0">
-            <a:schemeClr val="accent1"/>
-          </a:fillRef>
-          <a:effectRef idx="0">
-            <a:schemeClr val="accent1"/>
-          </a:effectRef>
-          <a:fontRef idx="minor">
-            <a:schemeClr val="tx1"/>
-          </a:fontRef>
-        </p:style>
-        <p:txBody>
-          <a:bodyPr rtlCol="0" anchor="ctr"/>
-          <a:lstStyle/>
-          <a:p>
-            <a:pPr algn="ctr"/>
-            <a:endParaRPr lang="en-US" dirty="0"/>
-          </a:p>
-        </p:txBody>
-      </p:sp>
-      <p:sp>
-        <p:nvSpPr>
-          <p:cNvPr id="51" name="TextBox 50"/>
+          <p:cNvPr id="19" name="TextBox 18"/>
           <p:cNvSpPr txBox="1"/>
           <p:nvPr/>
         </p:nvSpPr>
         <p:spPr>
-          <a:xfrm rot="633656">
-            <a:off x="8200097" y="1671436"/>
-            <a:ext cx="3014206" cy="430887"/>
+          <a:xfrm>
+            <a:off x="5231758" y="2101911"/>
+            <a:ext cx="5555848" cy="400110"/>
           </a:xfrm>
           <a:prstGeom prst="rect">
             <a:avLst/>
@@ -8941,31 +12291,31 @@
           <a:lstStyle/>
           <a:p>
             <a:r>
-              <a:rPr lang="en-US" sz="2200" dirty="0" smtClean="0">
-                <a:latin typeface="Helvetica Neue" charset="0"/>
-                <a:ea typeface="Helvetica Neue" charset="0"/>
-                <a:cs typeface="Helvetica Neue" charset="0"/>
+              <a:rPr lang="en-US" sz="2000" dirty="0" smtClean="0">
+                <a:solidFill>
+                  <a:prstClr val="black"/>
+                </a:solidFill>
               </a:rPr>
-              <a:t>car reservation</a:t>
-            </a:r>
-            <a:endParaRPr lang="en-US" sz="2200" dirty="0">
-              <a:latin typeface="Helvetica Neue" charset="0"/>
-              <a:ea typeface="Helvetica Neue" charset="0"/>
-              <a:cs typeface="Helvetica Neue" charset="0"/>
+              <a:t>Electric power supplier for recharging the cars</a:t>
+            </a:r>
+            <a:endParaRPr lang="en-US" sz="2000" dirty="0">
+              <a:solidFill>
+                <a:prstClr val="black"/>
+              </a:solidFill>
             </a:endParaRPr>
           </a:p>
         </p:txBody>
       </p:sp>
       <p:sp>
         <p:nvSpPr>
-          <p:cNvPr id="52" name="TextBox 51"/>
+          <p:cNvPr id="20" name="TextBox 19"/>
           <p:cNvSpPr txBox="1"/>
           <p:nvPr/>
         </p:nvSpPr>
         <p:spPr>
           <a:xfrm>
-            <a:off x="10537561" y="4214740"/>
-            <a:ext cx="1409319" cy="1107996"/>
+            <a:off x="5231758" y="4920332"/>
+            <a:ext cx="5514666" cy="707886"/>
           </a:xfrm>
           <a:prstGeom prst="rect">
             <a:avLst/>
@@ -8979,39 +12329,58 @@
           <a:lstStyle/>
           <a:p>
             <a:r>
-              <a:rPr lang="en-US" sz="2200" dirty="0">
-                <a:latin typeface="Helvetica Neue" charset="0"/>
-                <a:ea typeface="Helvetica Neue" charset="0"/>
-                <a:cs typeface="Helvetica Neue" charset="0"/>
+              <a:rPr lang="en-US" sz="2000" dirty="0">
+                <a:solidFill>
+                  <a:prstClr val="black"/>
+                </a:solidFill>
               </a:rPr>
-              <a:t>u</a:t>
-            </a:r>
-            <a:r>
-              <a:rPr lang="en-US" sz="2200" dirty="0" smtClean="0">
-                <a:latin typeface="Helvetica Neue" charset="0"/>
-                <a:ea typeface="Helvetica Neue" charset="0"/>
-                <a:cs typeface="Helvetica Neue" charset="0"/>
+              <a:t>P</a:t>
+            </a:r>
+            <a:r>
+              <a:rPr lang="en-US" sz="2000" dirty="0" smtClean="0">
+                <a:solidFill>
+                  <a:prstClr val="black"/>
+                </a:solidFill>
               </a:rPr>
-              <a:t>nlocking and ignition</a:t>
-            </a:r>
-            <a:endParaRPr lang="en-US" sz="2200" dirty="0">
-              <a:latin typeface="Helvetica Neue" charset="0"/>
-              <a:ea typeface="Helvetica Neue" charset="0"/>
-              <a:cs typeface="Helvetica Neue" charset="0"/>
-            </a:endParaRPr>
-          </a:p>
-        </p:txBody>
-      </p:sp>
-      <p:sp>
-        <p:nvSpPr>
-          <p:cNvPr id="53" name="TextBox 52"/>
+              <a:t>ublic </a:t>
+            </a:r>
+            <a:r>
+              <a:rPr lang="en-US" sz="2000" dirty="0">
+                <a:solidFill>
+                  <a:prstClr val="black"/>
+                </a:solidFill>
+              </a:rPr>
+              <a:t>car </a:t>
+            </a:r>
+            <a:r>
+              <a:rPr lang="en-US" sz="2000" dirty="0" smtClean="0">
+                <a:solidFill>
+                  <a:prstClr val="black"/>
+                </a:solidFill>
+              </a:rPr>
+              <a:t>parks, specific areas </a:t>
+            </a:r>
+            <a:r>
+              <a:rPr lang="en-US" sz="2000" dirty="0">
+                <a:solidFill>
+                  <a:prstClr val="black"/>
+                </a:solidFill>
+              </a:rPr>
+              <a:t>of the city and private PowerEnJoy car parks </a:t>
+            </a:r>
+          </a:p>
+        </p:txBody>
+      </p:sp>
+      <p:sp>
+        <p:nvSpPr>
+          <p:cNvPr id="22" name="TextBox 21"/>
           <p:cNvSpPr txBox="1"/>
           <p:nvPr/>
         </p:nvSpPr>
         <p:spPr>
-          <a:xfrm rot="1157035">
-            <a:off x="6670235" y="2644857"/>
-            <a:ext cx="3014206" cy="430887"/>
+          <a:xfrm>
+            <a:off x="5231758" y="3434178"/>
+            <a:ext cx="5416952" cy="707886"/>
           </a:xfrm>
           <a:prstGeom prst="rect">
             <a:avLst/>
@@ -9025,277 +12394,17 @@
           <a:lstStyle/>
           <a:p>
             <a:r>
-              <a:rPr lang="en-US" sz="2200" dirty="0">
-                <a:latin typeface="Helvetica Neue" charset="0"/>
-                <a:ea typeface="Helvetica Neue" charset="0"/>
-                <a:cs typeface="Helvetica Neue" charset="0"/>
+              <a:rPr lang="en-US" sz="2000" dirty="0" smtClean="0">
+                <a:solidFill>
+                  <a:prstClr val="black"/>
+                </a:solidFill>
               </a:rPr>
-              <a:t>r</a:t>
-            </a:r>
-            <a:r>
-              <a:rPr lang="en-US" sz="2200" dirty="0" smtClean="0">
-                <a:latin typeface="Helvetica Neue" charset="0"/>
-                <a:ea typeface="Helvetica Neue" charset="0"/>
-                <a:cs typeface="Helvetica Neue" charset="0"/>
-              </a:rPr>
-              <a:t>eservation expires</a:t>
-            </a:r>
-            <a:endParaRPr lang="en-US" sz="2200" dirty="0">
-              <a:latin typeface="Helvetica Neue" charset="0"/>
-              <a:ea typeface="Helvetica Neue" charset="0"/>
-              <a:cs typeface="Helvetica Neue" charset="0"/>
-            </a:endParaRPr>
-          </a:p>
-        </p:txBody>
-      </p:sp>
-      <p:sp>
-        <p:nvSpPr>
-          <p:cNvPr id="54" name="TextBox 53"/>
-          <p:cNvSpPr txBox="1"/>
-          <p:nvPr/>
-        </p:nvSpPr>
-        <p:spPr>
-          <a:xfrm>
-            <a:off x="6734168" y="3811909"/>
-            <a:ext cx="1768353" cy="1107996"/>
-          </a:xfrm>
-          <a:prstGeom prst="rect">
-            <a:avLst/>
-          </a:prstGeom>
-          <a:noFill/>
-        </p:spPr>
-        <p:txBody>
-          <a:bodyPr wrap="square" rtlCol="0">
-            <a:spAutoFit/>
-          </a:bodyPr>
-          <a:lstStyle/>
-          <a:p>
-            <a:r>
-              <a:rPr lang="en-US" sz="2200" dirty="0">
-                <a:latin typeface="Helvetica Neue" charset="0"/>
-                <a:ea typeface="Helvetica Neue" charset="0"/>
-                <a:cs typeface="Helvetica Neue" charset="0"/>
-              </a:rPr>
-              <a:t>s</a:t>
-            </a:r>
-            <a:r>
-              <a:rPr lang="en-US" sz="2200" dirty="0" smtClean="0">
-                <a:latin typeface="Helvetica Neue" charset="0"/>
-                <a:ea typeface="Helvetica Neue" charset="0"/>
-                <a:cs typeface="Helvetica Neue" charset="0"/>
-              </a:rPr>
-              <a:t>afe area parking after 1 hour</a:t>
-            </a:r>
-            <a:endParaRPr lang="en-US" sz="2200" dirty="0">
-              <a:latin typeface="Helvetica Neue" charset="0"/>
-              <a:ea typeface="Helvetica Neue" charset="0"/>
-              <a:cs typeface="Helvetica Neue" charset="0"/>
-            </a:endParaRPr>
-          </a:p>
-        </p:txBody>
-      </p:sp>
-      <p:sp>
-        <p:nvSpPr>
-          <p:cNvPr id="55" name="TextBox 54"/>
-          <p:cNvSpPr txBox="1"/>
-          <p:nvPr/>
-        </p:nvSpPr>
-        <p:spPr>
-          <a:xfrm rot="1326618">
-            <a:off x="4997031" y="4251545"/>
-            <a:ext cx="1768353" cy="769441"/>
-          </a:xfrm>
-          <a:prstGeom prst="rect">
-            <a:avLst/>
-          </a:prstGeom>
-          <a:noFill/>
-        </p:spPr>
-        <p:txBody>
-          <a:bodyPr wrap="square" rtlCol="0">
-            <a:spAutoFit/>
-          </a:bodyPr>
-          <a:lstStyle/>
-          <a:p>
-            <a:r>
-              <a:rPr lang="en-US" sz="2200" dirty="0">
-                <a:latin typeface="Helvetica Neue" charset="0"/>
-                <a:ea typeface="Helvetica Neue" charset="0"/>
-                <a:cs typeface="Helvetica Neue" charset="0"/>
-              </a:rPr>
-              <a:t>p</a:t>
-            </a:r>
-            <a:r>
-              <a:rPr lang="en-US" sz="2200" dirty="0" smtClean="0">
-                <a:latin typeface="Helvetica Neue" charset="0"/>
-                <a:ea typeface="Helvetica Neue" charset="0"/>
-                <a:cs typeface="Helvetica Neue" charset="0"/>
-              </a:rPr>
-              <a:t>arking before 1h</a:t>
-            </a:r>
-            <a:endParaRPr lang="en-US" sz="2200" dirty="0">
-              <a:latin typeface="Helvetica Neue" charset="0"/>
-              <a:ea typeface="Helvetica Neue" charset="0"/>
-              <a:cs typeface="Helvetica Neue" charset="0"/>
-            </a:endParaRPr>
-          </a:p>
-        </p:txBody>
-      </p:sp>
-      <p:sp>
-        <p:nvSpPr>
-          <p:cNvPr id="57" name="TextBox 56"/>
-          <p:cNvSpPr txBox="1"/>
-          <p:nvPr/>
-        </p:nvSpPr>
-        <p:spPr>
-          <a:xfrm>
-            <a:off x="4857999" y="5696361"/>
-            <a:ext cx="3555328" cy="1107996"/>
-          </a:xfrm>
-          <a:prstGeom prst="rect">
-            <a:avLst/>
-          </a:prstGeom>
-          <a:noFill/>
-        </p:spPr>
-        <p:txBody>
-          <a:bodyPr wrap="square" rtlCol="0">
-            <a:spAutoFit/>
-          </a:bodyPr>
-          <a:lstStyle/>
-          <a:p>
-            <a:r>
-              <a:rPr lang="en-US" sz="2200" dirty="0" smtClean="0">
-                <a:latin typeface="Helvetica Neue" charset="0"/>
-                <a:ea typeface="Helvetica Neue" charset="0"/>
-                <a:cs typeface="Helvetica Neue" charset="0"/>
-              </a:rPr>
-              <a:t>non-safe area parking after 1 hour or ”battery distance constraint”</a:t>
-            </a:r>
-            <a:endParaRPr lang="en-US" sz="2200" dirty="0">
-              <a:latin typeface="Helvetica Neue" charset="0"/>
-              <a:ea typeface="Helvetica Neue" charset="0"/>
-              <a:cs typeface="Helvetica Neue" charset="0"/>
-            </a:endParaRPr>
-          </a:p>
-        </p:txBody>
-      </p:sp>
-      <p:sp>
-        <p:nvSpPr>
-          <p:cNvPr id="58" name="TextBox 57"/>
-          <p:cNvSpPr txBox="1"/>
-          <p:nvPr/>
-        </p:nvSpPr>
-        <p:spPr>
-          <a:xfrm>
-            <a:off x="527724" y="3738208"/>
-            <a:ext cx="1609005" cy="2462213"/>
-          </a:xfrm>
-          <a:prstGeom prst="rect">
-            <a:avLst/>
-          </a:prstGeom>
-          <a:noFill/>
-        </p:spPr>
-        <p:txBody>
-          <a:bodyPr wrap="square" rtlCol="0">
-            <a:spAutoFit/>
-          </a:bodyPr>
-          <a:lstStyle/>
-          <a:p>
-            <a:r>
-              <a:rPr lang="en-US" sz="2200" dirty="0" smtClean="0">
-                <a:latin typeface="Helvetica Neue" charset="0"/>
-                <a:ea typeface="Helvetica Neue" charset="0"/>
-                <a:cs typeface="Helvetica Neue" charset="0"/>
-              </a:rPr>
-              <a:t>the car was in a non-safe area or “battery distance constraint”</a:t>
-            </a:r>
-            <a:endParaRPr lang="en-US" sz="2200" dirty="0">
-              <a:latin typeface="Helvetica Neue" charset="0"/>
-              <a:ea typeface="Helvetica Neue" charset="0"/>
-              <a:cs typeface="Helvetica Neue" charset="0"/>
-            </a:endParaRPr>
-          </a:p>
-        </p:txBody>
-      </p:sp>
-      <p:sp>
-        <p:nvSpPr>
-          <p:cNvPr id="59" name="TextBox 58"/>
-          <p:cNvSpPr txBox="1"/>
-          <p:nvPr/>
-        </p:nvSpPr>
-        <p:spPr>
-          <a:xfrm>
-            <a:off x="1965205" y="1327339"/>
-            <a:ext cx="1991241" cy="769441"/>
-          </a:xfrm>
-          <a:prstGeom prst="rect">
-            <a:avLst/>
-          </a:prstGeom>
-          <a:noFill/>
-        </p:spPr>
-        <p:txBody>
-          <a:bodyPr wrap="square" rtlCol="0">
-            <a:spAutoFit/>
-          </a:bodyPr>
-          <a:lstStyle/>
-          <a:p>
-            <a:r>
-              <a:rPr lang="en-US" sz="2200" dirty="0" smtClean="0">
-                <a:latin typeface="Helvetica Neue" charset="0"/>
-                <a:ea typeface="Helvetica Neue" charset="0"/>
-                <a:cs typeface="Helvetica Neue" charset="0"/>
-              </a:rPr>
-              <a:t>the car was in a safe area</a:t>
-            </a:r>
-            <a:endParaRPr lang="en-US" sz="2200" dirty="0">
-              <a:latin typeface="Helvetica Neue" charset="0"/>
-              <a:ea typeface="Helvetica Neue" charset="0"/>
-              <a:cs typeface="Helvetica Neue" charset="0"/>
-            </a:endParaRPr>
-          </a:p>
-        </p:txBody>
-      </p:sp>
-      <p:sp>
-        <p:nvSpPr>
-          <p:cNvPr id="60" name="TextBox 59"/>
-          <p:cNvSpPr txBox="1"/>
-          <p:nvPr/>
-        </p:nvSpPr>
-        <p:spPr>
-          <a:xfrm>
-            <a:off x="3639559" y="2689842"/>
-            <a:ext cx="1768353" cy="430887"/>
-          </a:xfrm>
-          <a:prstGeom prst="rect">
-            <a:avLst/>
-          </a:prstGeom>
-          <a:noFill/>
-        </p:spPr>
-        <p:txBody>
-          <a:bodyPr wrap="square" rtlCol="0">
-            <a:spAutoFit/>
-          </a:bodyPr>
-          <a:lstStyle/>
-          <a:p>
-            <a:r>
-              <a:rPr lang="en-US" sz="2200" dirty="0">
-                <a:latin typeface="Helvetica Neue" charset="0"/>
-                <a:ea typeface="Helvetica Neue" charset="0"/>
-                <a:cs typeface="Helvetica Neue" charset="0"/>
-              </a:rPr>
-              <a:t>c</a:t>
-            </a:r>
-            <a:r>
-              <a:rPr lang="en-US" sz="2200" dirty="0" smtClean="0">
-                <a:latin typeface="Helvetica Neue" charset="0"/>
-                <a:ea typeface="Helvetica Neue" charset="0"/>
-                <a:cs typeface="Helvetica Neue" charset="0"/>
-              </a:rPr>
-              <a:t>ar retrieval</a:t>
-            </a:r>
-            <a:endParaRPr lang="en-US" sz="2200" dirty="0">
-              <a:latin typeface="Helvetica Neue" charset="0"/>
-              <a:ea typeface="Helvetica Neue" charset="0"/>
-              <a:cs typeface="Helvetica Neue" charset="0"/>
+              <a:t>Electric powered vehicles owned by PowerEnJoy. </a:t>
+            </a:r>
+            <a:endParaRPr lang="en-US" sz="2000" dirty="0">
+              <a:solidFill>
+                <a:prstClr val="black"/>
+              </a:solidFill>
             </a:endParaRPr>
           </a:p>
         </p:txBody>
@@ -9303,7 +12412,7 @@
     </p:spTree>
     <p:extLst>
       <p:ext uri="{BB962C8B-B14F-4D97-AF65-F5344CB8AC3E}">
-        <p14:creationId xmlns:p14="http://schemas.microsoft.com/office/powerpoint/2010/main" val="1611116845"/>
+        <p14:creationId xmlns:p14="http://schemas.microsoft.com/office/powerpoint/2010/main" val="176571583"/>
       </p:ext>
     </p:extLst>
   </p:cSld>
@@ -9369,12 +12478,9 @@
                 <a:ea typeface="Helvetica Neue" charset="0"/>
                 <a:cs typeface="Helvetica Neue" charset="0"/>
               </a:rPr>
-              <a:t>Car reservation</a:t>
+              <a:t>States of a car</a:t>
             </a:r>
             <a:endParaRPr lang="en-US" sz="6000" dirty="0">
-              <a:solidFill>
-                <a:schemeClr val="accent2"/>
-              </a:solidFill>
               <a:latin typeface="Helvetica Neue" charset="0"/>
               <a:ea typeface="Helvetica Neue" charset="0"/>
               <a:cs typeface="Helvetica Neue" charset="0"/>
@@ -9440,7 +12546,7 @@
         </p:nvSpPr>
         <p:spPr>
           <a:xfrm>
-            <a:off x="11088214" y="6376006"/>
+            <a:off x="11263541" y="6376006"/>
             <a:ext cx="683339" cy="365125"/>
           </a:xfrm>
         </p:spPr>
@@ -9473,14 +12579,677 @@
       </p:sp>
       <p:sp>
         <p:nvSpPr>
-          <p:cNvPr id="8" name="TextBox 7"/>
+          <p:cNvPr id="21" name="Terminator 20"/>
+          <p:cNvSpPr/>
+          <p:nvPr/>
+        </p:nvSpPr>
+        <p:spPr>
+          <a:xfrm>
+            <a:off x="5119687" y="1584427"/>
+            <a:ext cx="2088887" cy="640616"/>
+          </a:xfrm>
+          <a:prstGeom prst="flowChartTerminator">
+            <a:avLst/>
+          </a:prstGeom>
+          <a:solidFill>
+            <a:schemeClr val="accent1"/>
+          </a:solidFill>
+        </p:spPr>
+        <p:style>
+          <a:lnRef idx="2">
+            <a:schemeClr val="accent1">
+              <a:shade val="50000"/>
+            </a:schemeClr>
+          </a:lnRef>
+          <a:fillRef idx="1">
+            <a:schemeClr val="accent1"/>
+          </a:fillRef>
+          <a:effectRef idx="0">
+            <a:schemeClr val="accent1"/>
+          </a:effectRef>
+          <a:fontRef idx="minor">
+            <a:schemeClr val="lt1"/>
+          </a:fontRef>
+        </p:style>
+        <p:txBody>
+          <a:bodyPr rtlCol="0" anchor="ctr"/>
+          <a:lstStyle/>
+          <a:p>
+            <a:pPr algn="ctr"/>
+            <a:r>
+              <a:rPr lang="en-US" sz="2300" b="1" dirty="0" smtClean="0">
+                <a:latin typeface="Helvetica Neue" charset="0"/>
+                <a:ea typeface="Helvetica Neue" charset="0"/>
+                <a:cs typeface="Helvetica Neue" charset="0"/>
+              </a:rPr>
+              <a:t>AVAILABLE</a:t>
+            </a:r>
+            <a:endParaRPr lang="en-US" sz="2300" b="1" dirty="0">
+              <a:latin typeface="Helvetica Neue" charset="0"/>
+              <a:ea typeface="Helvetica Neue" charset="0"/>
+              <a:cs typeface="Helvetica Neue" charset="0"/>
+            </a:endParaRPr>
+          </a:p>
+        </p:txBody>
+      </p:sp>
+      <p:sp>
+        <p:nvSpPr>
+          <p:cNvPr id="24" name="Terminator 23"/>
+          <p:cNvSpPr/>
+          <p:nvPr/>
+        </p:nvSpPr>
+        <p:spPr>
+          <a:xfrm>
+            <a:off x="9315025" y="3058128"/>
+            <a:ext cx="2088887" cy="640616"/>
+          </a:xfrm>
+          <a:prstGeom prst="flowChartTerminator">
+            <a:avLst/>
+          </a:prstGeom>
+          <a:solidFill>
+            <a:schemeClr val="accent1"/>
+          </a:solidFill>
+        </p:spPr>
+        <p:style>
+          <a:lnRef idx="2">
+            <a:schemeClr val="accent1">
+              <a:shade val="50000"/>
+            </a:schemeClr>
+          </a:lnRef>
+          <a:fillRef idx="1">
+            <a:schemeClr val="accent1"/>
+          </a:fillRef>
+          <a:effectRef idx="0">
+            <a:schemeClr val="accent1"/>
+          </a:effectRef>
+          <a:fontRef idx="minor">
+            <a:schemeClr val="lt1"/>
+          </a:fontRef>
+        </p:style>
+        <p:txBody>
+          <a:bodyPr rtlCol="0" anchor="ctr"/>
+          <a:lstStyle/>
+          <a:p>
+            <a:pPr algn="ctr"/>
+            <a:r>
+              <a:rPr lang="en-US" sz="2300" b="1" dirty="0" smtClean="0">
+                <a:latin typeface="Helvetica Neue" charset="0"/>
+                <a:ea typeface="Helvetica Neue" charset="0"/>
+                <a:cs typeface="Helvetica Neue" charset="0"/>
+              </a:rPr>
+              <a:t>RESERVED</a:t>
+            </a:r>
+            <a:endParaRPr lang="en-US" sz="2300" b="1" dirty="0">
+              <a:latin typeface="Helvetica Neue" charset="0"/>
+              <a:ea typeface="Helvetica Neue" charset="0"/>
+              <a:cs typeface="Helvetica Neue" charset="0"/>
+            </a:endParaRPr>
+          </a:p>
+        </p:txBody>
+      </p:sp>
+      <p:sp>
+        <p:nvSpPr>
+          <p:cNvPr id="25" name="Terminator 24"/>
+          <p:cNvSpPr/>
+          <p:nvPr/>
+        </p:nvSpPr>
+        <p:spPr>
+          <a:xfrm>
+            <a:off x="7928911" y="5400785"/>
+            <a:ext cx="2088887" cy="640616"/>
+          </a:xfrm>
+          <a:prstGeom prst="flowChartTerminator">
+            <a:avLst/>
+          </a:prstGeom>
+          <a:solidFill>
+            <a:schemeClr val="accent1"/>
+          </a:solidFill>
+        </p:spPr>
+        <p:style>
+          <a:lnRef idx="2">
+            <a:schemeClr val="accent1">
+              <a:shade val="50000"/>
+            </a:schemeClr>
+          </a:lnRef>
+          <a:fillRef idx="1">
+            <a:schemeClr val="accent1"/>
+          </a:fillRef>
+          <a:effectRef idx="0">
+            <a:schemeClr val="accent1"/>
+          </a:effectRef>
+          <a:fontRef idx="minor">
+            <a:schemeClr val="lt1"/>
+          </a:fontRef>
+        </p:style>
+        <p:txBody>
+          <a:bodyPr rtlCol="0" anchor="ctr"/>
+          <a:lstStyle/>
+          <a:p>
+            <a:pPr algn="ctr"/>
+            <a:r>
+              <a:rPr lang="en-US" sz="2300" b="1" smtClean="0">
+                <a:latin typeface="Helvetica Neue" charset="0"/>
+                <a:ea typeface="Helvetica Neue" charset="0"/>
+                <a:cs typeface="Helvetica Neue" charset="0"/>
+              </a:rPr>
+              <a:t>RUNNING</a:t>
+            </a:r>
+            <a:endParaRPr lang="en-US" sz="2300" b="1" dirty="0">
+              <a:latin typeface="Helvetica Neue" charset="0"/>
+              <a:ea typeface="Helvetica Neue" charset="0"/>
+              <a:cs typeface="Helvetica Neue" charset="0"/>
+            </a:endParaRPr>
+          </a:p>
+        </p:txBody>
+      </p:sp>
+      <p:sp>
+        <p:nvSpPr>
+          <p:cNvPr id="26" name="Terminator 25"/>
+          <p:cNvSpPr/>
+          <p:nvPr/>
+        </p:nvSpPr>
+        <p:spPr>
+          <a:xfrm>
+            <a:off x="2347521" y="5400785"/>
+            <a:ext cx="2417321" cy="640616"/>
+          </a:xfrm>
+          <a:prstGeom prst="flowChartTerminator">
+            <a:avLst/>
+          </a:prstGeom>
+          <a:solidFill>
+            <a:schemeClr val="accent1"/>
+          </a:solidFill>
+        </p:spPr>
+        <p:style>
+          <a:lnRef idx="2">
+            <a:schemeClr val="accent1">
+              <a:shade val="50000"/>
+            </a:schemeClr>
+          </a:lnRef>
+          <a:fillRef idx="1">
+            <a:schemeClr val="accent1"/>
+          </a:fillRef>
+          <a:effectRef idx="0">
+            <a:schemeClr val="accent1"/>
+          </a:effectRef>
+          <a:fontRef idx="minor">
+            <a:schemeClr val="lt1"/>
+          </a:fontRef>
+        </p:style>
+        <p:txBody>
+          <a:bodyPr rtlCol="0" anchor="ctr"/>
+          <a:lstStyle/>
+          <a:p>
+            <a:pPr algn="ctr"/>
+            <a:r>
+              <a:rPr lang="en-US" sz="2300" b="1" dirty="0" smtClean="0">
+                <a:latin typeface="Helvetica Neue" charset="0"/>
+                <a:ea typeface="Helvetica Neue" charset="0"/>
+                <a:cs typeface="Helvetica Neue" charset="0"/>
+              </a:rPr>
+              <a:t>DISLOCATED</a:t>
+            </a:r>
+            <a:endParaRPr lang="en-US" sz="2300" b="1" dirty="0">
+              <a:latin typeface="Helvetica Neue" charset="0"/>
+              <a:ea typeface="Helvetica Neue" charset="0"/>
+              <a:cs typeface="Helvetica Neue" charset="0"/>
+            </a:endParaRPr>
+          </a:p>
+        </p:txBody>
+      </p:sp>
+      <p:sp>
+        <p:nvSpPr>
+          <p:cNvPr id="28" name="Terminator 27"/>
+          <p:cNvSpPr/>
+          <p:nvPr/>
+        </p:nvSpPr>
+        <p:spPr>
+          <a:xfrm>
+            <a:off x="515686" y="3020443"/>
+            <a:ext cx="2837825" cy="640616"/>
+          </a:xfrm>
+          <a:prstGeom prst="flowChartTerminator">
+            <a:avLst/>
+          </a:prstGeom>
+          <a:solidFill>
+            <a:schemeClr val="accent1"/>
+          </a:solidFill>
+        </p:spPr>
+        <p:style>
+          <a:lnRef idx="2">
+            <a:schemeClr val="accent1">
+              <a:shade val="50000"/>
+            </a:schemeClr>
+          </a:lnRef>
+          <a:fillRef idx="1">
+            <a:schemeClr val="accent1"/>
+          </a:fillRef>
+          <a:effectRef idx="0">
+            <a:schemeClr val="accent1"/>
+          </a:effectRef>
+          <a:fontRef idx="minor">
+            <a:schemeClr val="lt1"/>
+          </a:fontRef>
+        </p:style>
+        <p:txBody>
+          <a:bodyPr rtlCol="0" anchor="ctr"/>
+          <a:lstStyle/>
+          <a:p>
+            <a:pPr algn="ctr"/>
+            <a:r>
+              <a:rPr lang="en-US" sz="2300" b="1" dirty="0" smtClean="0">
+                <a:latin typeface="Helvetica Neue" charset="0"/>
+                <a:ea typeface="Helvetica Neue" charset="0"/>
+                <a:cs typeface="Helvetica Neue" charset="0"/>
+              </a:rPr>
+              <a:t>NOT AVAILABLE</a:t>
+            </a:r>
+            <a:endParaRPr lang="en-US" sz="2300" b="1" dirty="0">
+              <a:latin typeface="Helvetica Neue" charset="0"/>
+              <a:ea typeface="Helvetica Neue" charset="0"/>
+              <a:cs typeface="Helvetica Neue" charset="0"/>
+            </a:endParaRPr>
+          </a:p>
+        </p:txBody>
+      </p:sp>
+      <p:sp>
+        <p:nvSpPr>
+          <p:cNvPr id="31" name="Arc 30"/>
+          <p:cNvSpPr/>
+          <p:nvPr/>
+        </p:nvSpPr>
+        <p:spPr>
+          <a:xfrm>
+            <a:off x="4038257" y="1863660"/>
+            <a:ext cx="6400800" cy="2425786"/>
+          </a:xfrm>
+          <a:prstGeom prst="arc">
+            <a:avLst/>
+          </a:prstGeom>
+          <a:ln w="25400">
+            <a:solidFill>
+              <a:schemeClr val="accent2"/>
+            </a:solidFill>
+            <a:tailEnd type="triangle" w="lg" len="lg"/>
+          </a:ln>
+        </p:spPr>
+        <p:style>
+          <a:lnRef idx="1">
+            <a:schemeClr val="accent1"/>
+          </a:lnRef>
+          <a:fillRef idx="0">
+            <a:schemeClr val="accent1"/>
+          </a:fillRef>
+          <a:effectRef idx="0">
+            <a:schemeClr val="accent1"/>
+          </a:effectRef>
+          <a:fontRef idx="minor">
+            <a:schemeClr val="tx1"/>
+          </a:fontRef>
+        </p:style>
+        <p:txBody>
+          <a:bodyPr rtlCol="0" anchor="ctr"/>
+          <a:lstStyle/>
+          <a:p>
+            <a:pPr algn="ctr"/>
+            <a:endParaRPr lang="en-US" dirty="0"/>
+          </a:p>
+        </p:txBody>
+      </p:sp>
+      <p:sp>
+        <p:nvSpPr>
+          <p:cNvPr id="34" name="Arc 33"/>
+          <p:cNvSpPr/>
+          <p:nvPr/>
+        </p:nvSpPr>
+        <p:spPr>
+          <a:xfrm rot="5400000">
+            <a:off x="8066860" y="3278588"/>
+            <a:ext cx="3971105" cy="951009"/>
+          </a:xfrm>
+          <a:prstGeom prst="arc">
+            <a:avLst/>
+          </a:prstGeom>
+          <a:ln w="25400">
+            <a:solidFill>
+              <a:schemeClr val="accent2"/>
+            </a:solidFill>
+            <a:tailEnd type="triangle" w="lg" len="lg"/>
+          </a:ln>
+        </p:spPr>
+        <p:style>
+          <a:lnRef idx="1">
+            <a:schemeClr val="accent1"/>
+          </a:lnRef>
+          <a:fillRef idx="0">
+            <a:schemeClr val="accent1"/>
+          </a:fillRef>
+          <a:effectRef idx="0">
+            <a:schemeClr val="accent1"/>
+          </a:effectRef>
+          <a:fontRef idx="minor">
+            <a:schemeClr val="tx1"/>
+          </a:fontRef>
+        </p:style>
+        <p:txBody>
+          <a:bodyPr rtlCol="0" anchor="ctr"/>
+          <a:lstStyle/>
+          <a:p>
+            <a:pPr algn="ctr"/>
+            <a:endParaRPr lang="en-US"/>
+          </a:p>
+        </p:txBody>
+      </p:sp>
+      <p:sp>
+        <p:nvSpPr>
+          <p:cNvPr id="35" name="Arc 34"/>
+          <p:cNvSpPr/>
+          <p:nvPr/>
+        </p:nvSpPr>
+        <p:spPr>
+          <a:xfrm flipH="1" flipV="1">
+            <a:off x="6554118" y="1150455"/>
+            <a:ext cx="5518484" cy="2237873"/>
+          </a:xfrm>
+          <a:prstGeom prst="arc">
+            <a:avLst/>
+          </a:prstGeom>
+          <a:ln w="25400">
+            <a:solidFill>
+              <a:schemeClr val="accent2"/>
+            </a:solidFill>
+            <a:tailEnd type="triangle" w="lg" len="lg"/>
+          </a:ln>
+        </p:spPr>
+        <p:style>
+          <a:lnRef idx="1">
+            <a:schemeClr val="accent1"/>
+          </a:lnRef>
+          <a:fillRef idx="0">
+            <a:schemeClr val="accent1"/>
+          </a:fillRef>
+          <a:effectRef idx="0">
+            <a:schemeClr val="accent1"/>
+          </a:effectRef>
+          <a:fontRef idx="minor">
+            <a:schemeClr val="tx1"/>
+          </a:fontRef>
+        </p:style>
+        <p:txBody>
+          <a:bodyPr rtlCol="0" anchor="ctr"/>
+          <a:lstStyle/>
+          <a:p>
+            <a:pPr algn="ctr"/>
+            <a:endParaRPr lang="en-US"/>
+          </a:p>
+        </p:txBody>
+      </p:sp>
+      <p:cxnSp>
+        <p:nvCxnSpPr>
+          <p:cNvPr id="37" name="Straight Arrow Connector 36"/>
+          <p:cNvCxnSpPr>
+            <a:stCxn id="25" idx="1"/>
+            <a:endCxn id="26" idx="3"/>
+          </p:cNvCxnSpPr>
+          <p:nvPr/>
+        </p:nvCxnSpPr>
+        <p:spPr>
+          <a:xfrm flipH="1">
+            <a:off x="4764842" y="5721093"/>
+            <a:ext cx="3164069" cy="0"/>
+          </a:xfrm>
+          <a:prstGeom prst="straightConnector1">
+            <a:avLst/>
+          </a:prstGeom>
+          <a:ln w="25400">
+            <a:solidFill>
+              <a:schemeClr val="accent2"/>
+            </a:solidFill>
+            <a:tailEnd type="triangle" w="lg" len="lg"/>
+          </a:ln>
+        </p:spPr>
+        <p:style>
+          <a:lnRef idx="1">
+            <a:schemeClr val="accent1"/>
+          </a:lnRef>
+          <a:fillRef idx="0">
+            <a:schemeClr val="accent1"/>
+          </a:fillRef>
+          <a:effectRef idx="0">
+            <a:schemeClr val="accent1"/>
+          </a:effectRef>
+          <a:fontRef idx="minor">
+            <a:schemeClr val="tx1"/>
+          </a:fontRef>
+        </p:style>
+      </p:cxnSp>
+      <p:sp>
+        <p:nvSpPr>
+          <p:cNvPr id="42" name="Arc 41"/>
+          <p:cNvSpPr/>
+          <p:nvPr/>
+        </p:nvSpPr>
+        <p:spPr>
+          <a:xfrm rot="674885" flipH="1" flipV="1">
+            <a:off x="6159025" y="-156321"/>
+            <a:ext cx="4786520" cy="5744495"/>
+          </a:xfrm>
+          <a:prstGeom prst="arc">
+            <a:avLst/>
+          </a:prstGeom>
+          <a:ln w="28575">
+            <a:solidFill>
+              <a:schemeClr val="accent2"/>
+            </a:solidFill>
+            <a:tailEnd type="triangle" w="lg" len="lg"/>
+          </a:ln>
+        </p:spPr>
+        <p:style>
+          <a:lnRef idx="1">
+            <a:schemeClr val="accent1"/>
+          </a:lnRef>
+          <a:fillRef idx="0">
+            <a:schemeClr val="accent1"/>
+          </a:fillRef>
+          <a:effectRef idx="0">
+            <a:schemeClr val="accent1"/>
+          </a:effectRef>
+          <a:fontRef idx="minor">
+            <a:schemeClr val="tx1"/>
+          </a:fontRef>
+        </p:style>
+        <p:txBody>
+          <a:bodyPr rtlCol="0" anchor="ctr"/>
+          <a:lstStyle/>
+          <a:p>
+            <a:pPr algn="ctr"/>
+            <a:endParaRPr lang="en-US"/>
+          </a:p>
+        </p:txBody>
+      </p:sp>
+      <p:sp>
+        <p:nvSpPr>
+          <p:cNvPr id="43" name="Arc 42"/>
+          <p:cNvSpPr/>
+          <p:nvPr/>
+        </p:nvSpPr>
+        <p:spPr>
+          <a:xfrm rot="674885" flipH="1" flipV="1">
+            <a:off x="2643557" y="1541002"/>
+            <a:ext cx="11412186" cy="4126746"/>
+          </a:xfrm>
+          <a:prstGeom prst="arc">
+            <a:avLst>
+              <a:gd name="adj1" fmla="val 16229911"/>
+              <a:gd name="adj2" fmla="val 20917201"/>
+            </a:avLst>
+          </a:prstGeom>
+          <a:ln w="28575">
+            <a:solidFill>
+              <a:schemeClr val="accent2"/>
+            </a:solidFill>
+            <a:tailEnd type="triangle" w="lg" len="lg"/>
+          </a:ln>
+        </p:spPr>
+        <p:style>
+          <a:lnRef idx="1">
+            <a:schemeClr val="accent1"/>
+          </a:lnRef>
+          <a:fillRef idx="0">
+            <a:schemeClr val="accent1"/>
+          </a:fillRef>
+          <a:effectRef idx="0">
+            <a:schemeClr val="accent1"/>
+          </a:effectRef>
+          <a:fontRef idx="minor">
+            <a:schemeClr val="tx1"/>
+          </a:fontRef>
+        </p:style>
+        <p:txBody>
+          <a:bodyPr rtlCol="0" anchor="ctr"/>
+          <a:lstStyle/>
+          <a:p>
+            <a:pPr algn="ctr"/>
+            <a:endParaRPr lang="en-US"/>
+          </a:p>
+        </p:txBody>
+      </p:sp>
+      <p:cxnSp>
+        <p:nvCxnSpPr>
+          <p:cNvPr id="45" name="Straight Arrow Connector 44"/>
+          <p:cNvCxnSpPr>
+            <a:stCxn id="26" idx="0"/>
+          </p:cNvCxnSpPr>
+          <p:nvPr/>
+        </p:nvCxnSpPr>
+        <p:spPr>
+          <a:xfrm flipV="1">
+            <a:off x="3556182" y="2225043"/>
+            <a:ext cx="2260802" cy="3175742"/>
+          </a:xfrm>
+          <a:prstGeom prst="straightConnector1">
+            <a:avLst/>
+          </a:prstGeom>
+          <a:ln w="25400">
+            <a:solidFill>
+              <a:schemeClr val="accent2"/>
+            </a:solidFill>
+            <a:tailEnd type="triangle" w="lg" len="lg"/>
+          </a:ln>
+        </p:spPr>
+        <p:style>
+          <a:lnRef idx="1">
+            <a:schemeClr val="accent1"/>
+          </a:lnRef>
+          <a:fillRef idx="0">
+            <a:schemeClr val="accent1"/>
+          </a:fillRef>
+          <a:effectRef idx="0">
+            <a:schemeClr val="accent1"/>
+          </a:effectRef>
+          <a:fontRef idx="minor">
+            <a:schemeClr val="tx1"/>
+          </a:fontRef>
+        </p:style>
+      </p:cxnSp>
+      <p:sp>
+        <p:nvSpPr>
+          <p:cNvPr id="49" name="Arc 48"/>
+          <p:cNvSpPr/>
+          <p:nvPr/>
+        </p:nvSpPr>
+        <p:spPr>
+          <a:xfrm rot="16200000">
+            <a:off x="3964871" y="-322393"/>
+            <a:ext cx="2203597" cy="6608853"/>
+          </a:xfrm>
+          <a:prstGeom prst="arc">
+            <a:avLst/>
+          </a:prstGeom>
+          <a:ln w="25400">
+            <a:solidFill>
+              <a:schemeClr val="accent2"/>
+            </a:solidFill>
+            <a:tailEnd type="triangle" w="lg" len="lg"/>
+          </a:ln>
+        </p:spPr>
+        <p:style>
+          <a:lnRef idx="1">
+            <a:schemeClr val="accent1"/>
+          </a:lnRef>
+          <a:fillRef idx="0">
+            <a:schemeClr val="accent1"/>
+          </a:fillRef>
+          <a:effectRef idx="0">
+            <a:schemeClr val="accent1"/>
+          </a:effectRef>
+          <a:fontRef idx="minor">
+            <a:schemeClr val="tx1"/>
+          </a:fontRef>
+        </p:style>
+        <p:txBody>
+          <a:bodyPr rtlCol="0" anchor="ctr"/>
+          <a:lstStyle/>
+          <a:p>
+            <a:pPr algn="ctr"/>
+            <a:endParaRPr lang="en-US" dirty="0"/>
+          </a:p>
+        </p:txBody>
+      </p:sp>
+      <p:sp>
+        <p:nvSpPr>
+          <p:cNvPr id="50" name="Arc 49"/>
+          <p:cNvSpPr/>
+          <p:nvPr/>
+        </p:nvSpPr>
+        <p:spPr>
+          <a:xfrm rot="16200000" flipH="1">
+            <a:off x="233643" y="3097551"/>
+            <a:ext cx="4155218" cy="1128973"/>
+          </a:xfrm>
+          <a:prstGeom prst="arc">
+            <a:avLst/>
+          </a:prstGeom>
+          <a:ln w="25400">
+            <a:solidFill>
+              <a:schemeClr val="accent2"/>
+            </a:solidFill>
+            <a:tailEnd type="triangle" w="lg" len="lg"/>
+          </a:ln>
+        </p:spPr>
+        <p:style>
+          <a:lnRef idx="1">
+            <a:schemeClr val="accent1"/>
+          </a:lnRef>
+          <a:fillRef idx="0">
+            <a:schemeClr val="accent1"/>
+          </a:fillRef>
+          <a:effectRef idx="0">
+            <a:schemeClr val="accent1"/>
+          </a:effectRef>
+          <a:fontRef idx="minor">
+            <a:schemeClr val="tx1"/>
+          </a:fontRef>
+        </p:style>
+        <p:txBody>
+          <a:bodyPr rtlCol="0" anchor="ctr"/>
+          <a:lstStyle/>
+          <a:p>
+            <a:pPr algn="ctr"/>
+            <a:endParaRPr lang="en-US" dirty="0"/>
+          </a:p>
+        </p:txBody>
+      </p:sp>
+      <p:sp>
+        <p:nvSpPr>
+          <p:cNvPr id="51" name="TextBox 50"/>
           <p:cNvSpPr txBox="1"/>
           <p:nvPr/>
         </p:nvSpPr>
         <p:spPr>
-          <a:xfrm>
-            <a:off x="677334" y="1584960"/>
-            <a:ext cx="3358218" cy="646331"/>
+          <a:xfrm rot="633656">
+            <a:off x="8200097" y="1671436"/>
+            <a:ext cx="3014206" cy="430887"/>
           </a:xfrm>
           <a:prstGeom prst="rect">
             <a:avLst/>
@@ -9494,23 +13263,369 @@
           <a:lstStyle/>
           <a:p>
             <a:r>
-              <a:rPr lang="en-US" dirty="0" smtClean="0"/>
-              <a:t>• Tap on “reserve a car”</a:t>
-            </a:r>
-          </a:p>
-          <a:p>
-            <a:r>
-              <a:rPr lang="en-US" smtClean="0"/>
-              <a:t>• </a:t>
-            </a:r>
-            <a:endParaRPr lang="en-US" dirty="0"/>
+              <a:rPr lang="en-US" sz="2200" dirty="0" smtClean="0">
+                <a:latin typeface="Helvetica Neue" charset="0"/>
+                <a:ea typeface="Helvetica Neue" charset="0"/>
+                <a:cs typeface="Helvetica Neue" charset="0"/>
+              </a:rPr>
+              <a:t>car reservation</a:t>
+            </a:r>
+            <a:endParaRPr lang="en-US" sz="2200" dirty="0">
+              <a:latin typeface="Helvetica Neue" charset="0"/>
+              <a:ea typeface="Helvetica Neue" charset="0"/>
+              <a:cs typeface="Helvetica Neue" charset="0"/>
+            </a:endParaRPr>
+          </a:p>
+        </p:txBody>
+      </p:sp>
+      <p:sp>
+        <p:nvSpPr>
+          <p:cNvPr id="52" name="TextBox 51"/>
+          <p:cNvSpPr txBox="1"/>
+          <p:nvPr/>
+        </p:nvSpPr>
+        <p:spPr>
+          <a:xfrm>
+            <a:off x="10537561" y="4214740"/>
+            <a:ext cx="1409319" cy="1107996"/>
+          </a:xfrm>
+          <a:prstGeom prst="rect">
+            <a:avLst/>
+          </a:prstGeom>
+          <a:noFill/>
+        </p:spPr>
+        <p:txBody>
+          <a:bodyPr wrap="square" rtlCol="0">
+            <a:spAutoFit/>
+          </a:bodyPr>
+          <a:lstStyle/>
+          <a:p>
+            <a:r>
+              <a:rPr lang="en-US" sz="2200" dirty="0">
+                <a:latin typeface="Helvetica Neue" charset="0"/>
+                <a:ea typeface="Helvetica Neue" charset="0"/>
+                <a:cs typeface="Helvetica Neue" charset="0"/>
+              </a:rPr>
+              <a:t>u</a:t>
+            </a:r>
+            <a:r>
+              <a:rPr lang="en-US" sz="2200" dirty="0" smtClean="0">
+                <a:latin typeface="Helvetica Neue" charset="0"/>
+                <a:ea typeface="Helvetica Neue" charset="0"/>
+                <a:cs typeface="Helvetica Neue" charset="0"/>
+              </a:rPr>
+              <a:t>nlocking and ignition</a:t>
+            </a:r>
+            <a:endParaRPr lang="en-US" sz="2200" dirty="0">
+              <a:latin typeface="Helvetica Neue" charset="0"/>
+              <a:ea typeface="Helvetica Neue" charset="0"/>
+              <a:cs typeface="Helvetica Neue" charset="0"/>
+            </a:endParaRPr>
+          </a:p>
+        </p:txBody>
+      </p:sp>
+      <p:sp>
+        <p:nvSpPr>
+          <p:cNvPr id="53" name="TextBox 52"/>
+          <p:cNvSpPr txBox="1"/>
+          <p:nvPr/>
+        </p:nvSpPr>
+        <p:spPr>
+          <a:xfrm rot="1157035">
+            <a:off x="6670235" y="2644857"/>
+            <a:ext cx="3014206" cy="430887"/>
+          </a:xfrm>
+          <a:prstGeom prst="rect">
+            <a:avLst/>
+          </a:prstGeom>
+          <a:noFill/>
+        </p:spPr>
+        <p:txBody>
+          <a:bodyPr wrap="square" rtlCol="0">
+            <a:spAutoFit/>
+          </a:bodyPr>
+          <a:lstStyle/>
+          <a:p>
+            <a:r>
+              <a:rPr lang="en-US" sz="2200" dirty="0">
+                <a:latin typeface="Helvetica Neue" charset="0"/>
+                <a:ea typeface="Helvetica Neue" charset="0"/>
+                <a:cs typeface="Helvetica Neue" charset="0"/>
+              </a:rPr>
+              <a:t>r</a:t>
+            </a:r>
+            <a:r>
+              <a:rPr lang="en-US" sz="2200" dirty="0" smtClean="0">
+                <a:latin typeface="Helvetica Neue" charset="0"/>
+                <a:ea typeface="Helvetica Neue" charset="0"/>
+                <a:cs typeface="Helvetica Neue" charset="0"/>
+              </a:rPr>
+              <a:t>eservation expires</a:t>
+            </a:r>
+            <a:endParaRPr lang="en-US" sz="2200" dirty="0">
+              <a:latin typeface="Helvetica Neue" charset="0"/>
+              <a:ea typeface="Helvetica Neue" charset="0"/>
+              <a:cs typeface="Helvetica Neue" charset="0"/>
+            </a:endParaRPr>
+          </a:p>
+        </p:txBody>
+      </p:sp>
+      <p:sp>
+        <p:nvSpPr>
+          <p:cNvPr id="54" name="TextBox 53"/>
+          <p:cNvSpPr txBox="1"/>
+          <p:nvPr/>
+        </p:nvSpPr>
+        <p:spPr>
+          <a:xfrm>
+            <a:off x="6734168" y="3811909"/>
+            <a:ext cx="1768353" cy="1107996"/>
+          </a:xfrm>
+          <a:prstGeom prst="rect">
+            <a:avLst/>
+          </a:prstGeom>
+          <a:noFill/>
+        </p:spPr>
+        <p:txBody>
+          <a:bodyPr wrap="square" rtlCol="0">
+            <a:spAutoFit/>
+          </a:bodyPr>
+          <a:lstStyle/>
+          <a:p>
+            <a:r>
+              <a:rPr lang="en-US" sz="2200" dirty="0">
+                <a:latin typeface="Helvetica Neue" charset="0"/>
+                <a:ea typeface="Helvetica Neue" charset="0"/>
+                <a:cs typeface="Helvetica Neue" charset="0"/>
+              </a:rPr>
+              <a:t>s</a:t>
+            </a:r>
+            <a:r>
+              <a:rPr lang="en-US" sz="2200" dirty="0" smtClean="0">
+                <a:latin typeface="Helvetica Neue" charset="0"/>
+                <a:ea typeface="Helvetica Neue" charset="0"/>
+                <a:cs typeface="Helvetica Neue" charset="0"/>
+              </a:rPr>
+              <a:t>afe area parking after 1 hour</a:t>
+            </a:r>
+            <a:endParaRPr lang="en-US" sz="2200" dirty="0">
+              <a:latin typeface="Helvetica Neue" charset="0"/>
+              <a:ea typeface="Helvetica Neue" charset="0"/>
+              <a:cs typeface="Helvetica Neue" charset="0"/>
+            </a:endParaRPr>
+          </a:p>
+        </p:txBody>
+      </p:sp>
+      <p:sp>
+        <p:nvSpPr>
+          <p:cNvPr id="55" name="TextBox 54"/>
+          <p:cNvSpPr txBox="1"/>
+          <p:nvPr/>
+        </p:nvSpPr>
+        <p:spPr>
+          <a:xfrm rot="1326618">
+            <a:off x="4997031" y="4251545"/>
+            <a:ext cx="1768353" cy="769441"/>
+          </a:xfrm>
+          <a:prstGeom prst="rect">
+            <a:avLst/>
+          </a:prstGeom>
+          <a:noFill/>
+        </p:spPr>
+        <p:txBody>
+          <a:bodyPr wrap="square" rtlCol="0">
+            <a:spAutoFit/>
+          </a:bodyPr>
+          <a:lstStyle/>
+          <a:p>
+            <a:r>
+              <a:rPr lang="en-US" sz="2200" dirty="0">
+                <a:latin typeface="Helvetica Neue" charset="0"/>
+                <a:ea typeface="Helvetica Neue" charset="0"/>
+                <a:cs typeface="Helvetica Neue" charset="0"/>
+              </a:rPr>
+              <a:t>p</a:t>
+            </a:r>
+            <a:r>
+              <a:rPr lang="en-US" sz="2200" dirty="0" smtClean="0">
+                <a:latin typeface="Helvetica Neue" charset="0"/>
+                <a:ea typeface="Helvetica Neue" charset="0"/>
+                <a:cs typeface="Helvetica Neue" charset="0"/>
+              </a:rPr>
+              <a:t>arking before 1h</a:t>
+            </a:r>
+            <a:endParaRPr lang="en-US" sz="2200" dirty="0">
+              <a:latin typeface="Helvetica Neue" charset="0"/>
+              <a:ea typeface="Helvetica Neue" charset="0"/>
+              <a:cs typeface="Helvetica Neue" charset="0"/>
+            </a:endParaRPr>
+          </a:p>
+        </p:txBody>
+      </p:sp>
+      <p:sp>
+        <p:nvSpPr>
+          <p:cNvPr id="57" name="TextBox 56"/>
+          <p:cNvSpPr txBox="1"/>
+          <p:nvPr/>
+        </p:nvSpPr>
+        <p:spPr>
+          <a:xfrm>
+            <a:off x="4857999" y="5696361"/>
+            <a:ext cx="3555328" cy="1107996"/>
+          </a:xfrm>
+          <a:prstGeom prst="rect">
+            <a:avLst/>
+          </a:prstGeom>
+          <a:noFill/>
+        </p:spPr>
+        <p:txBody>
+          <a:bodyPr wrap="square" rtlCol="0">
+            <a:spAutoFit/>
+          </a:bodyPr>
+          <a:lstStyle/>
+          <a:p>
+            <a:r>
+              <a:rPr lang="en-US" sz="2200" dirty="0" smtClean="0">
+                <a:latin typeface="Helvetica Neue" charset="0"/>
+                <a:ea typeface="Helvetica Neue" charset="0"/>
+                <a:cs typeface="Helvetica Neue" charset="0"/>
+              </a:rPr>
+              <a:t>non-safe area parking after 1 hour or ”battery distance constraint”</a:t>
+            </a:r>
+            <a:endParaRPr lang="en-US" sz="2200" dirty="0">
+              <a:latin typeface="Helvetica Neue" charset="0"/>
+              <a:ea typeface="Helvetica Neue" charset="0"/>
+              <a:cs typeface="Helvetica Neue" charset="0"/>
+            </a:endParaRPr>
+          </a:p>
+        </p:txBody>
+      </p:sp>
+      <p:sp>
+        <p:nvSpPr>
+          <p:cNvPr id="58" name="TextBox 57"/>
+          <p:cNvSpPr txBox="1"/>
+          <p:nvPr/>
+        </p:nvSpPr>
+        <p:spPr>
+          <a:xfrm>
+            <a:off x="527724" y="3738208"/>
+            <a:ext cx="1609005" cy="2462213"/>
+          </a:xfrm>
+          <a:prstGeom prst="rect">
+            <a:avLst/>
+          </a:prstGeom>
+          <a:noFill/>
+        </p:spPr>
+        <p:txBody>
+          <a:bodyPr wrap="square" rtlCol="0">
+            <a:spAutoFit/>
+          </a:bodyPr>
+          <a:lstStyle/>
+          <a:p>
+            <a:r>
+              <a:rPr lang="en-US" sz="2200" dirty="0" smtClean="0">
+                <a:latin typeface="Helvetica Neue" charset="0"/>
+                <a:ea typeface="Helvetica Neue" charset="0"/>
+                <a:cs typeface="Helvetica Neue" charset="0"/>
+              </a:rPr>
+              <a:t>the car was in a non-safe area or “battery distance constraint”</a:t>
+            </a:r>
+            <a:endParaRPr lang="en-US" sz="2200" dirty="0">
+              <a:latin typeface="Helvetica Neue" charset="0"/>
+              <a:ea typeface="Helvetica Neue" charset="0"/>
+              <a:cs typeface="Helvetica Neue" charset="0"/>
+            </a:endParaRPr>
+          </a:p>
+        </p:txBody>
+      </p:sp>
+      <p:sp>
+        <p:nvSpPr>
+          <p:cNvPr id="59" name="TextBox 58"/>
+          <p:cNvSpPr txBox="1"/>
+          <p:nvPr/>
+        </p:nvSpPr>
+        <p:spPr>
+          <a:xfrm>
+            <a:off x="1965205" y="1327339"/>
+            <a:ext cx="1991241" cy="769441"/>
+          </a:xfrm>
+          <a:prstGeom prst="rect">
+            <a:avLst/>
+          </a:prstGeom>
+          <a:noFill/>
+        </p:spPr>
+        <p:txBody>
+          <a:bodyPr wrap="square" rtlCol="0">
+            <a:spAutoFit/>
+          </a:bodyPr>
+          <a:lstStyle/>
+          <a:p>
+            <a:r>
+              <a:rPr lang="en-US" sz="2200" dirty="0" smtClean="0">
+                <a:latin typeface="Helvetica Neue" charset="0"/>
+                <a:ea typeface="Helvetica Neue" charset="0"/>
+                <a:cs typeface="Helvetica Neue" charset="0"/>
+              </a:rPr>
+              <a:t>the car was in a safe area</a:t>
+            </a:r>
+            <a:endParaRPr lang="en-US" sz="2200" dirty="0">
+              <a:latin typeface="Helvetica Neue" charset="0"/>
+              <a:ea typeface="Helvetica Neue" charset="0"/>
+              <a:cs typeface="Helvetica Neue" charset="0"/>
+            </a:endParaRPr>
+          </a:p>
+        </p:txBody>
+      </p:sp>
+      <p:sp>
+        <p:nvSpPr>
+          <p:cNvPr id="60" name="TextBox 59"/>
+          <p:cNvSpPr txBox="1"/>
+          <p:nvPr/>
+        </p:nvSpPr>
+        <p:spPr>
+          <a:xfrm>
+            <a:off x="3689671" y="2569851"/>
+            <a:ext cx="1768353" cy="430887"/>
+          </a:xfrm>
+          <a:prstGeom prst="rect">
+            <a:avLst/>
+          </a:prstGeom>
+          <a:noFill/>
+        </p:spPr>
+        <p:txBody>
+          <a:bodyPr wrap="square" rtlCol="0">
+            <a:spAutoFit/>
+          </a:bodyPr>
+          <a:lstStyle/>
+          <a:p>
+            <a:r>
+              <a:rPr lang="en-US" sz="2200" dirty="0">
+                <a:latin typeface="Helvetica Neue" charset="0"/>
+                <a:ea typeface="Helvetica Neue" charset="0"/>
+                <a:cs typeface="Helvetica Neue" charset="0"/>
+              </a:rPr>
+              <a:t>c</a:t>
+            </a:r>
+            <a:r>
+              <a:rPr lang="en-US" sz="2200" dirty="0" smtClean="0">
+                <a:latin typeface="Helvetica Neue" charset="0"/>
+                <a:ea typeface="Helvetica Neue" charset="0"/>
+                <a:cs typeface="Helvetica Neue" charset="0"/>
+              </a:rPr>
+              <a:t>ar retrieval</a:t>
+            </a:r>
+            <a:endParaRPr lang="en-US" sz="2200" dirty="0">
+              <a:latin typeface="Helvetica Neue" charset="0"/>
+              <a:ea typeface="Helvetica Neue" charset="0"/>
+              <a:cs typeface="Helvetica Neue" charset="0"/>
+            </a:endParaRPr>
           </a:p>
         </p:txBody>
       </p:sp>
     </p:spTree>
     <p:extLst>
       <p:ext uri="{BB962C8B-B14F-4D97-AF65-F5344CB8AC3E}">
-        <p14:creationId xmlns:p14="http://schemas.microsoft.com/office/powerpoint/2010/main" val="1324857208"/>
+        <p14:creationId xmlns:p14="http://schemas.microsoft.com/office/powerpoint/2010/main" val="1611116845"/>
       </p:ext>
     </p:extLst>
   </p:cSld>
@@ -9576,7 +13691,18 @@
                 <a:ea typeface="Helvetica Neue" charset="0"/>
                 <a:cs typeface="Helvetica Neue" charset="0"/>
               </a:rPr>
-              <a:t>Extra fees and discounts</a:t>
+              <a:t>Car </a:t>
+            </a:r>
+            <a:r>
+              <a:rPr lang="en-US" sz="6000" dirty="0" smtClean="0">
+                <a:solidFill>
+                  <a:schemeClr val="accent2"/>
+                </a:solidFill>
+                <a:latin typeface="Helvetica Neue" charset="0"/>
+                <a:ea typeface="Helvetica Neue" charset="0"/>
+                <a:cs typeface="Helvetica Neue" charset="0"/>
+              </a:rPr>
+              <a:t>retrieval</a:t>
             </a:r>
             <a:endParaRPr lang="en-US" sz="6000" dirty="0">
               <a:solidFill>
@@ -9680,7 +13806,7 @@
       </p:sp>
       <p:sp>
         <p:nvSpPr>
-          <p:cNvPr id="61" name="Content Placeholder 2"/>
+          <p:cNvPr id="15" name="Content Placeholder 2"/>
           <p:cNvSpPr>
             <a:spLocks noGrp="1"/>
           </p:cNvSpPr>
@@ -9690,24 +13816,45 @@
         </p:nvSpPr>
         <p:spPr>
           <a:xfrm>
-            <a:off x="2061808" y="2218463"/>
-            <a:ext cx="7763581" cy="1811854"/>
-          </a:xfrm>
-        </p:spPr>
-        <p:txBody>
-          <a:bodyPr>
+            <a:off x="1092763" y="2734054"/>
+            <a:ext cx="10060687" cy="2422044"/>
+          </a:xfrm>
+        </p:spPr>
+        <p:txBody>
+          <a:bodyPr wrap="square">
             <a:noAutofit/>
           </a:bodyPr>
           <a:lstStyle/>
           <a:p>
+            <a:r>
+              <a:rPr lang="en-US" sz="2500" dirty="0">
+                <a:latin typeface="Helvetica Neue" charset="0"/>
+                <a:ea typeface="Helvetica Neue" charset="0"/>
+                <a:cs typeface="Helvetica Neue" charset="0"/>
+              </a:rPr>
+              <a:t>a set of employees </a:t>
+            </a:r>
             <a:r>
               <a:rPr lang="en-US" sz="2500" dirty="0" smtClean="0">
                 <a:latin typeface="Helvetica Neue" charset="0"/>
                 <a:ea typeface="Helvetica Neue" charset="0"/>
                 <a:cs typeface="Helvetica Neue" charset="0"/>
               </a:rPr>
-              <a:t>Only the highest percentage discount is applied</a:t>
-            </a:r>
+              <a:t>has access to a </a:t>
+            </a:r>
+            <a:r>
+              <a:rPr lang="en-US" sz="2500" dirty="0">
+                <a:latin typeface="Helvetica Neue" charset="0"/>
+                <a:ea typeface="Helvetica Neue" charset="0"/>
+                <a:cs typeface="Helvetica Neue" charset="0"/>
+              </a:rPr>
+              <a:t>dedicated application </a:t>
+            </a:r>
+            <a:endParaRPr lang="en-US" sz="2500" dirty="0" smtClean="0">
+              <a:latin typeface="Helvetica Neue" charset="0"/>
+              <a:ea typeface="Helvetica Neue" charset="0"/>
+              <a:cs typeface="Helvetica Neue" charset="0"/>
+            </a:endParaRPr>
           </a:p>
           <a:p>
             <a:r>
@@ -9716,50 +13863,33 @@
                 <a:ea typeface="Helvetica Neue" charset="0"/>
                 <a:cs typeface="Helvetica Neue" charset="0"/>
               </a:rPr>
-              <a:t>No discounts is applied if any extra fee is charged</a:t>
-            </a:r>
-          </a:p>
-          <a:p>
+              <a:t>when </a:t>
+            </a:r>
+            <a:r>
+              <a:rPr lang="en-US" sz="2500" dirty="0">
+                <a:latin typeface="Helvetica Neue" charset="0"/>
+                <a:ea typeface="Helvetica Neue" charset="0"/>
+                <a:cs typeface="Helvetica Neue" charset="0"/>
+              </a:rPr>
+              <a:t>a car enters the "dislocated" state, a notification is broadcast containing the specifics for the </a:t>
+            </a:r>
             <a:r>
               <a:rPr lang="en-US" sz="2500" dirty="0" smtClean="0">
                 <a:latin typeface="Helvetica Neue" charset="0"/>
                 <a:ea typeface="Helvetica Neue" charset="0"/>
                 <a:cs typeface="Helvetica Neue" charset="0"/>
               </a:rPr>
-              <a:t>Extra charges are applied cumulatively</a:t>
-            </a:r>
-          </a:p>
-        </p:txBody>
-      </p:sp>
-      <p:sp>
-        <p:nvSpPr>
-          <p:cNvPr id="62" name="TextBox 61"/>
-          <p:cNvSpPr txBox="1"/>
-          <p:nvPr/>
-        </p:nvSpPr>
-        <p:spPr>
-          <a:xfrm>
-            <a:off x="1301172" y="5080624"/>
-            <a:ext cx="9643871" cy="861774"/>
-          </a:xfrm>
-          <a:prstGeom prst="rect">
-            <a:avLst/>
-          </a:prstGeom>
-          <a:noFill/>
-        </p:spPr>
-        <p:txBody>
-          <a:bodyPr wrap="square" rtlCol="0">
-            <a:spAutoFit/>
-          </a:bodyPr>
-          <a:lstStyle/>
-          <a:p>
-            <a:r>
-              <a:rPr lang="en-US" sz="2500" b="1" dirty="0" smtClean="0">
+              <a:t>retrieval</a:t>
+            </a:r>
+          </a:p>
+          <a:p>
+            <a:r>
+              <a:rPr lang="en-US" sz="2500" dirty="0">
                 <a:latin typeface="Helvetica Neue" charset="0"/>
                 <a:ea typeface="Helvetica Neue" charset="0"/>
                 <a:cs typeface="Helvetica Neue" charset="0"/>
               </a:rPr>
-              <a:t>RATIONALE</a:t>
+              <a:t>a</a:t>
             </a:r>
             <a:r>
               <a:rPr lang="en-US" sz="2500" dirty="0" smtClean="0">
@@ -9767,9 +13897,43 @@
                 <a:ea typeface="Helvetica Neue" charset="0"/>
                 <a:cs typeface="Helvetica Neue" charset="0"/>
               </a:rPr>
-              <a:t>: we want to discourage negative behavior from the users and to prevent the users from abusing the discount system</a:t>
-            </a:r>
-            <a:endParaRPr lang="en-US" sz="2500" dirty="0">
+              <a:t>n </a:t>
+            </a:r>
+            <a:r>
+              <a:rPr lang="en-US" sz="2500" dirty="0">
+                <a:latin typeface="Helvetica Neue" charset="0"/>
+                <a:ea typeface="Helvetica Neue" charset="0"/>
+                <a:cs typeface="Helvetica Neue" charset="0"/>
+              </a:rPr>
+              <a:t>employee accepts the retrieval </a:t>
+            </a:r>
+            <a:r>
+              <a:rPr lang="en-US" sz="2500" dirty="0" smtClean="0">
+                <a:latin typeface="Helvetica Neue" charset="0"/>
+                <a:ea typeface="Helvetica Neue" charset="0"/>
+                <a:cs typeface="Helvetica Neue" charset="0"/>
+              </a:rPr>
+              <a:t>request </a:t>
+            </a:r>
+          </a:p>
+          <a:p>
+            <a:r>
+              <a:rPr lang="en-US" sz="2500" dirty="0" smtClean="0">
+                <a:latin typeface="Helvetica Neue" charset="0"/>
+                <a:ea typeface="Helvetica Neue" charset="0"/>
+                <a:cs typeface="Helvetica Neue" charset="0"/>
+              </a:rPr>
+              <a:t>he/she brings </a:t>
+            </a:r>
+            <a:r>
+              <a:rPr lang="en-US" sz="2500" dirty="0">
+                <a:latin typeface="Helvetica Neue" charset="0"/>
+                <a:ea typeface="Helvetica Neue" charset="0"/>
+                <a:cs typeface="Helvetica Neue" charset="0"/>
+              </a:rPr>
+              <a:t>the car back to a safe area, recharging it if needed</a:t>
+            </a:r>
+            <a:endParaRPr lang="en-US" sz="2500" dirty="0" smtClean="0">
               <a:latin typeface="Helvetica Neue" charset="0"/>
               <a:ea typeface="Helvetica Neue" charset="0"/>
               <a:cs typeface="Helvetica Neue" charset="0"/>
@@ -9777,10 +13941,127 @@
           </a:p>
         </p:txBody>
       </p:sp>
+      <p:sp>
+        <p:nvSpPr>
+          <p:cNvPr id="17" name="Title 1"/>
+          <p:cNvSpPr txBox="1">
+            <a:spLocks/>
+          </p:cNvSpPr>
+          <p:nvPr/>
+        </p:nvSpPr>
+        <p:spPr>
+          <a:xfrm>
+            <a:off x="1981755" y="1652662"/>
+            <a:ext cx="8282702" cy="596885"/>
+          </a:xfrm>
+          <a:prstGeom prst="rect">
+            <a:avLst/>
+          </a:prstGeom>
+        </p:spPr>
+        <p:txBody>
+          <a:bodyPr vert="horz" lIns="91440" tIns="45720" rIns="91440" bIns="45720" rtlCol="0" anchor="t">
+            <a:noAutofit/>
+          </a:bodyPr>
+          <a:lstStyle>
+            <a:lvl1pPr algn="l" defTabSz="457200" rtl="0" eaLnBrk="1" latinLnBrk="0" hangingPunct="1">
+              <a:spcBef>
+                <a:spcPct val="0"/>
+              </a:spcBef>
+              <a:buNone/>
+              <a:defRPr sz="3600" kern="1200">
+                <a:solidFill>
+                  <a:schemeClr val="accent1"/>
+                </a:solidFill>
+                <a:latin typeface="+mj-lt"/>
+                <a:ea typeface="+mj-ea"/>
+                <a:cs typeface="+mj-cs"/>
+              </a:defRPr>
+            </a:lvl1pPr>
+            <a:lvl2pPr eaLnBrk="1" hangingPunct="1">
+              <a:defRPr>
+                <a:solidFill>
+                  <a:schemeClr val="tx2"/>
+                </a:solidFill>
+              </a:defRPr>
+            </a:lvl2pPr>
+            <a:lvl3pPr eaLnBrk="1" hangingPunct="1">
+              <a:defRPr>
+                <a:solidFill>
+                  <a:schemeClr val="tx2"/>
+                </a:solidFill>
+              </a:defRPr>
+            </a:lvl3pPr>
+            <a:lvl4pPr eaLnBrk="1" hangingPunct="1">
+              <a:defRPr>
+                <a:solidFill>
+                  <a:schemeClr val="tx2"/>
+                </a:solidFill>
+              </a:defRPr>
+            </a:lvl4pPr>
+            <a:lvl5pPr eaLnBrk="1" hangingPunct="1">
+              <a:defRPr>
+                <a:solidFill>
+                  <a:schemeClr val="tx2"/>
+                </a:solidFill>
+              </a:defRPr>
+            </a:lvl5pPr>
+            <a:lvl6pPr eaLnBrk="1" hangingPunct="1">
+              <a:defRPr>
+                <a:solidFill>
+                  <a:schemeClr val="tx2"/>
+                </a:solidFill>
+              </a:defRPr>
+            </a:lvl6pPr>
+            <a:lvl7pPr eaLnBrk="1" hangingPunct="1">
+              <a:defRPr>
+                <a:solidFill>
+                  <a:schemeClr val="tx2"/>
+                </a:solidFill>
+              </a:defRPr>
+            </a:lvl7pPr>
+            <a:lvl8pPr eaLnBrk="1" hangingPunct="1">
+              <a:defRPr>
+                <a:solidFill>
+                  <a:schemeClr val="tx2"/>
+                </a:solidFill>
+              </a:defRPr>
+            </a:lvl8pPr>
+            <a:lvl9pPr eaLnBrk="1" hangingPunct="1">
+              <a:defRPr>
+                <a:solidFill>
+                  <a:schemeClr val="tx2"/>
+                </a:solidFill>
+              </a:defRPr>
+            </a:lvl9pPr>
+          </a:lstStyle>
+          <a:p>
+            <a:pPr algn="ctr"/>
+            <a:r>
+              <a:rPr lang="en-US" sz="3000" smtClean="0">
+                <a:solidFill>
+                  <a:srgbClr val="2E83C3"/>
+                </a:solidFill>
+                <a:latin typeface="Helvetica Neue" charset="0"/>
+                <a:ea typeface="Helvetica Neue" charset="0"/>
+                <a:cs typeface="Helvetica Neue" charset="0"/>
+              </a:rPr>
+              <a:t>What if a user parks in a non-safe area?</a:t>
+            </a:r>
+            <a:endParaRPr lang="en-US" sz="3000" dirty="0">
+              <a:solidFill>
+                <a:srgbClr val="2E83C3"/>
+              </a:solidFill>
+              <a:latin typeface="Helvetica Neue" charset="0"/>
+              <a:ea typeface="Helvetica Neue" charset="0"/>
+              <a:cs typeface="Helvetica Neue" charset="0"/>
+            </a:endParaRPr>
+          </a:p>
+        </p:txBody>
+      </p:sp>
     </p:spTree>
     <p:extLst>
       <p:ext uri="{BB962C8B-B14F-4D97-AF65-F5344CB8AC3E}">
-        <p14:creationId xmlns:p14="http://schemas.microsoft.com/office/powerpoint/2010/main" val="1436265590"/>
+        <p14:creationId xmlns:p14="http://schemas.microsoft.com/office/powerpoint/2010/main" val="2126446521"/>
       </p:ext>
     </p:extLst>
   </p:cSld>
@@ -9816,6 +14097,51 @@
       </p:grpSpPr>
       <p:sp>
         <p:nvSpPr>
+          <p:cNvPr id="2" name="Title 1"/>
+          <p:cNvSpPr>
+            <a:spLocks noGrp="1"/>
+          </p:cNvSpPr>
+          <p:nvPr>
+            <p:ph type="title"/>
+          </p:nvPr>
+        </p:nvSpPr>
+        <p:spPr>
+          <a:xfrm>
+            <a:off x="474663" y="138010"/>
+            <a:ext cx="11296890" cy="1030146"/>
+          </a:xfrm>
+        </p:spPr>
+        <p:txBody>
+          <a:bodyPr>
+            <a:noAutofit/>
+          </a:bodyPr>
+          <a:lstStyle/>
+          <a:p>
+            <a:pPr algn="ctr"/>
+            <a:r>
+              <a:rPr lang="en-US" sz="6000" dirty="0" smtClean="0">
+                <a:solidFill>
+                  <a:schemeClr val="accent2"/>
+                </a:solidFill>
+                <a:latin typeface="Helvetica Neue" charset="0"/>
+                <a:ea typeface="Helvetica Neue" charset="0"/>
+                <a:cs typeface="Helvetica Neue" charset="0"/>
+              </a:rPr>
+              <a:t>Extra fees and discounts</a:t>
+            </a:r>
+            <a:endParaRPr lang="en-US" sz="6000" dirty="0">
+              <a:solidFill>
+                <a:schemeClr val="accent2"/>
+              </a:solidFill>
+              <a:latin typeface="Helvetica Neue" charset="0"/>
+              <a:ea typeface="Helvetica Neue" charset="0"/>
+              <a:cs typeface="Helvetica Neue" charset="0"/>
+            </a:endParaRPr>
+          </a:p>
+        </p:txBody>
+      </p:sp>
+      <p:sp>
+        <p:nvSpPr>
           <p:cNvPr id="4" name="Footer Placeholder 3"/>
           <p:cNvSpPr>
             <a:spLocks noGrp="1"/>
@@ -9891,6 +14217,231 @@
               </a:rPr>
               <a:pPr/>
               <a:t>7</a:t>
+            </a:fld>
+            <a:endParaRPr lang="en-US" dirty="0">
+              <a:solidFill>
+                <a:srgbClr val="5FCBEF"/>
+              </a:solidFill>
+              <a:latin typeface="Helvetica Neue" charset="0"/>
+              <a:ea typeface="Helvetica Neue" charset="0"/>
+              <a:cs typeface="Helvetica Neue" charset="0"/>
+            </a:endParaRPr>
+          </a:p>
+        </p:txBody>
+      </p:sp>
+      <p:sp>
+        <p:nvSpPr>
+          <p:cNvPr id="61" name="Content Placeholder 2"/>
+          <p:cNvSpPr>
+            <a:spLocks noGrp="1"/>
+          </p:cNvSpPr>
+          <p:nvPr>
+            <p:ph idx="1"/>
+          </p:nvPr>
+        </p:nvSpPr>
+        <p:spPr>
+          <a:xfrm>
+            <a:off x="2223853" y="2311060"/>
+            <a:ext cx="7763581" cy="1624332"/>
+          </a:xfrm>
+        </p:spPr>
+        <p:txBody>
+          <a:bodyPr>
+            <a:noAutofit/>
+          </a:bodyPr>
+          <a:lstStyle/>
+          <a:p>
+            <a:r>
+              <a:rPr lang="en-US" sz="2500" dirty="0" smtClean="0">
+                <a:latin typeface="Helvetica Neue" charset="0"/>
+                <a:ea typeface="Helvetica Neue" charset="0"/>
+                <a:cs typeface="Helvetica Neue" charset="0"/>
+              </a:rPr>
+              <a:t>Only the highest percentage discount is applied</a:t>
+            </a:r>
+          </a:p>
+          <a:p>
+            <a:r>
+              <a:rPr lang="en-US" sz="2500" dirty="0" smtClean="0">
+                <a:latin typeface="Helvetica Neue" charset="0"/>
+                <a:ea typeface="Helvetica Neue" charset="0"/>
+                <a:cs typeface="Helvetica Neue" charset="0"/>
+              </a:rPr>
+              <a:t>No discounts is applied if any extra fee is charged</a:t>
+            </a:r>
+          </a:p>
+          <a:p>
+            <a:r>
+              <a:rPr lang="en-US" sz="2500" dirty="0" smtClean="0">
+                <a:latin typeface="Helvetica Neue" charset="0"/>
+                <a:ea typeface="Helvetica Neue" charset="0"/>
+                <a:cs typeface="Helvetica Neue" charset="0"/>
+              </a:rPr>
+              <a:t>Extra charges are applied cumulatively</a:t>
+            </a:r>
+          </a:p>
+        </p:txBody>
+      </p:sp>
+      <p:sp>
+        <p:nvSpPr>
+          <p:cNvPr id="62" name="TextBox 61"/>
+          <p:cNvSpPr txBox="1"/>
+          <p:nvPr/>
+        </p:nvSpPr>
+        <p:spPr>
+          <a:xfrm>
+            <a:off x="1301172" y="5080624"/>
+            <a:ext cx="9643871" cy="861774"/>
+          </a:xfrm>
+          <a:prstGeom prst="rect">
+            <a:avLst/>
+          </a:prstGeom>
+          <a:noFill/>
+        </p:spPr>
+        <p:txBody>
+          <a:bodyPr wrap="square" rtlCol="0">
+            <a:spAutoFit/>
+          </a:bodyPr>
+          <a:lstStyle/>
+          <a:p>
+            <a:r>
+              <a:rPr lang="en-US" sz="2500" b="1" dirty="0" smtClean="0">
+                <a:latin typeface="Helvetica Neue" charset="0"/>
+                <a:ea typeface="Helvetica Neue" charset="0"/>
+                <a:cs typeface="Helvetica Neue" charset="0"/>
+              </a:rPr>
+              <a:t>RATIONALE</a:t>
+            </a:r>
+            <a:r>
+              <a:rPr lang="en-US" sz="2500" dirty="0" smtClean="0">
+                <a:latin typeface="Helvetica Neue" charset="0"/>
+                <a:ea typeface="Helvetica Neue" charset="0"/>
+                <a:cs typeface="Helvetica Neue" charset="0"/>
+              </a:rPr>
+              <a:t>: we want to discourage negative behavior from the users and to prevent the users from abusing the discount system</a:t>
+            </a:r>
+            <a:endParaRPr lang="en-US" sz="2500" dirty="0">
+              <a:latin typeface="Helvetica Neue" charset="0"/>
+              <a:ea typeface="Helvetica Neue" charset="0"/>
+              <a:cs typeface="Helvetica Neue" charset="0"/>
+            </a:endParaRPr>
+          </a:p>
+        </p:txBody>
+      </p:sp>
+    </p:spTree>
+    <p:extLst>
+      <p:ext uri="{BB962C8B-B14F-4D97-AF65-F5344CB8AC3E}">
+        <p14:creationId xmlns:p14="http://schemas.microsoft.com/office/powerpoint/2010/main" val="1436265590"/>
+      </p:ext>
+    </p:extLst>
+  </p:cSld>
+  <p:clrMapOvr>
+    <a:masterClrMapping/>
+  </p:clrMapOvr>
+  <p:timing>
+    <p:tnLst>
+      <p:par>
+        <p:cTn id="1" dur="indefinite" restart="never" nodeType="tmRoot"/>
+      </p:par>
+    </p:tnLst>
+  </p:timing>
+</p:sld>
+</file>
+
+<file path=ppt/slides/slide8.xml><?xml version="1.0" encoding="utf-8"?>
+<p:sld xmlns:a="http://schemas.openxmlformats.org/drawingml/2006/main" xmlns:r="http://schemas.openxmlformats.org/officeDocument/2006/relationships" xmlns:p="http://schemas.openxmlformats.org/presentationml/2006/main" showMasterSp="0">
+  <p:cSld>
+    <p:spTree>
+      <p:nvGrpSpPr>
+        <p:cNvPr id="1" name=""/>
+        <p:cNvGrpSpPr/>
+        <p:nvPr/>
+      </p:nvGrpSpPr>
+      <p:grpSpPr>
+        <a:xfrm>
+          <a:off x="0" y="0"/>
+          <a:ext cx="0" cy="0"/>
+          <a:chOff x="0" y="0"/>
+          <a:chExt cx="0" cy="0"/>
+        </a:xfrm>
+      </p:grpSpPr>
+      <p:sp>
+        <p:nvSpPr>
+          <p:cNvPr id="4" name="Footer Placeholder 3"/>
+          <p:cNvSpPr>
+            <a:spLocks noGrp="1"/>
+          </p:cNvSpPr>
+          <p:nvPr>
+            <p:ph type="ftr" sz="quarter" idx="11"/>
+          </p:nvPr>
+        </p:nvSpPr>
+        <p:spPr>
+          <a:xfrm>
+            <a:off x="677334" y="6376007"/>
+            <a:ext cx="6297612" cy="365125"/>
+          </a:xfrm>
+        </p:spPr>
+        <p:txBody>
+          <a:bodyPr/>
+          <a:lstStyle/>
+          <a:p>
+            <a:r>
+              <a:rPr lang="en-US" dirty="0" smtClean="0">
+                <a:solidFill>
+                  <a:prstClr val="black">
+                    <a:tint val="75000"/>
+                  </a:prstClr>
+                </a:solidFill>
+                <a:latin typeface="Helvetica Neue" charset="0"/>
+                <a:ea typeface="Helvetica Neue" charset="0"/>
+                <a:cs typeface="Helvetica Neue" charset="0"/>
+              </a:rPr>
+              <a:t>Francesco Peverelli - Federico Reppucci</a:t>
+            </a:r>
+            <a:endParaRPr lang="en-US" dirty="0">
+              <a:solidFill>
+                <a:prstClr val="black">
+                  <a:tint val="75000"/>
+                </a:prstClr>
+              </a:solidFill>
+              <a:latin typeface="Helvetica Neue" charset="0"/>
+              <a:ea typeface="Helvetica Neue" charset="0"/>
+              <a:cs typeface="Helvetica Neue" charset="0"/>
+            </a:endParaRPr>
+          </a:p>
+        </p:txBody>
+      </p:sp>
+      <p:sp>
+        <p:nvSpPr>
+          <p:cNvPr id="5" name="Slide Number Placeholder 4"/>
+          <p:cNvSpPr>
+            <a:spLocks noGrp="1"/>
+          </p:cNvSpPr>
+          <p:nvPr>
+            <p:ph type="sldNum" sz="quarter" idx="12"/>
+          </p:nvPr>
+        </p:nvSpPr>
+        <p:spPr>
+          <a:xfrm>
+            <a:off x="11088214" y="6376006"/>
+            <a:ext cx="683339" cy="365125"/>
+          </a:xfrm>
+        </p:spPr>
+        <p:txBody>
+          <a:bodyPr/>
+          <a:lstStyle/>
+          <a:p>
+            <a:fld id="{D57F1E4F-1CFF-5643-939E-217C01CDF565}" type="slidenum">
+              <a:rPr lang="en-US" smtClean="0">
+                <a:solidFill>
+                  <a:srgbClr val="5FCBEF"/>
+                </a:solidFill>
+                <a:latin typeface="Helvetica Neue" charset="0"/>
+                <a:ea typeface="Helvetica Neue" charset="0"/>
+                <a:cs typeface="Helvetica Neue" charset="0"/>
+              </a:rPr>
+              <a:pPr/>
+              <a:t>8</a:t>
             </a:fld>
             <a:endParaRPr lang="en-US" dirty="0">
               <a:solidFill>
@@ -9965,18 +14516,13 @@
                 <a:ea typeface="Helvetica Neue" charset="0"/>
                 <a:cs typeface="Helvetica Neue" charset="0"/>
               </a:rPr>
-              <a:t>Elicited</a:t>
-            </a:r>
-            <a:r>
-              <a:rPr lang="en-US" sz="5400" dirty="0">
-                <a:latin typeface="Helvetica Neue" charset="0"/>
-                <a:ea typeface="Helvetica Neue" charset="0"/>
-                <a:cs typeface="Helvetica Neue" charset="0"/>
-              </a:rPr>
-              <a:t/>
+              <a:t>Functionalities</a:t>
             </a:r>
             <a:br>
-              <a:rPr lang="en-US" sz="5400" dirty="0">
+              <a:rPr lang="en-US" sz="5400" dirty="0" smtClean="0">
+                <a:solidFill>
+                  <a:schemeClr val="accent2"/>
+                </a:solidFill>
                 <a:latin typeface="Helvetica Neue" charset="0"/>
                 <a:ea typeface="Helvetica Neue" charset="0"/>
                 <a:cs typeface="Helvetica Neue" charset="0"/>
@@ -9991,7 +14537,7 @@
                 <a:ea typeface="Helvetica Neue" charset="0"/>
                 <a:cs typeface="Helvetica Neue" charset="0"/>
               </a:rPr>
-              <a:t>functionalities</a:t>
+              <a:t>overview</a:t>
             </a:r>
             <a:endParaRPr lang="en-US" sz="5000" dirty="0">
               <a:solidFill>
@@ -10024,7 +14570,7 @@
 </p:sld>
 </file>
 
-<file path=ppt/slides/slide8.xml><?xml version="1.0" encoding="utf-8"?>
+<file path=ppt/slides/slide9.xml><?xml version="1.0" encoding="utf-8"?>
 <p:sld xmlns:a="http://schemas.openxmlformats.org/drawingml/2006/main" xmlns:r="http://schemas.openxmlformats.org/officeDocument/2006/relationships" xmlns:p="http://schemas.openxmlformats.org/presentationml/2006/main" showMasterSp="0" show="0">
   <p:cSld>
     <p:spTree>
@@ -10162,7 +14708,7 @@
                 <a:cs typeface="Helvetica Neue" charset="0"/>
               </a:rPr>
               <a:pPr/>
-              <a:t>8</a:t>
+              <a:t>9</a:t>
             </a:fld>
             <a:endParaRPr lang="en-US" dirty="0">
               <a:solidFill>
